--- a/Project_DEFI/MSP_Template.pptx
+++ b/Project_DEFI/MSP_Template.pptx
@@ -5,17 +5,26 @@
     <p:sldMasterId id="2147483657" r:id="rId4"/>
   </p:sldMasterIdLst>
   <p:notesMasterIdLst>
-    <p:notesMasterId r:id="rId10"/>
+    <p:notesMasterId r:id="rId19"/>
   </p:notesMasterIdLst>
   <p:handoutMasterIdLst>
-    <p:handoutMasterId r:id="rId11"/>
+    <p:handoutMasterId r:id="rId20"/>
   </p:handoutMasterIdLst>
   <p:sldIdLst>
     <p:sldId id="2147472796" r:id="rId5"/>
     <p:sldId id="298" r:id="rId6"/>
     <p:sldId id="2147472670" r:id="rId7"/>
     <p:sldId id="301" r:id="rId8"/>
-    <p:sldId id="292" r:id="rId9"/>
+    <p:sldId id="2147472798" r:id="rId9"/>
+    <p:sldId id="2147472799" r:id="rId10"/>
+    <p:sldId id="2147472800" r:id="rId11"/>
+    <p:sldId id="2147472801" r:id="rId12"/>
+    <p:sldId id="2147472802" r:id="rId13"/>
+    <p:sldId id="2147472803" r:id="rId14"/>
+    <p:sldId id="2147472804" r:id="rId15"/>
+    <p:sldId id="2147472805" r:id="rId16"/>
+    <p:sldId id="2147472797" r:id="rId17"/>
+    <p:sldId id="292" r:id="rId18"/>
   </p:sldIdLst>
   <p:sldSz cx="12192000" cy="6858000"/>
   <p:notesSz cx="6858000" cy="9144000"/>
@@ -343,7 +352,7 @@
           <a:p>
             <a:fld id="{EEC665CA-D682-48EC-95D2-126FD6449D65}" type="datetime1">
               <a:rPr lang="de-CH" sz="900" smtClean="0"/>
-              <a:t>26.05.2025</a:t>
+              <a:t>05.07.2025</a:t>
             </a:fld>
             <a:endParaRPr lang="de-CH" sz="900"/>
           </a:p>
@@ -413,7 +422,7 @@
           <a:p>
             <a:fld id="{2CEDAA2C-602C-494B-9BFF-F0D7FF14E319}" type="slidenum">
               <a:rPr lang="de-CH" sz="900" smtClean="0"/>
-              <a:t>‹#›</a:t>
+              <a:t>‹Nr.›</a:t>
             </a:fld>
             <a:endParaRPr lang="de-CH" sz="900" dirty="0"/>
           </a:p>
@@ -566,7 +575,7 @@
             <a:fld id="{83C81C81-E364-4366-A610-2DB15FF98538}" type="slidenum">
               <a:rPr lang="de-CH" smtClean="0"/>
               <a:pPr/>
-              <a:t>‹#›</a:t>
+              <a:t>‹Nr.›</a:t>
             </a:fld>
             <a:endParaRPr lang="de-CH" dirty="0"/>
           </a:p>
@@ -661,7 +670,7 @@
           <a:p>
             <a:fld id="{A17AAF7D-4283-4014-80F4-26E915FEACF8}" type="datetime1">
               <a:rPr lang="de-CH" smtClean="0"/>
-              <a:t>26.05.2025</a:t>
+              <a:t>05.07.2025</a:t>
             </a:fld>
             <a:endParaRPr lang="de-CH" dirty="0"/>
           </a:p>
@@ -935,6 +944,2179 @@
 </p:notes>
 </file>
 
+<file path=ppt/notesSlides/notesSlide10.xml><?xml version="1.0" encoding="utf-8"?>
+<p:notes xmlns:a="http://schemas.openxmlformats.org/drawingml/2006/main" xmlns:r="http://schemas.openxmlformats.org/officeDocument/2006/relationships" xmlns:p="http://schemas.openxmlformats.org/presentationml/2006/main">
+  <p:cSld>
+    <p:spTree>
+      <p:nvGrpSpPr>
+        <p:cNvPr id="1" name="">
+          <a:extLst>
+            <a:ext uri="{FF2B5EF4-FFF2-40B4-BE49-F238E27FC236}">
+              <a16:creationId xmlns:a16="http://schemas.microsoft.com/office/drawing/2014/main" id="{B3A033CE-2BE0-C5F2-F814-FF4C90863C86}"/>
+            </a:ext>
+          </a:extLst>
+        </p:cNvPr>
+        <p:cNvGrpSpPr/>
+        <p:nvPr/>
+      </p:nvGrpSpPr>
+      <p:grpSpPr>
+        <a:xfrm>
+          <a:off x="0" y="0"/>
+          <a:ext cx="0" cy="0"/>
+          <a:chOff x="0" y="0"/>
+          <a:chExt cx="0" cy="0"/>
+        </a:xfrm>
+      </p:grpSpPr>
+      <p:sp>
+        <p:nvSpPr>
+          <p:cNvPr id="2" name="Folienbildplatzhalter 1">
+            <a:extLst>
+              <a:ext uri="{FF2B5EF4-FFF2-40B4-BE49-F238E27FC236}">
+                <a16:creationId xmlns:a16="http://schemas.microsoft.com/office/drawing/2014/main" id="{5100ABE4-D93B-1079-04B4-16DD708A0F5D}"/>
+              </a:ext>
+            </a:extLst>
+          </p:cNvPr>
+          <p:cNvSpPr>
+            <a:spLocks noGrp="1" noRot="1" noChangeAspect="1"/>
+          </p:cNvSpPr>
+          <p:nvPr>
+            <p:ph type="sldImg"/>
+          </p:nvPr>
+        </p:nvSpPr>
+        <p:spPr>
+          <a:xfrm>
+            <a:off x="765175" y="900113"/>
+            <a:ext cx="5559425" cy="3127375"/>
+          </a:xfrm>
+        </p:spPr>
+      </p:sp>
+      <p:sp>
+        <p:nvSpPr>
+          <p:cNvPr id="3" name="Notizenplatzhalter 2">
+            <a:extLst>
+              <a:ext uri="{FF2B5EF4-FFF2-40B4-BE49-F238E27FC236}">
+                <a16:creationId xmlns:a16="http://schemas.microsoft.com/office/drawing/2014/main" id="{DA8DCA1C-81AF-158E-55A9-A95D4BF82CD8}"/>
+              </a:ext>
+            </a:extLst>
+          </p:cNvPr>
+          <p:cNvSpPr>
+            <a:spLocks noGrp="1"/>
+          </p:cNvSpPr>
+          <p:nvPr>
+            <p:ph type="body" idx="1"/>
+          </p:nvPr>
+        </p:nvSpPr>
+        <p:spPr/>
+        <p:txBody>
+          <a:bodyPr/>
+          <a:lstStyle/>
+          <a:p>
+            <a:r>
+              <a:rPr lang="de-CH" dirty="0" err="1"/>
+              <a:t>Number</a:t>
+            </a:r>
+            <a:r>
+              <a:rPr lang="de-CH" dirty="0"/>
+              <a:t> </a:t>
+            </a:r>
+            <a:r>
+              <a:rPr lang="de-CH" dirty="0" err="1"/>
+              <a:t>of</a:t>
+            </a:r>
+            <a:r>
+              <a:rPr lang="de-CH" dirty="0"/>
+              <a:t> </a:t>
+            </a:r>
+            <a:r>
+              <a:rPr lang="de-CH" dirty="0" err="1"/>
+              <a:t>bit</a:t>
+            </a:r>
+            <a:r>
+              <a:rPr lang="de-CH" dirty="0"/>
+              <a:t> </a:t>
+            </a:r>
+            <a:r>
+              <a:rPr lang="de-CH" dirty="0" err="1"/>
+              <a:t>errors</a:t>
+            </a:r>
+            <a:r>
+              <a:rPr lang="de-CH" dirty="0"/>
+              <a:t> / Total </a:t>
+            </a:r>
+            <a:r>
+              <a:rPr lang="de-CH" dirty="0" err="1"/>
+              <a:t>number</a:t>
+            </a:r>
+            <a:r>
+              <a:rPr lang="de-CH" dirty="0"/>
+              <a:t> </a:t>
+            </a:r>
+            <a:r>
+              <a:rPr lang="de-CH" dirty="0" err="1"/>
+              <a:t>of</a:t>
+            </a:r>
+            <a:r>
+              <a:rPr lang="de-CH" dirty="0"/>
+              <a:t> </a:t>
+            </a:r>
+            <a:r>
+              <a:rPr lang="de-CH" dirty="0" err="1"/>
+              <a:t>bits</a:t>
+            </a:r>
+            <a:r>
+              <a:rPr lang="de-CH" dirty="0"/>
+              <a:t> </a:t>
+            </a:r>
+            <a:r>
+              <a:rPr lang="de-CH" dirty="0" err="1"/>
+              <a:t>Transmitted</a:t>
+            </a:r>
+            <a:endParaRPr lang="de-CH" dirty="0"/>
+          </a:p>
+        </p:txBody>
+      </p:sp>
+      <p:sp>
+        <p:nvSpPr>
+          <p:cNvPr id="4" name="Foliennummernplatzhalter 3">
+            <a:extLst>
+              <a:ext uri="{FF2B5EF4-FFF2-40B4-BE49-F238E27FC236}">
+                <a16:creationId xmlns:a16="http://schemas.microsoft.com/office/drawing/2014/main" id="{6677941F-8E3B-29B4-E7FB-D90752936ECD}"/>
+              </a:ext>
+            </a:extLst>
+          </p:cNvPr>
+          <p:cNvSpPr>
+            <a:spLocks noGrp="1"/>
+          </p:cNvSpPr>
+          <p:nvPr>
+            <p:ph type="sldNum" sz="quarter" idx="5"/>
+          </p:nvPr>
+        </p:nvSpPr>
+        <p:spPr/>
+        <p:txBody>
+          <a:bodyPr/>
+          <a:lstStyle/>
+          <a:p>
+            <a:fld id="{83C81C81-E364-4366-A610-2DB15FF98538}" type="slidenum">
+              <a:rPr lang="de-CH" smtClean="0"/>
+              <a:pPr/>
+              <a:t>12</a:t>
+            </a:fld>
+            <a:endParaRPr lang="de-CH" dirty="0"/>
+          </a:p>
+        </p:txBody>
+      </p:sp>
+    </p:spTree>
+    <p:extLst>
+      <p:ext uri="{BB962C8B-B14F-4D97-AF65-F5344CB8AC3E}">
+        <p14:creationId xmlns:p14="http://schemas.microsoft.com/office/powerpoint/2010/main" val="1213569893"/>
+      </p:ext>
+    </p:extLst>
+  </p:cSld>
+  <p:clrMapOvr>
+    <a:masterClrMapping/>
+  </p:clrMapOvr>
+</p:notes>
+</file>
+
+<file path=ppt/notesSlides/notesSlide2.xml><?xml version="1.0" encoding="utf-8"?>
+<p:notes xmlns:a="http://schemas.openxmlformats.org/drawingml/2006/main" xmlns:r="http://schemas.openxmlformats.org/officeDocument/2006/relationships" xmlns:p="http://schemas.openxmlformats.org/presentationml/2006/main">
+  <p:cSld>
+    <p:spTree>
+      <p:nvGrpSpPr>
+        <p:cNvPr id="1" name=""/>
+        <p:cNvGrpSpPr/>
+        <p:nvPr/>
+      </p:nvGrpSpPr>
+      <p:grpSpPr>
+        <a:xfrm>
+          <a:off x="0" y="0"/>
+          <a:ext cx="0" cy="0"/>
+          <a:chOff x="0" y="0"/>
+          <a:chExt cx="0" cy="0"/>
+        </a:xfrm>
+      </p:grpSpPr>
+      <p:sp>
+        <p:nvSpPr>
+          <p:cNvPr id="2" name="Folienbildplatzhalter 1"/>
+          <p:cNvSpPr>
+            <a:spLocks noGrp="1" noRot="1" noChangeAspect="1"/>
+          </p:cNvSpPr>
+          <p:nvPr>
+            <p:ph type="sldImg"/>
+          </p:nvPr>
+        </p:nvSpPr>
+        <p:spPr>
+          <a:xfrm>
+            <a:off x="765175" y="900113"/>
+            <a:ext cx="5559425" cy="3127375"/>
+          </a:xfrm>
+        </p:spPr>
+      </p:sp>
+      <p:sp>
+        <p:nvSpPr>
+          <p:cNvPr id="3" name="Notizenplatzhalter 2"/>
+          <p:cNvSpPr>
+            <a:spLocks noGrp="1"/>
+          </p:cNvSpPr>
+          <p:nvPr>
+            <p:ph type="body" idx="1"/>
+          </p:nvPr>
+        </p:nvSpPr>
+        <p:spPr/>
+        <p:txBody>
+          <a:bodyPr/>
+          <a:lstStyle/>
+          <a:p>
+            <a:r>
+              <a:rPr lang="de-CH" dirty="0"/>
+              <a:t>Digital Communication </a:t>
+            </a:r>
+            <a:r>
+              <a:rPr lang="de-CH" dirty="0" err="1"/>
+              <a:t>offers</a:t>
+            </a:r>
+            <a:r>
+              <a:rPr lang="de-CH" dirty="0"/>
+              <a:t> </a:t>
+            </a:r>
+            <a:r>
+              <a:rPr lang="de-CH" dirty="0" err="1"/>
+              <a:t>problems</a:t>
+            </a:r>
+            <a:r>
+              <a:rPr lang="de-CH" dirty="0"/>
+              <a:t> </a:t>
+            </a:r>
+            <a:r>
+              <a:rPr lang="de-CH" dirty="0" err="1"/>
+              <a:t>to</a:t>
+            </a:r>
+            <a:r>
+              <a:rPr lang="de-CH" dirty="0"/>
+              <a:t> </a:t>
+            </a:r>
+            <a:r>
+              <a:rPr lang="de-CH" dirty="0" err="1"/>
+              <a:t>transport</a:t>
+            </a:r>
+            <a:r>
+              <a:rPr lang="de-CH" dirty="0"/>
+              <a:t> </a:t>
+            </a:r>
+            <a:r>
+              <a:rPr lang="de-CH" dirty="0" err="1"/>
+              <a:t>information</a:t>
+            </a:r>
+            <a:r>
+              <a:rPr lang="de-CH" dirty="0"/>
+              <a:t> </a:t>
+            </a:r>
+            <a:r>
+              <a:rPr lang="de-CH" dirty="0" err="1"/>
+              <a:t>trough</a:t>
+            </a:r>
+            <a:r>
+              <a:rPr lang="de-CH" dirty="0"/>
+              <a:t> a </a:t>
+            </a:r>
+            <a:r>
+              <a:rPr lang="de-CH" dirty="0" err="1"/>
+              <a:t>channel</a:t>
+            </a:r>
+            <a:r>
+              <a:rPr lang="de-CH" dirty="0"/>
+              <a:t> e.g. Air </a:t>
+            </a:r>
+            <a:r>
+              <a:rPr lang="de-CH" dirty="0" err="1"/>
+              <a:t>or</a:t>
+            </a:r>
+            <a:r>
+              <a:rPr lang="de-CH" dirty="0"/>
+              <a:t> </a:t>
+            </a:r>
+            <a:r>
+              <a:rPr lang="de-CH" dirty="0" err="1"/>
+              <a:t>twisted</a:t>
+            </a:r>
+            <a:r>
+              <a:rPr lang="de-CH" dirty="0"/>
+              <a:t> </a:t>
+            </a:r>
+            <a:r>
+              <a:rPr lang="de-CH" dirty="0" err="1"/>
+              <a:t>copper</a:t>
+            </a:r>
+            <a:r>
+              <a:rPr lang="de-CH" dirty="0"/>
+              <a:t> pair</a:t>
+            </a:r>
+          </a:p>
+          <a:p>
+            <a:r>
+              <a:rPr lang="de-CH" dirty="0"/>
+              <a:t>ISI </a:t>
+            </a:r>
+            <a:r>
+              <a:rPr lang="de-CH" dirty="0" err="1"/>
+              <a:t>is</a:t>
+            </a:r>
+            <a:r>
+              <a:rPr lang="de-CH" dirty="0"/>
+              <a:t> </a:t>
+            </a:r>
+            <a:r>
+              <a:rPr lang="de-CH" dirty="0" err="1"/>
+              <a:t>the</a:t>
+            </a:r>
+            <a:r>
+              <a:rPr lang="de-CH" dirty="0"/>
+              <a:t> </a:t>
+            </a:r>
+            <a:r>
+              <a:rPr lang="de-CH" dirty="0" err="1"/>
+              <a:t>smearing</a:t>
+            </a:r>
+            <a:r>
+              <a:rPr lang="de-CH" dirty="0"/>
+              <a:t> </a:t>
+            </a:r>
+            <a:r>
+              <a:rPr lang="de-CH" dirty="0" err="1"/>
+              <a:t>of</a:t>
+            </a:r>
+            <a:r>
+              <a:rPr lang="de-CH" dirty="0"/>
+              <a:t> </a:t>
+            </a:r>
+            <a:r>
+              <a:rPr lang="de-CH" dirty="0" err="1"/>
+              <a:t>the</a:t>
+            </a:r>
+            <a:r>
+              <a:rPr lang="de-CH" dirty="0"/>
+              <a:t> </a:t>
+            </a:r>
+            <a:r>
+              <a:rPr lang="de-CH" dirty="0" err="1"/>
+              <a:t>symbols</a:t>
+            </a:r>
+            <a:r>
+              <a:rPr lang="de-CH" dirty="0"/>
+              <a:t>, </a:t>
+            </a:r>
+            <a:r>
+              <a:rPr lang="de-CH" dirty="0" err="1"/>
+              <a:t>influece</a:t>
+            </a:r>
+            <a:r>
+              <a:rPr lang="de-CH" dirty="0"/>
+              <a:t> </a:t>
+            </a:r>
+            <a:r>
+              <a:rPr lang="de-CH" dirty="0" err="1"/>
+              <a:t>of</a:t>
+            </a:r>
+            <a:r>
+              <a:rPr lang="de-CH" dirty="0"/>
+              <a:t> </a:t>
+            </a:r>
+            <a:r>
+              <a:rPr lang="de-CH" dirty="0" err="1"/>
+              <a:t>others</a:t>
+            </a:r>
+            <a:r>
+              <a:rPr lang="de-CH" dirty="0"/>
+              <a:t> </a:t>
+            </a:r>
+            <a:r>
+              <a:rPr lang="de-CH" dirty="0" err="1"/>
+              <a:t>symbols</a:t>
+            </a:r>
+            <a:endParaRPr lang="de-CH" dirty="0"/>
+          </a:p>
+          <a:p>
+            <a:endParaRPr lang="de-CH" dirty="0"/>
+          </a:p>
+          <a:p>
+            <a:r>
+              <a:rPr lang="de-CH" dirty="0" err="1"/>
+              <a:t>Aim</a:t>
+            </a:r>
+            <a:r>
+              <a:rPr lang="de-CH" dirty="0"/>
+              <a:t> </a:t>
+            </a:r>
+            <a:r>
+              <a:rPr lang="de-CH" dirty="0" err="1"/>
+              <a:t>is</a:t>
+            </a:r>
+            <a:r>
+              <a:rPr lang="de-CH" dirty="0"/>
+              <a:t> </a:t>
+            </a:r>
+            <a:r>
+              <a:rPr lang="de-CH" dirty="0" err="1"/>
+              <a:t>to</a:t>
+            </a:r>
+            <a:r>
+              <a:rPr lang="de-CH" dirty="0"/>
+              <a:t> «</a:t>
+            </a:r>
+            <a:r>
+              <a:rPr lang="de-CH" dirty="0" err="1"/>
+              <a:t>cancel</a:t>
+            </a:r>
+            <a:r>
+              <a:rPr lang="de-CH" dirty="0"/>
+              <a:t>» </a:t>
+            </a:r>
+            <a:r>
+              <a:rPr lang="de-CH" dirty="0" err="1"/>
+              <a:t>these</a:t>
+            </a:r>
+            <a:r>
+              <a:rPr lang="de-CH" dirty="0"/>
+              <a:t> </a:t>
+            </a:r>
+            <a:r>
+              <a:rPr lang="de-CH" dirty="0" err="1"/>
+              <a:t>interference</a:t>
+            </a:r>
+            <a:r>
+              <a:rPr lang="de-CH" dirty="0"/>
+              <a:t> an </a:t>
+            </a:r>
+            <a:r>
+              <a:rPr lang="de-CH" dirty="0" err="1"/>
+              <a:t>improve</a:t>
+            </a:r>
+            <a:r>
+              <a:rPr lang="de-CH" dirty="0"/>
+              <a:t> </a:t>
+            </a:r>
+            <a:r>
+              <a:rPr lang="de-CH" dirty="0" err="1"/>
+              <a:t>throuth</a:t>
+            </a:r>
+            <a:r>
+              <a:rPr lang="de-CH" dirty="0"/>
+              <a:t> </a:t>
+            </a:r>
+            <a:r>
+              <a:rPr lang="de-CH" dirty="0" err="1"/>
+              <a:t>that</a:t>
+            </a:r>
+            <a:r>
+              <a:rPr lang="de-CH" dirty="0"/>
+              <a:t> </a:t>
+            </a:r>
+            <a:r>
+              <a:rPr lang="de-CH" dirty="0" err="1"/>
+              <a:t>the</a:t>
+            </a:r>
+            <a:r>
+              <a:rPr lang="de-CH" dirty="0"/>
+              <a:t> </a:t>
+            </a:r>
+            <a:r>
+              <a:rPr lang="de-CH" dirty="0" err="1"/>
+              <a:t>decision</a:t>
+            </a:r>
+            <a:r>
+              <a:rPr lang="de-CH" dirty="0"/>
+              <a:t> </a:t>
+            </a:r>
+            <a:r>
+              <a:rPr lang="de-CH" dirty="0" err="1"/>
+              <a:t>for</a:t>
+            </a:r>
+            <a:r>
+              <a:rPr lang="de-CH" dirty="0"/>
+              <a:t> a </a:t>
+            </a:r>
+            <a:r>
+              <a:rPr lang="de-CH" dirty="0" err="1"/>
+              <a:t>symboe</a:t>
+            </a:r>
+            <a:r>
+              <a:rPr lang="de-CH" dirty="0"/>
+              <a:t> (</a:t>
+            </a:r>
+            <a:r>
+              <a:rPr lang="de-CH" dirty="0" err="1"/>
+              <a:t>choice</a:t>
+            </a:r>
+            <a:r>
+              <a:rPr lang="de-CH" dirty="0"/>
+              <a:t>)</a:t>
+            </a:r>
+          </a:p>
+        </p:txBody>
+      </p:sp>
+      <p:sp>
+        <p:nvSpPr>
+          <p:cNvPr id="4" name="Foliennummernplatzhalter 3"/>
+          <p:cNvSpPr>
+            <a:spLocks noGrp="1"/>
+          </p:cNvSpPr>
+          <p:nvPr>
+            <p:ph type="sldNum" sz="quarter" idx="5"/>
+          </p:nvPr>
+        </p:nvSpPr>
+        <p:spPr/>
+        <p:txBody>
+          <a:bodyPr/>
+          <a:lstStyle/>
+          <a:p>
+            <a:fld id="{83C81C81-E364-4366-A610-2DB15FF98538}" type="slidenum">
+              <a:rPr lang="de-CH" smtClean="0"/>
+              <a:pPr/>
+              <a:t>4</a:t>
+            </a:fld>
+            <a:endParaRPr lang="de-CH" dirty="0"/>
+          </a:p>
+        </p:txBody>
+      </p:sp>
+    </p:spTree>
+    <p:extLst>
+      <p:ext uri="{BB962C8B-B14F-4D97-AF65-F5344CB8AC3E}">
+        <p14:creationId xmlns:p14="http://schemas.microsoft.com/office/powerpoint/2010/main" val="3645489489"/>
+      </p:ext>
+    </p:extLst>
+  </p:cSld>
+  <p:clrMapOvr>
+    <a:masterClrMapping/>
+  </p:clrMapOvr>
+</p:notes>
+</file>
+
+<file path=ppt/notesSlides/notesSlide3.xml><?xml version="1.0" encoding="utf-8"?>
+<p:notes xmlns:a="http://schemas.openxmlformats.org/drawingml/2006/main" xmlns:r="http://schemas.openxmlformats.org/officeDocument/2006/relationships" xmlns:p="http://schemas.openxmlformats.org/presentationml/2006/main">
+  <p:cSld>
+    <p:spTree>
+      <p:nvGrpSpPr>
+        <p:cNvPr id="1" name=""/>
+        <p:cNvGrpSpPr/>
+        <p:nvPr/>
+      </p:nvGrpSpPr>
+      <p:grpSpPr>
+        <a:xfrm>
+          <a:off x="0" y="0"/>
+          <a:ext cx="0" cy="0"/>
+          <a:chOff x="0" y="0"/>
+          <a:chExt cx="0" cy="0"/>
+        </a:xfrm>
+      </p:grpSpPr>
+      <p:sp>
+        <p:nvSpPr>
+          <p:cNvPr id="2" name="Folienbildplatzhalter 1"/>
+          <p:cNvSpPr>
+            <a:spLocks noGrp="1" noRot="1" noChangeAspect="1"/>
+          </p:cNvSpPr>
+          <p:nvPr>
+            <p:ph type="sldImg"/>
+          </p:nvPr>
+        </p:nvSpPr>
+        <p:spPr>
+          <a:xfrm>
+            <a:off x="765175" y="900113"/>
+            <a:ext cx="5559425" cy="3127375"/>
+          </a:xfrm>
+        </p:spPr>
+      </p:sp>
+      <p:sp>
+        <p:nvSpPr>
+          <p:cNvPr id="3" name="Notizenplatzhalter 2"/>
+          <p:cNvSpPr>
+            <a:spLocks noGrp="1"/>
+          </p:cNvSpPr>
+          <p:nvPr>
+            <p:ph type="body" idx="1"/>
+          </p:nvPr>
+        </p:nvSpPr>
+        <p:spPr/>
+        <p:txBody>
+          <a:bodyPr/>
+          <a:lstStyle/>
+          <a:p>
+            <a:r>
+              <a:rPr lang="de-CH" dirty="0" err="1"/>
+              <a:t>When</a:t>
+            </a:r>
+            <a:r>
+              <a:rPr lang="de-CH" dirty="0"/>
+              <a:t> </a:t>
+            </a:r>
+            <a:r>
+              <a:rPr lang="de-CH" dirty="0" err="1"/>
+              <a:t>the</a:t>
+            </a:r>
+            <a:r>
+              <a:rPr lang="de-CH" dirty="0"/>
+              <a:t> </a:t>
+            </a:r>
+            <a:r>
+              <a:rPr lang="de-CH" dirty="0" err="1"/>
+              <a:t>tail</a:t>
+            </a:r>
+            <a:r>
+              <a:rPr lang="de-CH" dirty="0"/>
+              <a:t> </a:t>
+            </a:r>
+            <a:r>
+              <a:rPr lang="de-CH" dirty="0" err="1"/>
+              <a:t>of</a:t>
+            </a:r>
+            <a:r>
+              <a:rPr lang="de-CH" dirty="0"/>
+              <a:t> </a:t>
+            </a:r>
+            <a:r>
+              <a:rPr lang="de-CH" dirty="0" err="1"/>
+              <a:t>one</a:t>
+            </a:r>
+            <a:r>
+              <a:rPr lang="de-CH" dirty="0"/>
+              <a:t> </a:t>
+            </a:r>
+            <a:r>
+              <a:rPr lang="de-CH" dirty="0" err="1"/>
+              <a:t>symbol</a:t>
+            </a:r>
+            <a:r>
+              <a:rPr lang="de-CH" dirty="0"/>
+              <a:t> </a:t>
+            </a:r>
+            <a:r>
+              <a:rPr lang="de-CH" dirty="0" err="1"/>
+              <a:t>is</a:t>
+            </a:r>
+            <a:r>
+              <a:rPr lang="de-CH" dirty="0"/>
+              <a:t> </a:t>
+            </a:r>
+            <a:r>
+              <a:rPr lang="de-CH" dirty="0" err="1"/>
+              <a:t>interferes</a:t>
+            </a:r>
+            <a:r>
+              <a:rPr lang="de-CH" dirty="0"/>
+              <a:t> </a:t>
+            </a:r>
+            <a:r>
+              <a:rPr lang="de-CH" dirty="0" err="1"/>
+              <a:t>with</a:t>
+            </a:r>
+            <a:r>
+              <a:rPr lang="de-CH" dirty="0"/>
+              <a:t> </a:t>
+            </a:r>
+            <a:r>
+              <a:rPr lang="de-CH" dirty="0" err="1"/>
+              <a:t>the</a:t>
+            </a:r>
+            <a:r>
+              <a:rPr lang="de-CH" dirty="0"/>
+              <a:t> </a:t>
+            </a:r>
+            <a:r>
+              <a:rPr lang="de-CH" dirty="0" err="1"/>
+              <a:t>detecion</a:t>
+            </a:r>
+            <a:r>
+              <a:rPr lang="de-CH" dirty="0"/>
+              <a:t> </a:t>
+            </a:r>
+            <a:r>
+              <a:rPr lang="de-CH" dirty="0" err="1"/>
+              <a:t>of</a:t>
+            </a:r>
+            <a:r>
+              <a:rPr lang="de-CH" dirty="0"/>
+              <a:t> subsequent </a:t>
+            </a:r>
+            <a:r>
+              <a:rPr lang="de-CH" dirty="0" err="1"/>
+              <a:t>symbols</a:t>
+            </a:r>
+            <a:endParaRPr lang="de-CH" dirty="0"/>
+          </a:p>
+          <a:p>
+            <a:r>
+              <a:rPr lang="de-CH" dirty="0" err="1"/>
+              <a:t>transmitted</a:t>
+            </a:r>
+            <a:r>
+              <a:rPr lang="de-CH" dirty="0"/>
+              <a:t> </a:t>
+            </a:r>
+            <a:r>
+              <a:rPr lang="de-CH" dirty="0" err="1"/>
+              <a:t>signals</a:t>
+            </a:r>
+            <a:r>
+              <a:rPr lang="de-CH" dirty="0"/>
+              <a:t> </a:t>
+            </a:r>
+            <a:r>
+              <a:rPr lang="de-CH" dirty="0" err="1"/>
+              <a:t>are</a:t>
+            </a:r>
+            <a:r>
+              <a:rPr lang="de-CH" dirty="0"/>
+              <a:t> </a:t>
+            </a:r>
+            <a:r>
+              <a:rPr lang="de-CH" dirty="0" err="1"/>
+              <a:t>damped</a:t>
+            </a:r>
+            <a:r>
+              <a:rPr lang="de-CH" dirty="0"/>
+              <a:t>. </a:t>
+            </a:r>
+            <a:r>
+              <a:rPr lang="de-CH" dirty="0" err="1"/>
+              <a:t>Influece</a:t>
+            </a:r>
+            <a:r>
+              <a:rPr lang="de-CH" dirty="0"/>
+              <a:t> </a:t>
+            </a:r>
+            <a:r>
+              <a:rPr lang="de-CH" dirty="0" err="1"/>
+              <a:t>of</a:t>
+            </a:r>
+            <a:r>
+              <a:rPr lang="de-CH" dirty="0"/>
+              <a:t> </a:t>
+            </a:r>
+            <a:r>
+              <a:rPr lang="de-CH" dirty="0" err="1"/>
+              <a:t>mulitpath</a:t>
+            </a:r>
+            <a:r>
+              <a:rPr lang="de-CH" dirty="0"/>
+              <a:t>, </a:t>
+            </a:r>
+            <a:r>
+              <a:rPr lang="de-CH" dirty="0" err="1"/>
+              <a:t>from</a:t>
+            </a:r>
+            <a:r>
+              <a:rPr lang="de-CH" dirty="0"/>
+              <a:t> </a:t>
+            </a:r>
+            <a:r>
+              <a:rPr lang="de-CH" dirty="0" err="1"/>
+              <a:t>walls,same</a:t>
+            </a:r>
+            <a:r>
+              <a:rPr lang="de-CH" dirty="0"/>
+              <a:t> </a:t>
+            </a:r>
+            <a:r>
+              <a:rPr lang="de-CH" dirty="0" err="1"/>
+              <a:t>symbol</a:t>
+            </a:r>
+            <a:r>
+              <a:rPr lang="de-CH" dirty="0"/>
+              <a:t> </a:t>
+            </a:r>
+            <a:r>
+              <a:rPr lang="de-CH" dirty="0" err="1"/>
+              <a:t>comes</a:t>
+            </a:r>
+            <a:r>
+              <a:rPr lang="de-CH" dirty="0"/>
+              <a:t> at different </a:t>
+            </a:r>
+            <a:r>
+              <a:rPr lang="de-CH" dirty="0" err="1"/>
+              <a:t>times</a:t>
+            </a:r>
+            <a:endParaRPr lang="de-CH" dirty="0"/>
+          </a:p>
+          <a:p>
+            <a:endParaRPr lang="de-CH" dirty="0"/>
+          </a:p>
+          <a:p>
+            <a:r>
+              <a:rPr lang="de-CH" dirty="0" err="1"/>
+              <a:t>Increased</a:t>
+            </a:r>
+            <a:r>
+              <a:rPr lang="de-CH" dirty="0"/>
+              <a:t> Bit Error rate, </a:t>
+            </a:r>
+            <a:r>
+              <a:rPr lang="de-CH" dirty="0" err="1"/>
+              <a:t>worse</a:t>
+            </a:r>
+            <a:r>
+              <a:rPr lang="de-CH" dirty="0"/>
+              <a:t> </a:t>
+            </a:r>
+            <a:r>
+              <a:rPr lang="de-CH" dirty="0" err="1"/>
+              <a:t>signal</a:t>
+            </a:r>
+            <a:r>
+              <a:rPr lang="de-CH" dirty="0"/>
+              <a:t> </a:t>
+            </a:r>
+            <a:r>
+              <a:rPr lang="de-CH" dirty="0" err="1"/>
+              <a:t>quality</a:t>
+            </a:r>
+            <a:endParaRPr lang="de-CH" dirty="0"/>
+          </a:p>
+        </p:txBody>
+      </p:sp>
+      <p:sp>
+        <p:nvSpPr>
+          <p:cNvPr id="4" name="Foliennummernplatzhalter 3"/>
+          <p:cNvSpPr>
+            <a:spLocks noGrp="1"/>
+          </p:cNvSpPr>
+          <p:nvPr>
+            <p:ph type="sldNum" sz="quarter" idx="5"/>
+          </p:nvPr>
+        </p:nvSpPr>
+        <p:spPr/>
+        <p:txBody>
+          <a:bodyPr/>
+          <a:lstStyle/>
+          <a:p>
+            <a:fld id="{83C81C81-E364-4366-A610-2DB15FF98538}" type="slidenum">
+              <a:rPr lang="de-CH" smtClean="0"/>
+              <a:pPr/>
+              <a:t>5</a:t>
+            </a:fld>
+            <a:endParaRPr lang="de-CH" dirty="0"/>
+          </a:p>
+        </p:txBody>
+      </p:sp>
+    </p:spTree>
+    <p:extLst>
+      <p:ext uri="{BB962C8B-B14F-4D97-AF65-F5344CB8AC3E}">
+        <p14:creationId xmlns:p14="http://schemas.microsoft.com/office/powerpoint/2010/main" val="555119606"/>
+      </p:ext>
+    </p:extLst>
+  </p:cSld>
+  <p:clrMapOvr>
+    <a:masterClrMapping/>
+  </p:clrMapOvr>
+</p:notes>
+</file>
+
+<file path=ppt/notesSlides/notesSlide4.xml><?xml version="1.0" encoding="utf-8"?>
+<p:notes xmlns:a="http://schemas.openxmlformats.org/drawingml/2006/main" xmlns:r="http://schemas.openxmlformats.org/officeDocument/2006/relationships" xmlns:p="http://schemas.openxmlformats.org/presentationml/2006/main">
+  <p:cSld>
+    <p:spTree>
+      <p:nvGrpSpPr>
+        <p:cNvPr id="1" name=""/>
+        <p:cNvGrpSpPr/>
+        <p:nvPr/>
+      </p:nvGrpSpPr>
+      <p:grpSpPr>
+        <a:xfrm>
+          <a:off x="0" y="0"/>
+          <a:ext cx="0" cy="0"/>
+          <a:chOff x="0" y="0"/>
+          <a:chExt cx="0" cy="0"/>
+        </a:xfrm>
+      </p:grpSpPr>
+      <p:sp>
+        <p:nvSpPr>
+          <p:cNvPr id="2" name="Folienbildplatzhalter 1"/>
+          <p:cNvSpPr>
+            <a:spLocks noGrp="1" noRot="1" noChangeAspect="1"/>
+          </p:cNvSpPr>
+          <p:nvPr>
+            <p:ph type="sldImg"/>
+          </p:nvPr>
+        </p:nvSpPr>
+        <p:spPr>
+          <a:xfrm>
+            <a:off x="765175" y="900113"/>
+            <a:ext cx="5559425" cy="3127375"/>
+          </a:xfrm>
+        </p:spPr>
+      </p:sp>
+      <p:sp>
+        <p:nvSpPr>
+          <p:cNvPr id="3" name="Notizenplatzhalter 2"/>
+          <p:cNvSpPr>
+            <a:spLocks noGrp="1"/>
+          </p:cNvSpPr>
+          <p:nvPr>
+            <p:ph type="body" idx="1"/>
+          </p:nvPr>
+        </p:nvSpPr>
+        <p:spPr/>
+        <p:txBody>
+          <a:bodyPr/>
+          <a:lstStyle/>
+          <a:p>
+            <a:r>
+              <a:rPr lang="de-CH" dirty="0" err="1"/>
+              <a:t>Is</a:t>
+            </a:r>
+            <a:r>
+              <a:rPr lang="de-CH" dirty="0"/>
+              <a:t> a </a:t>
+            </a:r>
+            <a:r>
+              <a:rPr lang="de-CH" dirty="0" err="1"/>
+              <a:t>equalization</a:t>
+            </a:r>
+            <a:r>
+              <a:rPr lang="de-CH" dirty="0"/>
+              <a:t> </a:t>
+            </a:r>
+            <a:r>
+              <a:rPr lang="de-CH" dirty="0" err="1"/>
+              <a:t>technique</a:t>
+            </a:r>
+            <a:endParaRPr lang="de-CH" dirty="0"/>
+          </a:p>
+          <a:p>
+            <a:r>
+              <a:rPr lang="de-CH" dirty="0" err="1"/>
+              <a:t>Uses</a:t>
+            </a:r>
+            <a:r>
+              <a:rPr lang="de-CH" dirty="0"/>
+              <a:t> </a:t>
+            </a:r>
+            <a:r>
+              <a:rPr lang="de-CH" dirty="0" err="1"/>
+              <a:t>past</a:t>
+            </a:r>
+            <a:r>
+              <a:rPr lang="de-CH" dirty="0"/>
+              <a:t> </a:t>
+            </a:r>
+            <a:r>
+              <a:rPr lang="de-CH" dirty="0" err="1"/>
+              <a:t>decisions</a:t>
+            </a:r>
+            <a:r>
+              <a:rPr lang="de-CH" dirty="0"/>
+              <a:t> </a:t>
+            </a:r>
+            <a:r>
+              <a:rPr lang="de-CH" dirty="0" err="1"/>
+              <a:t>to</a:t>
+            </a:r>
+            <a:r>
+              <a:rPr lang="de-CH" dirty="0"/>
+              <a:t> </a:t>
+            </a:r>
+            <a:r>
+              <a:rPr lang="de-CH" dirty="0" err="1"/>
+              <a:t>cancel</a:t>
+            </a:r>
+            <a:r>
+              <a:rPr lang="de-CH" dirty="0"/>
+              <a:t> out </a:t>
+            </a:r>
+            <a:r>
+              <a:rPr lang="de-CH" dirty="0" err="1"/>
+              <a:t>the</a:t>
+            </a:r>
+            <a:r>
+              <a:rPr lang="de-CH" dirty="0"/>
+              <a:t> </a:t>
+            </a:r>
+            <a:r>
+              <a:rPr lang="de-CH" dirty="0" err="1"/>
+              <a:t>isi</a:t>
+            </a:r>
+            <a:r>
+              <a:rPr lang="de-CH" dirty="0"/>
+              <a:t> </a:t>
+            </a:r>
+            <a:r>
+              <a:rPr lang="de-CH" dirty="0" err="1"/>
+              <a:t>from</a:t>
+            </a:r>
+            <a:r>
+              <a:rPr lang="de-CH" dirty="0"/>
+              <a:t> </a:t>
+            </a:r>
+            <a:r>
+              <a:rPr lang="de-CH" dirty="0" err="1"/>
+              <a:t>future</a:t>
+            </a:r>
+            <a:r>
+              <a:rPr lang="de-CH" dirty="0"/>
+              <a:t> </a:t>
+            </a:r>
+            <a:r>
+              <a:rPr lang="de-CH" dirty="0" err="1"/>
+              <a:t>symbols</a:t>
+            </a:r>
+            <a:endParaRPr lang="de-CH" dirty="0"/>
+          </a:p>
+          <a:p>
+            <a:r>
+              <a:rPr lang="de-CH" dirty="0" err="1"/>
+              <a:t>Uses</a:t>
+            </a:r>
+            <a:r>
+              <a:rPr lang="de-CH" dirty="0"/>
+              <a:t> a </a:t>
+            </a:r>
+            <a:r>
+              <a:rPr lang="de-CH" dirty="0" err="1"/>
+              <a:t>feedback</a:t>
+            </a:r>
+            <a:r>
+              <a:rPr lang="de-CH" dirty="0"/>
+              <a:t> </a:t>
+            </a:r>
+            <a:r>
+              <a:rPr lang="de-CH" dirty="0" err="1"/>
+              <a:t>filter</a:t>
+            </a:r>
+            <a:r>
+              <a:rPr lang="de-CH" dirty="0"/>
+              <a:t> </a:t>
+            </a:r>
+            <a:r>
+              <a:rPr lang="de-CH" dirty="0" err="1"/>
+              <a:t>to</a:t>
+            </a:r>
+            <a:r>
+              <a:rPr lang="de-CH" dirty="0"/>
+              <a:t> </a:t>
+            </a:r>
+            <a:r>
+              <a:rPr lang="de-CH" dirty="0" err="1"/>
+              <a:t>substract</a:t>
+            </a:r>
+            <a:r>
+              <a:rPr lang="de-CH" dirty="0"/>
+              <a:t> </a:t>
+            </a:r>
+            <a:r>
+              <a:rPr lang="de-CH" dirty="0" err="1"/>
+              <a:t>from</a:t>
+            </a:r>
+            <a:r>
+              <a:rPr lang="de-CH" dirty="0"/>
+              <a:t> </a:t>
+            </a:r>
+            <a:r>
+              <a:rPr lang="de-CH" dirty="0" err="1"/>
+              <a:t>the</a:t>
+            </a:r>
+            <a:r>
+              <a:rPr lang="de-CH" dirty="0"/>
+              <a:t> </a:t>
+            </a:r>
+            <a:r>
+              <a:rPr lang="de-CH" dirty="0" err="1"/>
+              <a:t>current</a:t>
+            </a:r>
+            <a:r>
+              <a:rPr lang="de-CH" dirty="0"/>
+              <a:t> </a:t>
+            </a:r>
+            <a:r>
+              <a:rPr lang="de-CH" dirty="0" err="1"/>
+              <a:t>symbol</a:t>
+            </a:r>
+            <a:r>
+              <a:rPr lang="de-CH" dirty="0"/>
+              <a:t> </a:t>
+            </a:r>
+            <a:r>
+              <a:rPr lang="de-CH" dirty="0" err="1"/>
+              <a:t>the</a:t>
+            </a:r>
+            <a:r>
+              <a:rPr lang="de-CH" dirty="0"/>
+              <a:t> last </a:t>
+            </a:r>
+            <a:r>
+              <a:rPr lang="de-CH" dirty="0" err="1"/>
+              <a:t>symbol</a:t>
+            </a:r>
+            <a:r>
+              <a:rPr lang="de-CH" dirty="0"/>
+              <a:t> </a:t>
+            </a:r>
+            <a:r>
+              <a:rPr lang="de-CH" dirty="0" err="1"/>
+              <a:t>with</a:t>
+            </a:r>
+            <a:r>
+              <a:rPr lang="de-CH" dirty="0"/>
+              <a:t> a </a:t>
+            </a:r>
+            <a:r>
+              <a:rPr lang="de-CH" dirty="0" err="1"/>
+              <a:t>weight</a:t>
+            </a:r>
+            <a:r>
+              <a:rPr lang="de-CH" dirty="0"/>
+              <a:t>. Works </a:t>
+            </a:r>
+            <a:r>
+              <a:rPr lang="de-CH" dirty="0" err="1"/>
+              <a:t>with</a:t>
+            </a:r>
+            <a:r>
+              <a:rPr lang="de-CH" dirty="0"/>
+              <a:t> </a:t>
+            </a:r>
+            <a:r>
+              <a:rPr lang="de-CH" dirty="0" err="1"/>
+              <a:t>numerous</a:t>
+            </a:r>
+            <a:r>
+              <a:rPr lang="de-CH" dirty="0"/>
+              <a:t> h. </a:t>
+            </a:r>
+          </a:p>
+          <a:p>
+            <a:endParaRPr lang="de-CH" dirty="0"/>
+          </a:p>
+          <a:p>
+            <a:r>
+              <a:rPr lang="de-CH" dirty="0"/>
+              <a:t>Can </a:t>
+            </a:r>
+            <a:r>
+              <a:rPr lang="de-CH" dirty="0" err="1"/>
+              <a:t>combat</a:t>
+            </a:r>
+            <a:r>
+              <a:rPr lang="de-CH" dirty="0"/>
+              <a:t> ISI </a:t>
+            </a:r>
+            <a:r>
+              <a:rPr lang="de-CH" dirty="0" err="1"/>
+              <a:t>with</a:t>
+            </a:r>
+            <a:r>
+              <a:rPr lang="de-CH" dirty="0"/>
+              <a:t> </a:t>
+            </a:r>
+            <a:r>
+              <a:rPr lang="de-CH" dirty="0" err="1"/>
+              <a:t>the</a:t>
+            </a:r>
+            <a:r>
+              <a:rPr lang="de-CH" dirty="0"/>
+              <a:t> </a:t>
+            </a:r>
+            <a:r>
+              <a:rPr lang="de-CH" dirty="0" err="1"/>
+              <a:t>subtraction</a:t>
+            </a:r>
+            <a:r>
+              <a:rPr lang="de-CH" dirty="0"/>
+              <a:t> </a:t>
+            </a:r>
+            <a:r>
+              <a:rPr lang="de-CH" dirty="0" err="1"/>
+              <a:t>of</a:t>
+            </a:r>
+            <a:r>
+              <a:rPr lang="de-CH" dirty="0"/>
+              <a:t> </a:t>
+            </a:r>
+            <a:r>
+              <a:rPr lang="de-CH" dirty="0" err="1"/>
+              <a:t>the</a:t>
+            </a:r>
+            <a:r>
+              <a:rPr lang="de-CH" dirty="0"/>
+              <a:t> ISI </a:t>
+            </a:r>
+            <a:r>
+              <a:rPr lang="de-CH" dirty="0" err="1"/>
+              <a:t>itself</a:t>
+            </a:r>
+            <a:r>
+              <a:rPr lang="de-CH" dirty="0"/>
+              <a:t> </a:t>
+            </a:r>
+            <a:r>
+              <a:rPr lang="de-CH" dirty="0" err="1"/>
+              <a:t>from</a:t>
+            </a:r>
+            <a:r>
+              <a:rPr lang="de-CH" dirty="0"/>
+              <a:t> </a:t>
+            </a:r>
+            <a:r>
+              <a:rPr lang="de-CH" dirty="0" err="1"/>
+              <a:t>the</a:t>
+            </a:r>
+            <a:r>
+              <a:rPr lang="de-CH" dirty="0"/>
+              <a:t> </a:t>
+            </a:r>
+            <a:r>
+              <a:rPr lang="de-CH" dirty="0" err="1"/>
+              <a:t>decisions</a:t>
+            </a:r>
+            <a:r>
+              <a:rPr lang="de-CH" dirty="0"/>
+              <a:t> </a:t>
+            </a:r>
+            <a:r>
+              <a:rPr lang="de-CH" dirty="0" err="1"/>
+              <a:t>of</a:t>
+            </a:r>
+            <a:r>
+              <a:rPr lang="de-CH" dirty="0"/>
+              <a:t> </a:t>
+            </a:r>
+            <a:r>
+              <a:rPr lang="de-CH" dirty="0" err="1"/>
+              <a:t>the</a:t>
+            </a:r>
+            <a:r>
+              <a:rPr lang="de-CH" dirty="0"/>
+              <a:t> last </a:t>
+            </a:r>
+            <a:r>
+              <a:rPr lang="de-CH" dirty="0" err="1"/>
+              <a:t>symbols</a:t>
+            </a:r>
+            <a:endParaRPr lang="de-CH" dirty="0"/>
+          </a:p>
+        </p:txBody>
+      </p:sp>
+      <p:sp>
+        <p:nvSpPr>
+          <p:cNvPr id="4" name="Foliennummernplatzhalter 3"/>
+          <p:cNvSpPr>
+            <a:spLocks noGrp="1"/>
+          </p:cNvSpPr>
+          <p:nvPr>
+            <p:ph type="sldNum" sz="quarter" idx="5"/>
+          </p:nvPr>
+        </p:nvSpPr>
+        <p:spPr/>
+        <p:txBody>
+          <a:bodyPr/>
+          <a:lstStyle/>
+          <a:p>
+            <a:fld id="{83C81C81-E364-4366-A610-2DB15FF98538}" type="slidenum">
+              <a:rPr lang="de-CH" smtClean="0"/>
+              <a:pPr/>
+              <a:t>6</a:t>
+            </a:fld>
+            <a:endParaRPr lang="de-CH" dirty="0"/>
+          </a:p>
+        </p:txBody>
+      </p:sp>
+    </p:spTree>
+    <p:extLst>
+      <p:ext uri="{BB962C8B-B14F-4D97-AF65-F5344CB8AC3E}">
+        <p14:creationId xmlns:p14="http://schemas.microsoft.com/office/powerpoint/2010/main" val="1654619561"/>
+      </p:ext>
+    </p:extLst>
+  </p:cSld>
+  <p:clrMapOvr>
+    <a:masterClrMapping/>
+  </p:clrMapOvr>
+</p:notes>
+</file>
+
+<file path=ppt/notesSlides/notesSlide5.xml><?xml version="1.0" encoding="utf-8"?>
+<p:notes xmlns:a="http://schemas.openxmlformats.org/drawingml/2006/main" xmlns:r="http://schemas.openxmlformats.org/officeDocument/2006/relationships" xmlns:p="http://schemas.openxmlformats.org/presentationml/2006/main">
+  <p:cSld>
+    <p:spTree>
+      <p:nvGrpSpPr>
+        <p:cNvPr id="1" name=""/>
+        <p:cNvGrpSpPr/>
+        <p:nvPr/>
+      </p:nvGrpSpPr>
+      <p:grpSpPr>
+        <a:xfrm>
+          <a:off x="0" y="0"/>
+          <a:ext cx="0" cy="0"/>
+          <a:chOff x="0" y="0"/>
+          <a:chExt cx="0" cy="0"/>
+        </a:xfrm>
+      </p:grpSpPr>
+      <p:sp>
+        <p:nvSpPr>
+          <p:cNvPr id="2" name="Folienbildplatzhalter 1"/>
+          <p:cNvSpPr>
+            <a:spLocks noGrp="1" noRot="1" noChangeAspect="1"/>
+          </p:cNvSpPr>
+          <p:nvPr>
+            <p:ph type="sldImg"/>
+          </p:nvPr>
+        </p:nvSpPr>
+        <p:spPr>
+          <a:xfrm>
+            <a:off x="765175" y="900113"/>
+            <a:ext cx="5559425" cy="3127375"/>
+          </a:xfrm>
+        </p:spPr>
+      </p:sp>
+      <p:sp>
+        <p:nvSpPr>
+          <p:cNvPr id="3" name="Notizenplatzhalter 2"/>
+          <p:cNvSpPr>
+            <a:spLocks noGrp="1"/>
+          </p:cNvSpPr>
+          <p:nvPr>
+            <p:ph type="body" idx="1"/>
+          </p:nvPr>
+        </p:nvSpPr>
+        <p:spPr/>
+        <p:txBody>
+          <a:bodyPr/>
+          <a:lstStyle/>
+          <a:p>
+            <a:endParaRPr lang="de-CH" dirty="0"/>
+          </a:p>
+        </p:txBody>
+      </p:sp>
+      <p:sp>
+        <p:nvSpPr>
+          <p:cNvPr id="4" name="Foliennummernplatzhalter 3"/>
+          <p:cNvSpPr>
+            <a:spLocks noGrp="1"/>
+          </p:cNvSpPr>
+          <p:nvPr>
+            <p:ph type="sldNum" sz="quarter" idx="5"/>
+          </p:nvPr>
+        </p:nvSpPr>
+        <p:spPr/>
+        <p:txBody>
+          <a:bodyPr/>
+          <a:lstStyle/>
+          <a:p>
+            <a:fld id="{83C81C81-E364-4366-A610-2DB15FF98538}" type="slidenum">
+              <a:rPr lang="de-CH" smtClean="0"/>
+              <a:pPr/>
+              <a:t>7</a:t>
+            </a:fld>
+            <a:endParaRPr lang="de-CH" dirty="0"/>
+          </a:p>
+        </p:txBody>
+      </p:sp>
+    </p:spTree>
+    <p:extLst>
+      <p:ext uri="{BB962C8B-B14F-4D97-AF65-F5344CB8AC3E}">
+        <p14:creationId xmlns:p14="http://schemas.microsoft.com/office/powerpoint/2010/main" val="960113533"/>
+      </p:ext>
+    </p:extLst>
+  </p:cSld>
+  <p:clrMapOvr>
+    <a:masterClrMapping/>
+  </p:clrMapOvr>
+</p:notes>
+</file>
+
+<file path=ppt/notesSlides/notesSlide6.xml><?xml version="1.0" encoding="utf-8"?>
+<p:notes xmlns:a="http://schemas.openxmlformats.org/drawingml/2006/main" xmlns:r="http://schemas.openxmlformats.org/officeDocument/2006/relationships" xmlns:p="http://schemas.openxmlformats.org/presentationml/2006/main">
+  <p:cSld>
+    <p:spTree>
+      <p:nvGrpSpPr>
+        <p:cNvPr id="1" name="">
+          <a:extLst>
+            <a:ext uri="{FF2B5EF4-FFF2-40B4-BE49-F238E27FC236}">
+              <a16:creationId xmlns:a16="http://schemas.microsoft.com/office/drawing/2014/main" id="{E9053714-CA19-D271-4E87-3A4A39AD90CC}"/>
+            </a:ext>
+          </a:extLst>
+        </p:cNvPr>
+        <p:cNvGrpSpPr/>
+        <p:nvPr/>
+      </p:nvGrpSpPr>
+      <p:grpSpPr>
+        <a:xfrm>
+          <a:off x="0" y="0"/>
+          <a:ext cx="0" cy="0"/>
+          <a:chOff x="0" y="0"/>
+          <a:chExt cx="0" cy="0"/>
+        </a:xfrm>
+      </p:grpSpPr>
+      <p:sp>
+        <p:nvSpPr>
+          <p:cNvPr id="2" name="Folienbildplatzhalter 1">
+            <a:extLst>
+              <a:ext uri="{FF2B5EF4-FFF2-40B4-BE49-F238E27FC236}">
+                <a16:creationId xmlns:a16="http://schemas.microsoft.com/office/drawing/2014/main" id="{39001712-1486-10E9-16DC-351266EEA2C9}"/>
+              </a:ext>
+            </a:extLst>
+          </p:cNvPr>
+          <p:cNvSpPr>
+            <a:spLocks noGrp="1" noRot="1" noChangeAspect="1"/>
+          </p:cNvSpPr>
+          <p:nvPr>
+            <p:ph type="sldImg"/>
+          </p:nvPr>
+        </p:nvSpPr>
+        <p:spPr>
+          <a:xfrm>
+            <a:off x="765175" y="900113"/>
+            <a:ext cx="5559425" cy="3127375"/>
+          </a:xfrm>
+        </p:spPr>
+      </p:sp>
+      <p:sp>
+        <p:nvSpPr>
+          <p:cNvPr id="3" name="Notizenplatzhalter 2">
+            <a:extLst>
+              <a:ext uri="{FF2B5EF4-FFF2-40B4-BE49-F238E27FC236}">
+                <a16:creationId xmlns:a16="http://schemas.microsoft.com/office/drawing/2014/main" id="{65B042FF-7F03-CDC5-D518-63E6A69DE4DA}"/>
+              </a:ext>
+            </a:extLst>
+          </p:cNvPr>
+          <p:cNvSpPr>
+            <a:spLocks noGrp="1"/>
+          </p:cNvSpPr>
+          <p:nvPr>
+            <p:ph type="body" idx="1"/>
+          </p:nvPr>
+        </p:nvSpPr>
+        <p:spPr/>
+        <p:txBody>
+          <a:bodyPr/>
+          <a:lstStyle/>
+          <a:p>
+            <a:endParaRPr lang="de-CH" dirty="0"/>
+          </a:p>
+        </p:txBody>
+      </p:sp>
+      <p:sp>
+        <p:nvSpPr>
+          <p:cNvPr id="4" name="Foliennummernplatzhalter 3">
+            <a:extLst>
+              <a:ext uri="{FF2B5EF4-FFF2-40B4-BE49-F238E27FC236}">
+                <a16:creationId xmlns:a16="http://schemas.microsoft.com/office/drawing/2014/main" id="{211583BE-DC5B-3BA5-21E7-ACECE16A0A15}"/>
+              </a:ext>
+            </a:extLst>
+          </p:cNvPr>
+          <p:cNvSpPr>
+            <a:spLocks noGrp="1"/>
+          </p:cNvSpPr>
+          <p:nvPr>
+            <p:ph type="sldNum" sz="quarter" idx="5"/>
+          </p:nvPr>
+        </p:nvSpPr>
+        <p:spPr/>
+        <p:txBody>
+          <a:bodyPr/>
+          <a:lstStyle/>
+          <a:p>
+            <a:fld id="{83C81C81-E364-4366-A610-2DB15FF98538}" type="slidenum">
+              <a:rPr lang="de-CH" smtClean="0"/>
+              <a:pPr/>
+              <a:t>8</a:t>
+            </a:fld>
+            <a:endParaRPr lang="de-CH" dirty="0"/>
+          </a:p>
+        </p:txBody>
+      </p:sp>
+    </p:spTree>
+    <p:extLst>
+      <p:ext uri="{BB962C8B-B14F-4D97-AF65-F5344CB8AC3E}">
+        <p14:creationId xmlns:p14="http://schemas.microsoft.com/office/powerpoint/2010/main" val="1749627511"/>
+      </p:ext>
+    </p:extLst>
+  </p:cSld>
+  <p:clrMapOvr>
+    <a:masterClrMapping/>
+  </p:clrMapOvr>
+</p:notes>
+</file>
+
+<file path=ppt/notesSlides/notesSlide7.xml><?xml version="1.0" encoding="utf-8"?>
+<p:notes xmlns:a="http://schemas.openxmlformats.org/drawingml/2006/main" xmlns:r="http://schemas.openxmlformats.org/officeDocument/2006/relationships" xmlns:p="http://schemas.openxmlformats.org/presentationml/2006/main">
+  <p:cSld>
+    <p:spTree>
+      <p:nvGrpSpPr>
+        <p:cNvPr id="1" name="">
+          <a:extLst>
+            <a:ext uri="{FF2B5EF4-FFF2-40B4-BE49-F238E27FC236}">
+              <a16:creationId xmlns:a16="http://schemas.microsoft.com/office/drawing/2014/main" id="{2E039A43-6963-1A91-6FA9-DCC7A2264281}"/>
+            </a:ext>
+          </a:extLst>
+        </p:cNvPr>
+        <p:cNvGrpSpPr/>
+        <p:nvPr/>
+      </p:nvGrpSpPr>
+      <p:grpSpPr>
+        <a:xfrm>
+          <a:off x="0" y="0"/>
+          <a:ext cx="0" cy="0"/>
+          <a:chOff x="0" y="0"/>
+          <a:chExt cx="0" cy="0"/>
+        </a:xfrm>
+      </p:grpSpPr>
+      <p:sp>
+        <p:nvSpPr>
+          <p:cNvPr id="2" name="Folienbildplatzhalter 1">
+            <a:extLst>
+              <a:ext uri="{FF2B5EF4-FFF2-40B4-BE49-F238E27FC236}">
+                <a16:creationId xmlns:a16="http://schemas.microsoft.com/office/drawing/2014/main" id="{403AA31F-7FDC-A03E-A65B-D91B5A7E7CF6}"/>
+              </a:ext>
+            </a:extLst>
+          </p:cNvPr>
+          <p:cNvSpPr>
+            <a:spLocks noGrp="1" noRot="1" noChangeAspect="1"/>
+          </p:cNvSpPr>
+          <p:nvPr>
+            <p:ph type="sldImg"/>
+          </p:nvPr>
+        </p:nvSpPr>
+        <p:spPr>
+          <a:xfrm>
+            <a:off x="765175" y="900113"/>
+            <a:ext cx="5559425" cy="3127375"/>
+          </a:xfrm>
+        </p:spPr>
+      </p:sp>
+      <p:sp>
+        <p:nvSpPr>
+          <p:cNvPr id="3" name="Notizenplatzhalter 2">
+            <a:extLst>
+              <a:ext uri="{FF2B5EF4-FFF2-40B4-BE49-F238E27FC236}">
+                <a16:creationId xmlns:a16="http://schemas.microsoft.com/office/drawing/2014/main" id="{DE244224-7108-63BA-A865-D02C049B2495}"/>
+              </a:ext>
+            </a:extLst>
+          </p:cNvPr>
+          <p:cNvSpPr>
+            <a:spLocks noGrp="1"/>
+          </p:cNvSpPr>
+          <p:nvPr>
+            <p:ph type="body" idx="1"/>
+          </p:nvPr>
+        </p:nvSpPr>
+        <p:spPr/>
+        <p:txBody>
+          <a:bodyPr/>
+          <a:lstStyle/>
+          <a:p>
+            <a:r>
+              <a:rPr lang="de-CH" dirty="0"/>
+              <a:t>Start Values </a:t>
+            </a:r>
+            <a:r>
+              <a:rPr lang="de-CH" dirty="0" err="1"/>
+              <a:t>for</a:t>
+            </a:r>
+            <a:r>
+              <a:rPr lang="de-CH" dirty="0"/>
+              <a:t> </a:t>
+            </a:r>
+            <a:r>
+              <a:rPr lang="de-CH" dirty="0" err="1"/>
+              <a:t>filter</a:t>
+            </a:r>
+            <a:r>
+              <a:rPr lang="de-CH" dirty="0"/>
+              <a:t> </a:t>
+            </a:r>
+            <a:r>
+              <a:rPr lang="de-CH" dirty="0" err="1"/>
+              <a:t>coefficents</a:t>
+            </a:r>
+            <a:r>
+              <a:rPr lang="de-CH" dirty="0"/>
+              <a:t>, </a:t>
+            </a:r>
+            <a:r>
+              <a:rPr lang="de-CH" dirty="0" err="1"/>
+              <a:t>then</a:t>
+            </a:r>
+            <a:r>
+              <a:rPr lang="de-CH" dirty="0"/>
+              <a:t> LMS </a:t>
+            </a:r>
+            <a:r>
+              <a:rPr lang="de-CH" dirty="0" err="1"/>
+              <a:t>to</a:t>
+            </a:r>
+            <a:r>
+              <a:rPr lang="de-CH" dirty="0"/>
+              <a:t> </a:t>
+            </a:r>
+            <a:r>
+              <a:rPr lang="de-CH" dirty="0" err="1"/>
+              <a:t>adjust</a:t>
+            </a:r>
+            <a:r>
+              <a:rPr lang="de-CH" dirty="0"/>
+              <a:t> </a:t>
+            </a:r>
+            <a:r>
+              <a:rPr lang="de-CH" dirty="0" err="1"/>
+              <a:t>coefficents</a:t>
+            </a:r>
+            <a:r>
+              <a:rPr lang="de-CH" dirty="0"/>
+              <a:t>, </a:t>
+            </a:r>
+            <a:r>
+              <a:rPr lang="de-CH" dirty="0" err="1"/>
+              <a:t>Minimizes</a:t>
+            </a:r>
+            <a:r>
+              <a:rPr lang="de-CH" dirty="0"/>
+              <a:t> </a:t>
+            </a:r>
+            <a:r>
+              <a:rPr lang="de-CH" dirty="0" err="1"/>
+              <a:t>the</a:t>
+            </a:r>
+            <a:r>
+              <a:rPr lang="de-CH" dirty="0"/>
+              <a:t> </a:t>
+            </a:r>
+            <a:r>
+              <a:rPr lang="de-CH" dirty="0" err="1"/>
+              <a:t>error</a:t>
+            </a:r>
+            <a:r>
+              <a:rPr lang="de-CH" dirty="0"/>
+              <a:t> </a:t>
+            </a:r>
+            <a:r>
+              <a:rPr lang="de-CH" dirty="0" err="1"/>
+              <a:t>between</a:t>
+            </a:r>
+            <a:r>
+              <a:rPr lang="de-CH" dirty="0"/>
+              <a:t> </a:t>
+            </a:r>
+            <a:r>
+              <a:rPr lang="de-CH" dirty="0" err="1"/>
+              <a:t>desired</a:t>
+            </a:r>
+            <a:r>
+              <a:rPr lang="de-CH" dirty="0"/>
+              <a:t> </a:t>
+            </a:r>
+            <a:r>
+              <a:rPr lang="de-CH" dirty="0" err="1"/>
+              <a:t>output</a:t>
+            </a:r>
+            <a:r>
+              <a:rPr lang="de-CH" dirty="0"/>
+              <a:t> </a:t>
+            </a:r>
+            <a:r>
+              <a:rPr lang="de-CH" dirty="0" err="1"/>
+              <a:t>the</a:t>
+            </a:r>
+            <a:r>
+              <a:rPr lang="de-CH" dirty="0"/>
+              <a:t> </a:t>
+            </a:r>
+            <a:r>
+              <a:rPr lang="de-CH" dirty="0" err="1"/>
+              <a:t>equalized</a:t>
+            </a:r>
+            <a:r>
+              <a:rPr lang="de-CH" dirty="0"/>
+              <a:t> </a:t>
+            </a:r>
+            <a:r>
+              <a:rPr lang="de-CH" dirty="0" err="1"/>
+              <a:t>output</a:t>
+            </a:r>
+            <a:r>
+              <a:rPr lang="de-CH" dirty="0"/>
+              <a:t>, h1 and h2 </a:t>
+            </a:r>
+            <a:r>
+              <a:rPr lang="de-CH" dirty="0" err="1"/>
+              <a:t>are</a:t>
+            </a:r>
+            <a:r>
+              <a:rPr lang="de-CH" dirty="0"/>
+              <a:t> </a:t>
+            </a:r>
+            <a:r>
+              <a:rPr lang="de-CH" dirty="0" err="1"/>
+              <a:t>learned</a:t>
+            </a:r>
+            <a:r>
+              <a:rPr lang="de-CH" dirty="0"/>
+              <a:t> </a:t>
+            </a:r>
+            <a:r>
+              <a:rPr lang="de-CH" dirty="0" err="1"/>
+              <a:t>by</a:t>
+            </a:r>
+            <a:r>
+              <a:rPr lang="de-CH" dirty="0"/>
+              <a:t> </a:t>
+            </a:r>
+            <a:r>
+              <a:rPr lang="de-CH" dirty="0" err="1"/>
+              <a:t>the</a:t>
+            </a:r>
+            <a:r>
+              <a:rPr lang="de-CH" dirty="0"/>
+              <a:t> </a:t>
+            </a:r>
+            <a:r>
+              <a:rPr lang="de-CH" dirty="0" err="1"/>
+              <a:t>true</a:t>
+            </a:r>
+            <a:r>
+              <a:rPr lang="de-CH" dirty="0"/>
+              <a:t> </a:t>
+            </a:r>
+            <a:r>
+              <a:rPr lang="de-CH" dirty="0" err="1"/>
+              <a:t>smybols</a:t>
+            </a:r>
+            <a:r>
+              <a:rPr lang="de-CH" dirty="0"/>
+              <a:t>.</a:t>
+            </a:r>
+          </a:p>
+          <a:p>
+            <a:r>
+              <a:rPr lang="de-CH" dirty="0" err="1"/>
+              <a:t>Uses</a:t>
+            </a:r>
+            <a:r>
+              <a:rPr lang="de-CH" dirty="0"/>
+              <a:t> </a:t>
+            </a:r>
+            <a:r>
+              <a:rPr lang="de-CH" dirty="0" err="1"/>
+              <a:t>past</a:t>
+            </a:r>
+            <a:r>
+              <a:rPr lang="de-CH" dirty="0"/>
+              <a:t> </a:t>
+            </a:r>
+            <a:r>
+              <a:rPr lang="de-CH" dirty="0" err="1"/>
+              <a:t>decision</a:t>
+            </a:r>
+            <a:r>
+              <a:rPr lang="de-CH" dirty="0"/>
+              <a:t> n-1 and n-2 </a:t>
+            </a:r>
+            <a:r>
+              <a:rPr lang="de-CH" dirty="0" err="1"/>
+              <a:t>with</a:t>
+            </a:r>
+            <a:r>
+              <a:rPr lang="de-CH" dirty="0"/>
+              <a:t> </a:t>
+            </a:r>
+            <a:r>
+              <a:rPr lang="de-CH" dirty="0" err="1"/>
+              <a:t>the</a:t>
+            </a:r>
+            <a:r>
+              <a:rPr lang="de-CH" dirty="0"/>
+              <a:t> </a:t>
+            </a:r>
+            <a:r>
+              <a:rPr lang="de-CH" dirty="0" err="1"/>
+              <a:t>error</a:t>
+            </a:r>
+            <a:r>
+              <a:rPr lang="de-CH" dirty="0"/>
+              <a:t> </a:t>
+            </a:r>
+            <a:r>
+              <a:rPr lang="de-CH" dirty="0" err="1"/>
+              <a:t>from</a:t>
+            </a:r>
+            <a:r>
+              <a:rPr lang="de-CH" dirty="0"/>
+              <a:t> </a:t>
+            </a:r>
+            <a:r>
+              <a:rPr lang="de-CH" dirty="0" err="1"/>
+              <a:t>the</a:t>
+            </a:r>
+            <a:r>
+              <a:rPr lang="de-CH" dirty="0"/>
+              <a:t> </a:t>
+            </a:r>
+            <a:r>
+              <a:rPr lang="de-CH" dirty="0" err="1"/>
+              <a:t>true</a:t>
+            </a:r>
+            <a:r>
+              <a:rPr lang="de-CH" dirty="0"/>
+              <a:t> </a:t>
+            </a:r>
+            <a:r>
+              <a:rPr lang="de-CH" dirty="0" err="1"/>
+              <a:t>symbols</a:t>
+            </a:r>
+            <a:r>
+              <a:rPr lang="de-CH" dirty="0"/>
+              <a:t> </a:t>
+            </a:r>
+            <a:r>
+              <a:rPr lang="de-CH" dirty="0" err="1"/>
+              <a:t>for</a:t>
+            </a:r>
+            <a:r>
+              <a:rPr lang="de-CH" dirty="0"/>
+              <a:t> </a:t>
+            </a:r>
+            <a:r>
+              <a:rPr lang="de-CH" dirty="0" err="1"/>
+              <a:t>decision</a:t>
+            </a:r>
+            <a:endParaRPr lang="de-CH" dirty="0"/>
+          </a:p>
+          <a:p>
+            <a:endParaRPr lang="de-CH" dirty="0"/>
+          </a:p>
+          <a:p>
+            <a:endParaRPr lang="de-CH" dirty="0"/>
+          </a:p>
+        </p:txBody>
+      </p:sp>
+      <p:sp>
+        <p:nvSpPr>
+          <p:cNvPr id="4" name="Foliennummernplatzhalter 3">
+            <a:extLst>
+              <a:ext uri="{FF2B5EF4-FFF2-40B4-BE49-F238E27FC236}">
+                <a16:creationId xmlns:a16="http://schemas.microsoft.com/office/drawing/2014/main" id="{80304BC0-E96C-B10D-33B6-760953E61970}"/>
+              </a:ext>
+            </a:extLst>
+          </p:cNvPr>
+          <p:cNvSpPr>
+            <a:spLocks noGrp="1"/>
+          </p:cNvSpPr>
+          <p:nvPr>
+            <p:ph type="sldNum" sz="quarter" idx="5"/>
+          </p:nvPr>
+        </p:nvSpPr>
+        <p:spPr/>
+        <p:txBody>
+          <a:bodyPr/>
+          <a:lstStyle/>
+          <a:p>
+            <a:fld id="{83C81C81-E364-4366-A610-2DB15FF98538}" type="slidenum">
+              <a:rPr lang="de-CH" smtClean="0"/>
+              <a:pPr/>
+              <a:t>9</a:t>
+            </a:fld>
+            <a:endParaRPr lang="de-CH" dirty="0"/>
+          </a:p>
+        </p:txBody>
+      </p:sp>
+    </p:spTree>
+    <p:extLst>
+      <p:ext uri="{BB962C8B-B14F-4D97-AF65-F5344CB8AC3E}">
+        <p14:creationId xmlns:p14="http://schemas.microsoft.com/office/powerpoint/2010/main" val="2920053571"/>
+      </p:ext>
+    </p:extLst>
+  </p:cSld>
+  <p:clrMapOvr>
+    <a:masterClrMapping/>
+  </p:clrMapOvr>
+</p:notes>
+</file>
+
+<file path=ppt/notesSlides/notesSlide8.xml><?xml version="1.0" encoding="utf-8"?>
+<p:notes xmlns:a="http://schemas.openxmlformats.org/drawingml/2006/main" xmlns:r="http://schemas.openxmlformats.org/officeDocument/2006/relationships" xmlns:p="http://schemas.openxmlformats.org/presentationml/2006/main">
+  <p:cSld>
+    <p:spTree>
+      <p:nvGrpSpPr>
+        <p:cNvPr id="1" name="">
+          <a:extLst>
+            <a:ext uri="{FF2B5EF4-FFF2-40B4-BE49-F238E27FC236}">
+              <a16:creationId xmlns:a16="http://schemas.microsoft.com/office/drawing/2014/main" id="{2F174968-22A2-F6AF-68BF-0C68A15ED4BC}"/>
+            </a:ext>
+          </a:extLst>
+        </p:cNvPr>
+        <p:cNvGrpSpPr/>
+        <p:nvPr/>
+      </p:nvGrpSpPr>
+      <p:grpSpPr>
+        <a:xfrm>
+          <a:off x="0" y="0"/>
+          <a:ext cx="0" cy="0"/>
+          <a:chOff x="0" y="0"/>
+          <a:chExt cx="0" cy="0"/>
+        </a:xfrm>
+      </p:grpSpPr>
+      <p:sp>
+        <p:nvSpPr>
+          <p:cNvPr id="2" name="Folienbildplatzhalter 1">
+            <a:extLst>
+              <a:ext uri="{FF2B5EF4-FFF2-40B4-BE49-F238E27FC236}">
+                <a16:creationId xmlns:a16="http://schemas.microsoft.com/office/drawing/2014/main" id="{BDE62C7A-B602-6043-EDA7-712E4B44948D}"/>
+              </a:ext>
+            </a:extLst>
+          </p:cNvPr>
+          <p:cNvSpPr>
+            <a:spLocks noGrp="1" noRot="1" noChangeAspect="1"/>
+          </p:cNvSpPr>
+          <p:nvPr>
+            <p:ph type="sldImg"/>
+          </p:nvPr>
+        </p:nvSpPr>
+        <p:spPr>
+          <a:xfrm>
+            <a:off x="765175" y="900113"/>
+            <a:ext cx="5559425" cy="3127375"/>
+          </a:xfrm>
+        </p:spPr>
+      </p:sp>
+      <p:sp>
+        <p:nvSpPr>
+          <p:cNvPr id="3" name="Notizenplatzhalter 2">
+            <a:extLst>
+              <a:ext uri="{FF2B5EF4-FFF2-40B4-BE49-F238E27FC236}">
+                <a16:creationId xmlns:a16="http://schemas.microsoft.com/office/drawing/2014/main" id="{C136C9CF-F13C-F85C-D753-006B7CA10830}"/>
+              </a:ext>
+            </a:extLst>
+          </p:cNvPr>
+          <p:cNvSpPr>
+            <a:spLocks noGrp="1"/>
+          </p:cNvSpPr>
+          <p:nvPr>
+            <p:ph type="body" idx="1"/>
+          </p:nvPr>
+        </p:nvSpPr>
+        <p:spPr/>
+        <p:txBody>
+          <a:bodyPr/>
+          <a:lstStyle/>
+          <a:p>
+            <a:endParaRPr lang="de-CH" dirty="0"/>
+          </a:p>
+        </p:txBody>
+      </p:sp>
+      <p:sp>
+        <p:nvSpPr>
+          <p:cNvPr id="4" name="Foliennummernplatzhalter 3">
+            <a:extLst>
+              <a:ext uri="{FF2B5EF4-FFF2-40B4-BE49-F238E27FC236}">
+                <a16:creationId xmlns:a16="http://schemas.microsoft.com/office/drawing/2014/main" id="{CBA2E41C-F5D1-869D-22B2-D868A7E180CE}"/>
+              </a:ext>
+            </a:extLst>
+          </p:cNvPr>
+          <p:cNvSpPr>
+            <a:spLocks noGrp="1"/>
+          </p:cNvSpPr>
+          <p:nvPr>
+            <p:ph type="sldNum" sz="quarter" idx="5"/>
+          </p:nvPr>
+        </p:nvSpPr>
+        <p:spPr/>
+        <p:txBody>
+          <a:bodyPr/>
+          <a:lstStyle/>
+          <a:p>
+            <a:fld id="{83C81C81-E364-4366-A610-2DB15FF98538}" type="slidenum">
+              <a:rPr lang="de-CH" smtClean="0"/>
+              <a:pPr/>
+              <a:t>10</a:t>
+            </a:fld>
+            <a:endParaRPr lang="de-CH" dirty="0"/>
+          </a:p>
+        </p:txBody>
+      </p:sp>
+    </p:spTree>
+    <p:extLst>
+      <p:ext uri="{BB962C8B-B14F-4D97-AF65-F5344CB8AC3E}">
+        <p14:creationId xmlns:p14="http://schemas.microsoft.com/office/powerpoint/2010/main" val="187640022"/>
+      </p:ext>
+    </p:extLst>
+  </p:cSld>
+  <p:clrMapOvr>
+    <a:masterClrMapping/>
+  </p:clrMapOvr>
+</p:notes>
+</file>
+
+<file path=ppt/notesSlides/notesSlide9.xml><?xml version="1.0" encoding="utf-8"?>
+<p:notes xmlns:a="http://schemas.openxmlformats.org/drawingml/2006/main" xmlns:r="http://schemas.openxmlformats.org/officeDocument/2006/relationships" xmlns:p="http://schemas.openxmlformats.org/presentationml/2006/main">
+  <p:cSld>
+    <p:spTree>
+      <p:nvGrpSpPr>
+        <p:cNvPr id="1" name="">
+          <a:extLst>
+            <a:ext uri="{FF2B5EF4-FFF2-40B4-BE49-F238E27FC236}">
+              <a16:creationId xmlns:a16="http://schemas.microsoft.com/office/drawing/2014/main" id="{03336CD4-31E7-8DF6-DA21-E022D9B4AEA3}"/>
+            </a:ext>
+          </a:extLst>
+        </p:cNvPr>
+        <p:cNvGrpSpPr/>
+        <p:nvPr/>
+      </p:nvGrpSpPr>
+      <p:grpSpPr>
+        <a:xfrm>
+          <a:off x="0" y="0"/>
+          <a:ext cx="0" cy="0"/>
+          <a:chOff x="0" y="0"/>
+          <a:chExt cx="0" cy="0"/>
+        </a:xfrm>
+      </p:grpSpPr>
+      <p:sp>
+        <p:nvSpPr>
+          <p:cNvPr id="2" name="Folienbildplatzhalter 1">
+            <a:extLst>
+              <a:ext uri="{FF2B5EF4-FFF2-40B4-BE49-F238E27FC236}">
+                <a16:creationId xmlns:a16="http://schemas.microsoft.com/office/drawing/2014/main" id="{19EBB06D-B7AF-3CBC-4D7D-3F42607EBE95}"/>
+              </a:ext>
+            </a:extLst>
+          </p:cNvPr>
+          <p:cNvSpPr>
+            <a:spLocks noGrp="1" noRot="1" noChangeAspect="1"/>
+          </p:cNvSpPr>
+          <p:nvPr>
+            <p:ph type="sldImg"/>
+          </p:nvPr>
+        </p:nvSpPr>
+        <p:spPr>
+          <a:xfrm>
+            <a:off x="765175" y="900113"/>
+            <a:ext cx="5559425" cy="3127375"/>
+          </a:xfrm>
+        </p:spPr>
+      </p:sp>
+      <p:sp>
+        <p:nvSpPr>
+          <p:cNvPr id="3" name="Notizenplatzhalter 2">
+            <a:extLst>
+              <a:ext uri="{FF2B5EF4-FFF2-40B4-BE49-F238E27FC236}">
+                <a16:creationId xmlns:a16="http://schemas.microsoft.com/office/drawing/2014/main" id="{CD634094-FAB0-2B6A-F175-3D16697CE852}"/>
+              </a:ext>
+            </a:extLst>
+          </p:cNvPr>
+          <p:cNvSpPr>
+            <a:spLocks noGrp="1"/>
+          </p:cNvSpPr>
+          <p:nvPr>
+            <p:ph type="body" idx="1"/>
+          </p:nvPr>
+        </p:nvSpPr>
+        <p:spPr/>
+        <p:txBody>
+          <a:bodyPr/>
+          <a:lstStyle/>
+          <a:p>
+            <a:r>
+              <a:rPr lang="de-CH" dirty="0" err="1"/>
+              <a:t>Number</a:t>
+            </a:r>
+            <a:r>
+              <a:rPr lang="de-CH" dirty="0"/>
+              <a:t> </a:t>
+            </a:r>
+            <a:r>
+              <a:rPr lang="de-CH" dirty="0" err="1"/>
+              <a:t>of</a:t>
+            </a:r>
+            <a:r>
+              <a:rPr lang="de-CH" dirty="0"/>
+              <a:t> </a:t>
+            </a:r>
+            <a:r>
+              <a:rPr lang="de-CH" dirty="0" err="1"/>
+              <a:t>bit</a:t>
+            </a:r>
+            <a:r>
+              <a:rPr lang="de-CH" dirty="0"/>
+              <a:t> </a:t>
+            </a:r>
+            <a:r>
+              <a:rPr lang="de-CH" dirty="0" err="1"/>
+              <a:t>errors</a:t>
+            </a:r>
+            <a:r>
+              <a:rPr lang="de-CH" dirty="0"/>
+              <a:t> / Total </a:t>
+            </a:r>
+            <a:r>
+              <a:rPr lang="de-CH" dirty="0" err="1"/>
+              <a:t>number</a:t>
+            </a:r>
+            <a:r>
+              <a:rPr lang="de-CH" dirty="0"/>
+              <a:t> </a:t>
+            </a:r>
+            <a:r>
+              <a:rPr lang="de-CH" dirty="0" err="1"/>
+              <a:t>of</a:t>
+            </a:r>
+            <a:r>
+              <a:rPr lang="de-CH" dirty="0"/>
+              <a:t> </a:t>
+            </a:r>
+            <a:r>
+              <a:rPr lang="de-CH" dirty="0" err="1"/>
+              <a:t>bits</a:t>
+            </a:r>
+            <a:r>
+              <a:rPr lang="de-CH" dirty="0"/>
+              <a:t> </a:t>
+            </a:r>
+            <a:r>
+              <a:rPr lang="de-CH" dirty="0" err="1"/>
+              <a:t>Transmitted</a:t>
+            </a:r>
+            <a:endParaRPr lang="de-CH" dirty="0"/>
+          </a:p>
+        </p:txBody>
+      </p:sp>
+      <p:sp>
+        <p:nvSpPr>
+          <p:cNvPr id="4" name="Foliennummernplatzhalter 3">
+            <a:extLst>
+              <a:ext uri="{FF2B5EF4-FFF2-40B4-BE49-F238E27FC236}">
+                <a16:creationId xmlns:a16="http://schemas.microsoft.com/office/drawing/2014/main" id="{DE1FE4CA-94BD-82BB-780E-702814E7FF03}"/>
+              </a:ext>
+            </a:extLst>
+          </p:cNvPr>
+          <p:cNvSpPr>
+            <a:spLocks noGrp="1"/>
+          </p:cNvSpPr>
+          <p:nvPr>
+            <p:ph type="sldNum" sz="quarter" idx="5"/>
+          </p:nvPr>
+        </p:nvSpPr>
+        <p:spPr/>
+        <p:txBody>
+          <a:bodyPr/>
+          <a:lstStyle/>
+          <a:p>
+            <a:fld id="{83C81C81-E364-4366-A610-2DB15FF98538}" type="slidenum">
+              <a:rPr lang="de-CH" smtClean="0"/>
+              <a:pPr/>
+              <a:t>11</a:t>
+            </a:fld>
+            <a:endParaRPr lang="de-CH" dirty="0"/>
+          </a:p>
+        </p:txBody>
+      </p:sp>
+    </p:spTree>
+    <p:extLst>
+      <p:ext uri="{BB962C8B-B14F-4D97-AF65-F5344CB8AC3E}">
+        <p14:creationId xmlns:p14="http://schemas.microsoft.com/office/powerpoint/2010/main" val="1400915485"/>
+      </p:ext>
+    </p:extLst>
+  </p:cSld>
+  <p:clrMapOvr>
+    <a:masterClrMapping/>
+  </p:clrMapOvr>
+</p:notes>
+</file>
+
 <file path=ppt/slideLayouts/slideLayout1.xml><?xml version="1.0" encoding="utf-8"?>
 <p:sldLayout xmlns:a="http://schemas.openxmlformats.org/drawingml/2006/main" xmlns:r="http://schemas.openxmlformats.org/officeDocument/2006/relationships" xmlns:p="http://schemas.openxmlformats.org/presentationml/2006/main" preserve="1" userDrawn="1">
   <p:cSld name="Titelfolie">
@@ -1036,7 +3218,7 @@
           <a:p>
             <a:fld id="{E471F87F-7CC2-488B-AD55-33485FC98B76}" type="datetime1">
               <a:rPr lang="de-DE" smtClean="0"/>
-              <a:t>26.05.2025</a:t>
+              <a:t>05.07.2025</a:t>
             </a:fld>
             <a:endParaRPr lang="de-CH" dirty="0"/>
           </a:p>
@@ -1124,7 +3306,7 @@
             <a:fld id="{442AD375-037F-43D0-B059-5172DA06796A}" type="slidenum">
               <a:rPr lang="de-CH" smtClean="0"/>
               <a:pPr/>
-              <a:t>‹#›</a:t>
+              <a:t>‹Nr.›</a:t>
             </a:fld>
             <a:endParaRPr lang="de-CH" dirty="0"/>
           </a:p>
@@ -1433,7 +3615,7 @@
           <a:p>
             <a:fld id="{C97BF1D7-D20B-4528-9E03-8B18AB702752}" type="datetime1">
               <a:rPr lang="de-DE" smtClean="0"/>
-              <a:t>26.05.2025</a:t>
+              <a:t>05.07.2025</a:t>
             </a:fld>
             <a:endParaRPr lang="de-CH" dirty="0"/>
           </a:p>
@@ -1500,7 +3682,7 @@
             <a:fld id="{442AD375-037F-43D0-B059-5172DA06796A}" type="slidenum">
               <a:rPr lang="de-CH" smtClean="0"/>
               <a:pPr/>
-              <a:t>‹#›</a:t>
+              <a:t>‹Nr.›</a:t>
             </a:fld>
             <a:endParaRPr lang="de-CH" dirty="0"/>
           </a:p>
@@ -2116,7 +4298,7 @@
           <a:p>
             <a:fld id="{B2DD1E4E-1107-499B-BB00-8AA0260A0EFB}" type="datetime1">
               <a:rPr lang="de-DE" smtClean="0"/>
-              <a:t>26.05.2025</a:t>
+              <a:t>05.07.2025</a:t>
             </a:fld>
             <a:endParaRPr lang="de-CH" dirty="0"/>
           </a:p>
@@ -2183,7 +4365,7 @@
             <a:fld id="{442AD375-037F-43D0-B059-5172DA06796A}" type="slidenum">
               <a:rPr lang="de-CH" smtClean="0"/>
               <a:pPr/>
-              <a:t>‹#›</a:t>
+              <a:t>‹Nr.›</a:t>
             </a:fld>
             <a:endParaRPr lang="de-CH" dirty="0"/>
           </a:p>
@@ -2338,7 +4520,7 @@
           <a:p>
             <a:fld id="{23907732-924E-43E9-B4C2-6CF127C307EB}" type="datetime1">
               <a:rPr lang="de-DE" smtClean="0"/>
-              <a:t>26.05.2025</a:t>
+              <a:t>05.07.2025</a:t>
             </a:fld>
             <a:endParaRPr lang="de-CH" dirty="0"/>
           </a:p>
@@ -2418,7 +4600,7 @@
             <a:fld id="{442AD375-037F-43D0-B059-5172DA06796A}" type="slidenum">
               <a:rPr lang="de-CH" smtClean="0"/>
               <a:pPr/>
-              <a:t>‹#›</a:t>
+              <a:t>‹Nr.›</a:t>
             </a:fld>
             <a:endParaRPr lang="de-CH" dirty="0"/>
           </a:p>
@@ -2589,7 +4771,7 @@
           <a:p>
             <a:fld id="{A6195A94-05D5-4DEC-81F7-6AB426E292F4}" type="datetime1">
               <a:rPr lang="de-DE" smtClean="0"/>
-              <a:t>26.05.2025</a:t>
+              <a:t>05.07.2025</a:t>
             </a:fld>
             <a:endParaRPr lang="de-CH" dirty="0"/>
           </a:p>
@@ -2656,7 +4838,7 @@
             <a:fld id="{442AD375-037F-43D0-B059-5172DA06796A}" type="slidenum">
               <a:rPr lang="de-CH" smtClean="0"/>
               <a:pPr/>
-              <a:t>‹#›</a:t>
+              <a:t>‹Nr.›</a:t>
             </a:fld>
             <a:endParaRPr lang="de-CH" dirty="0"/>
           </a:p>
@@ -2806,7 +4988,7 @@
           <a:p>
             <a:fld id="{052279FA-DBB5-4713-9CD9-90401A466906}" type="datetime1">
               <a:rPr lang="de-DE" smtClean="0"/>
-              <a:t>26.05.2025</a:t>
+              <a:t>05.07.2025</a:t>
             </a:fld>
             <a:endParaRPr lang="de-CH" dirty="0"/>
           </a:p>
@@ -2873,7 +5055,7 @@
             <a:fld id="{442AD375-037F-43D0-B059-5172DA06796A}" type="slidenum">
               <a:rPr lang="de-CH" smtClean="0"/>
               <a:pPr/>
-              <a:t>‹#›</a:t>
+              <a:t>‹Nr.›</a:t>
             </a:fld>
             <a:endParaRPr lang="de-CH" dirty="0"/>
           </a:p>
@@ -2991,7 +5173,7 @@
           <a:p>
             <a:fld id="{1A622A08-A377-47C6-B39F-B1E1F769F25A}" type="datetime1">
               <a:rPr lang="de-DE" smtClean="0"/>
-              <a:t>26.05.2025</a:t>
+              <a:t>05.07.2025</a:t>
             </a:fld>
             <a:endParaRPr lang="de-CH" dirty="0"/>
           </a:p>
@@ -3058,7 +5240,7 @@
             <a:fld id="{442AD375-037F-43D0-B059-5172DA06796A}" type="slidenum">
               <a:rPr lang="de-CH" smtClean="0"/>
               <a:pPr/>
-              <a:t>‹#›</a:t>
+              <a:t>‹Nr.›</a:t>
             </a:fld>
             <a:endParaRPr lang="de-CH" dirty="0"/>
           </a:p>
@@ -3269,7 +5451,7 @@
           <a:p>
             <a:fld id="{7A628CE2-D1EA-49D7-88A5-9921AB788BF8}" type="datetime1">
               <a:rPr lang="de-DE" smtClean="0"/>
-              <a:t>26.05.2025</a:t>
+              <a:t>05.07.2025</a:t>
             </a:fld>
             <a:endParaRPr lang="de-CH" dirty="0"/>
           </a:p>
@@ -3336,7 +5518,7 @@
             <a:fld id="{442AD375-037F-43D0-B059-5172DA06796A}" type="slidenum">
               <a:rPr lang="de-CH" smtClean="0"/>
               <a:pPr/>
-              <a:t>‹#›</a:t>
+              <a:t>‹Nr.›</a:t>
             </a:fld>
             <a:endParaRPr lang="de-CH" dirty="0"/>
           </a:p>
@@ -3488,7 +5670,7 @@
           <a:p>
             <a:fld id="{5B884AD1-A783-44E4-89C8-03B3CA1C81C1}" type="datetime1">
               <a:rPr lang="de-DE" smtClean="0"/>
-              <a:t>26.05.2025</a:t>
+              <a:t>05.07.2025</a:t>
             </a:fld>
             <a:endParaRPr lang="de-CH" dirty="0"/>
           </a:p>
@@ -3555,7 +5737,7 @@
             <a:fld id="{442AD375-037F-43D0-B059-5172DA06796A}" type="slidenum">
               <a:rPr lang="de-CH" smtClean="0"/>
               <a:pPr/>
-              <a:t>‹#›</a:t>
+              <a:t>‹Nr.›</a:t>
             </a:fld>
             <a:endParaRPr lang="de-CH" dirty="0"/>
           </a:p>
@@ -3727,7 +5909,7 @@
           <a:p>
             <a:fld id="{2E8A167D-93E7-43CF-ADB7-181D413D4773}" type="datetime1">
               <a:rPr lang="de-DE" smtClean="0"/>
-              <a:t>26.05.2025</a:t>
+              <a:t>05.07.2025</a:t>
             </a:fld>
             <a:endParaRPr lang="de-CH" dirty="0"/>
           </a:p>
@@ -3794,7 +5976,7 @@
             <a:fld id="{442AD375-037F-43D0-B059-5172DA06796A}" type="slidenum">
               <a:rPr lang="de-CH" smtClean="0"/>
               <a:pPr/>
-              <a:t>‹#›</a:t>
+              <a:t>‹Nr.›</a:t>
             </a:fld>
             <a:endParaRPr lang="de-CH" dirty="0"/>
           </a:p>
@@ -4006,7 +6188,7 @@
           <a:p>
             <a:fld id="{698FC4C5-3ADA-44FA-AF24-1DAFEB8AF652}" type="datetime1">
               <a:rPr lang="de-DE" smtClean="0"/>
-              <a:t>26.05.2025</a:t>
+              <a:t>05.07.2025</a:t>
             </a:fld>
             <a:endParaRPr lang="de-CH" dirty="0"/>
           </a:p>
@@ -4085,7 +6267,7 @@
             <a:fld id="{442AD375-037F-43D0-B059-5172DA06796A}" type="slidenum">
               <a:rPr lang="de-CH" smtClean="0"/>
               <a:pPr/>
-              <a:t>‹#›</a:t>
+              <a:t>‹Nr.›</a:t>
             </a:fld>
             <a:endParaRPr lang="de-CH" dirty="0"/>
           </a:p>
@@ -4577,7 +6759,7 @@
           <a:p>
             <a:fld id="{DE4FA439-CAC9-4573-B1B3-2D68157B76DD}" type="datetime3">
               <a:rPr lang="en-US" smtClean="0"/>
-              <a:t>26 May 2025</a:t>
+              <a:t>5 July 2025</a:t>
             </a:fld>
             <a:endParaRPr lang="de-CH"/>
           </a:p>
@@ -4844,14 +7026,1575 @@
   <p:clrMapOvr>
     <a:masterClrMapping/>
   </p:clrMapOvr>
-  <mc:AlternateContent xmlns:mc="http://schemas.openxmlformats.org/markup-compatibility/2006">
-    <mc:Choice xmlns:p14="http://schemas.microsoft.com/office/powerpoint/2010/main" Requires="p14">
+  <mc:AlternateContent xmlns:mc="http://schemas.openxmlformats.org/markup-compatibility/2006" xmlns:p14="http://schemas.microsoft.com/office/powerpoint/2010/main">
+    <mc:Choice Requires="p14">
       <p:transition spd="slow" p14:dur="2000" advClick="0" advTm="10000"/>
     </mc:Choice>
-    <mc:Fallback>
+    <mc:Fallback xmlns="">
       <p:transition spd="slow" advClick="0" advTm="10000"/>
     </mc:Fallback>
   </mc:AlternateContent>
+</p:sld>
+</file>
+
+<file path=ppt/slides/slide10.xml><?xml version="1.0" encoding="utf-8"?>
+<p:sld xmlns:a="http://schemas.openxmlformats.org/drawingml/2006/main" xmlns:r="http://schemas.openxmlformats.org/officeDocument/2006/relationships" xmlns:p="http://schemas.openxmlformats.org/presentationml/2006/main">
+  <p:cSld>
+    <p:spTree>
+      <p:nvGrpSpPr>
+        <p:cNvPr id="1" name="">
+          <a:extLst>
+            <a:ext uri="{FF2B5EF4-FFF2-40B4-BE49-F238E27FC236}">
+              <a16:creationId xmlns:a16="http://schemas.microsoft.com/office/drawing/2014/main" id="{37B57D39-DE60-04E8-8A22-026F8302E82F}"/>
+            </a:ext>
+          </a:extLst>
+        </p:cNvPr>
+        <p:cNvGrpSpPr/>
+        <p:nvPr/>
+      </p:nvGrpSpPr>
+      <p:grpSpPr>
+        <a:xfrm>
+          <a:off x="0" y="0"/>
+          <a:ext cx="0" cy="0"/>
+          <a:chOff x="0" y="0"/>
+          <a:chExt cx="0" cy="0"/>
+        </a:xfrm>
+      </p:grpSpPr>
+      <p:sp>
+        <p:nvSpPr>
+          <p:cNvPr id="7" name="Title 6">
+            <a:extLst>
+              <a:ext uri="{FF2B5EF4-FFF2-40B4-BE49-F238E27FC236}">
+                <a16:creationId xmlns:a16="http://schemas.microsoft.com/office/drawing/2014/main" id="{8F67DB55-EC47-4982-E4AD-B5994C8DF450}"/>
+              </a:ext>
+            </a:extLst>
+          </p:cNvPr>
+          <p:cNvSpPr>
+            <a:spLocks noGrp="1"/>
+          </p:cNvSpPr>
+          <p:nvPr>
+            <p:ph type="title"/>
+          </p:nvPr>
+        </p:nvSpPr>
+        <p:spPr>
+          <a:xfrm>
+            <a:off x="408076" y="1067525"/>
+            <a:ext cx="10587038" cy="1477328"/>
+          </a:xfrm>
+        </p:spPr>
+        <p:txBody>
+          <a:bodyPr/>
+          <a:lstStyle/>
+          <a:p>
+            <a:r>
+              <a:rPr lang="en-GB" sz="3200" dirty="0"/>
+              <a:t>Visualize ISI Effects after Equalization</a:t>
+            </a:r>
+            <a:br>
+              <a:rPr lang="en-GB" sz="3200" dirty="0"/>
+            </a:br>
+            <a:br>
+              <a:rPr lang="en-GB" sz="3200" dirty="0"/>
+            </a:br>
+            <a:endParaRPr lang="de-CH" sz="3200" dirty="0"/>
+          </a:p>
+        </p:txBody>
+      </p:sp>
+      <p:sp>
+        <p:nvSpPr>
+          <p:cNvPr id="4" name="Date Placeholder 3">
+            <a:extLst>
+              <a:ext uri="{FF2B5EF4-FFF2-40B4-BE49-F238E27FC236}">
+                <a16:creationId xmlns:a16="http://schemas.microsoft.com/office/drawing/2014/main" id="{AE8EEAE4-08AD-F6AE-9074-489997E59DDD}"/>
+              </a:ext>
+            </a:extLst>
+          </p:cNvPr>
+          <p:cNvSpPr>
+            <a:spLocks noGrp="1"/>
+          </p:cNvSpPr>
+          <p:nvPr>
+            <p:ph type="dt" sz="half" idx="10"/>
+          </p:nvPr>
+        </p:nvSpPr>
+        <p:spPr/>
+        <p:txBody>
+          <a:bodyPr/>
+          <a:lstStyle/>
+          <a:p>
+            <a:fld id="{3CAC52EE-1A92-4CB4-BCAA-EDE3CF50CF3F}" type="datetime1">
+              <a:rPr lang="de-DE" smtClean="0"/>
+              <a:t>05.07.2025</a:t>
+            </a:fld>
+            <a:endParaRPr lang="de-CH" dirty="0"/>
+          </a:p>
+        </p:txBody>
+      </p:sp>
+      <p:sp>
+        <p:nvSpPr>
+          <p:cNvPr id="5" name="Footer Placeholder 4">
+            <a:extLst>
+              <a:ext uri="{FF2B5EF4-FFF2-40B4-BE49-F238E27FC236}">
+                <a16:creationId xmlns:a16="http://schemas.microsoft.com/office/drawing/2014/main" id="{D96C10A4-8924-8495-686A-645F4DEA6442}"/>
+              </a:ext>
+            </a:extLst>
+          </p:cNvPr>
+          <p:cNvSpPr>
+            <a:spLocks noGrp="1"/>
+          </p:cNvSpPr>
+          <p:nvPr>
+            <p:ph type="ftr" sz="quarter" idx="11"/>
+          </p:nvPr>
+        </p:nvSpPr>
+        <p:spPr/>
+        <p:txBody>
+          <a:bodyPr/>
+          <a:lstStyle/>
+          <a:p>
+            <a:r>
+              <a:rPr lang="en-US"/>
+              <a:t>Institute For Sensor and Electronics</a:t>
+            </a:r>
+            <a:endParaRPr lang="de-CH" dirty="0"/>
+          </a:p>
+        </p:txBody>
+      </p:sp>
+      <p:sp>
+        <p:nvSpPr>
+          <p:cNvPr id="6" name="Slide Number Placeholder 5">
+            <a:extLst>
+              <a:ext uri="{FF2B5EF4-FFF2-40B4-BE49-F238E27FC236}">
+                <a16:creationId xmlns:a16="http://schemas.microsoft.com/office/drawing/2014/main" id="{51A3153B-F102-30B8-0B0D-038FF209089E}"/>
+              </a:ext>
+            </a:extLst>
+          </p:cNvPr>
+          <p:cNvSpPr>
+            <a:spLocks noGrp="1"/>
+          </p:cNvSpPr>
+          <p:nvPr>
+            <p:ph type="sldNum" sz="quarter" idx="12"/>
+          </p:nvPr>
+        </p:nvSpPr>
+        <p:spPr/>
+        <p:txBody>
+          <a:bodyPr/>
+          <a:lstStyle/>
+          <a:p>
+            <a:fld id="{442AD375-037F-43D0-B059-5172DA06796A}" type="slidenum">
+              <a:rPr lang="de-CH" smtClean="0"/>
+              <a:pPr/>
+              <a:t>10</a:t>
+            </a:fld>
+            <a:endParaRPr lang="de-CH" dirty="0"/>
+          </a:p>
+        </p:txBody>
+      </p:sp>
+      <p:sp>
+        <p:nvSpPr>
+          <p:cNvPr id="8" name="Textfeld 7">
+            <a:extLst>
+              <a:ext uri="{FF2B5EF4-FFF2-40B4-BE49-F238E27FC236}">
+                <a16:creationId xmlns:a16="http://schemas.microsoft.com/office/drawing/2014/main" id="{30D4F694-0BB0-50DC-017C-4950DFCA8077}"/>
+              </a:ext>
+            </a:extLst>
+          </p:cNvPr>
+          <p:cNvSpPr txBox="1"/>
+          <p:nvPr/>
+        </p:nvSpPr>
+        <p:spPr>
+          <a:xfrm flipH="1">
+            <a:off x="408076" y="1916832"/>
+            <a:ext cx="7658635" cy="1107996"/>
+          </a:xfrm>
+          <a:prstGeom prst="rect">
+            <a:avLst/>
+          </a:prstGeom>
+          <a:noFill/>
+        </p:spPr>
+        <p:txBody>
+          <a:bodyPr wrap="square" lIns="0" tIns="0" rIns="0" bIns="0" rtlCol="0">
+            <a:spAutoFit/>
+          </a:bodyPr>
+          <a:lstStyle/>
+          <a:p>
+            <a:pPr marL="285750" indent="-285750">
+              <a:buFont typeface="Arial" panose="020B0604020202020204" pitchFamily="34" charset="0"/>
+              <a:buChar char="•"/>
+            </a:pPr>
+            <a:endParaRPr lang="de-CH" dirty="0"/>
+          </a:p>
+          <a:p>
+            <a:endParaRPr lang="de-CH" dirty="0"/>
+          </a:p>
+          <a:p>
+            <a:pPr marL="285750" indent="-285750">
+              <a:buFont typeface="Arial" panose="020B0604020202020204" pitchFamily="34" charset="0"/>
+              <a:buChar char="•"/>
+            </a:pPr>
+            <a:endParaRPr lang="de-CH" dirty="0"/>
+          </a:p>
+          <a:p>
+            <a:pPr marL="285750" indent="-285750">
+              <a:buFont typeface="Arial" panose="020B0604020202020204" pitchFamily="34" charset="0"/>
+              <a:buChar char="•"/>
+            </a:pPr>
+            <a:endParaRPr lang="de-CH" dirty="0"/>
+          </a:p>
+        </p:txBody>
+      </p:sp>
+      <p:pic>
+        <p:nvPicPr>
+          <p:cNvPr id="12" name="Grafik 11">
+            <a:extLst>
+              <a:ext uri="{FF2B5EF4-FFF2-40B4-BE49-F238E27FC236}">
+                <a16:creationId xmlns:a16="http://schemas.microsoft.com/office/drawing/2014/main" id="{5666B0FB-1198-83C4-584D-79E34EFF14EB}"/>
+              </a:ext>
+            </a:extLst>
+          </p:cNvPr>
+          <p:cNvPicPr>
+            <a:picLocks noChangeAspect="1"/>
+          </p:cNvPicPr>
+          <p:nvPr/>
+        </p:nvPicPr>
+        <p:blipFill>
+          <a:blip r:embed="rId3"/>
+          <a:stretch>
+            <a:fillRect/>
+          </a:stretch>
+        </p:blipFill>
+        <p:spPr>
+          <a:xfrm>
+            <a:off x="1847528" y="1628800"/>
+            <a:ext cx="3178506" cy="2473435"/>
+          </a:xfrm>
+          <a:prstGeom prst="rect">
+            <a:avLst/>
+          </a:prstGeom>
+        </p:spPr>
+      </p:pic>
+      <p:pic>
+        <p:nvPicPr>
+          <p:cNvPr id="16" name="Grafik 15">
+            <a:extLst>
+              <a:ext uri="{FF2B5EF4-FFF2-40B4-BE49-F238E27FC236}">
+                <a16:creationId xmlns:a16="http://schemas.microsoft.com/office/drawing/2014/main" id="{90094F8F-15A9-033D-6033-22A3B31A725B}"/>
+              </a:ext>
+            </a:extLst>
+          </p:cNvPr>
+          <p:cNvPicPr>
+            <a:picLocks noChangeAspect="1"/>
+          </p:cNvPicPr>
+          <p:nvPr/>
+        </p:nvPicPr>
+        <p:blipFill>
+          <a:blip r:embed="rId4"/>
+          <a:stretch>
+            <a:fillRect/>
+          </a:stretch>
+        </p:blipFill>
+        <p:spPr>
+          <a:xfrm>
+            <a:off x="1828456" y="4228660"/>
+            <a:ext cx="3178506" cy="2463748"/>
+          </a:xfrm>
+          <a:prstGeom prst="rect">
+            <a:avLst/>
+          </a:prstGeom>
+        </p:spPr>
+      </p:pic>
+      <p:pic>
+        <p:nvPicPr>
+          <p:cNvPr id="11" name="Grafik 10">
+            <a:extLst>
+              <a:ext uri="{FF2B5EF4-FFF2-40B4-BE49-F238E27FC236}">
+                <a16:creationId xmlns:a16="http://schemas.microsoft.com/office/drawing/2014/main" id="{A1B30EE7-C21B-32D7-1BDA-16D12C9BB818}"/>
+              </a:ext>
+            </a:extLst>
+          </p:cNvPr>
+          <p:cNvPicPr>
+            <a:picLocks noChangeAspect="1"/>
+          </p:cNvPicPr>
+          <p:nvPr/>
+        </p:nvPicPr>
+        <p:blipFill>
+          <a:blip r:embed="rId5"/>
+          <a:stretch>
+            <a:fillRect/>
+          </a:stretch>
+        </p:blipFill>
+        <p:spPr>
+          <a:xfrm>
+            <a:off x="5701595" y="1628800"/>
+            <a:ext cx="3178506" cy="2473435"/>
+          </a:xfrm>
+          <a:prstGeom prst="rect">
+            <a:avLst/>
+          </a:prstGeom>
+        </p:spPr>
+      </p:pic>
+      <p:pic>
+        <p:nvPicPr>
+          <p:cNvPr id="15" name="Grafik 14">
+            <a:extLst>
+              <a:ext uri="{FF2B5EF4-FFF2-40B4-BE49-F238E27FC236}">
+                <a16:creationId xmlns:a16="http://schemas.microsoft.com/office/drawing/2014/main" id="{F9AF9664-AD5A-8A15-531B-C6CAB66771AB}"/>
+              </a:ext>
+            </a:extLst>
+          </p:cNvPr>
+          <p:cNvPicPr>
+            <a:picLocks noChangeAspect="1"/>
+          </p:cNvPicPr>
+          <p:nvPr/>
+        </p:nvPicPr>
+        <p:blipFill>
+          <a:blip r:embed="rId6"/>
+          <a:stretch>
+            <a:fillRect/>
+          </a:stretch>
+        </p:blipFill>
+        <p:spPr>
+          <a:xfrm>
+            <a:off x="5701595" y="4228660"/>
+            <a:ext cx="3178506" cy="2455382"/>
+          </a:xfrm>
+          <a:prstGeom prst="rect">
+            <a:avLst/>
+          </a:prstGeom>
+        </p:spPr>
+      </p:pic>
+    </p:spTree>
+    <p:extLst>
+      <p:ext uri="{BB962C8B-B14F-4D97-AF65-F5344CB8AC3E}">
+        <p14:creationId xmlns:p14="http://schemas.microsoft.com/office/powerpoint/2010/main" val="2152062495"/>
+      </p:ext>
+    </p:extLst>
+  </p:cSld>
+  <p:clrMapOvr>
+    <a:masterClrMapping/>
+  </p:clrMapOvr>
+</p:sld>
+</file>
+
+<file path=ppt/slides/slide11.xml><?xml version="1.0" encoding="utf-8"?>
+<p:sld xmlns:a="http://schemas.openxmlformats.org/drawingml/2006/main" xmlns:r="http://schemas.openxmlformats.org/officeDocument/2006/relationships" xmlns:p="http://schemas.openxmlformats.org/presentationml/2006/main">
+  <p:cSld>
+    <p:spTree>
+      <p:nvGrpSpPr>
+        <p:cNvPr id="1" name="">
+          <a:extLst>
+            <a:ext uri="{FF2B5EF4-FFF2-40B4-BE49-F238E27FC236}">
+              <a16:creationId xmlns:a16="http://schemas.microsoft.com/office/drawing/2014/main" id="{1D137065-6C4E-6E2D-2CEC-D8655DF6FD0E}"/>
+            </a:ext>
+          </a:extLst>
+        </p:cNvPr>
+        <p:cNvGrpSpPr/>
+        <p:nvPr/>
+      </p:nvGrpSpPr>
+      <p:grpSpPr>
+        <a:xfrm>
+          <a:off x="0" y="0"/>
+          <a:ext cx="0" cy="0"/>
+          <a:chOff x="0" y="0"/>
+          <a:chExt cx="0" cy="0"/>
+        </a:xfrm>
+      </p:grpSpPr>
+      <p:sp>
+        <p:nvSpPr>
+          <p:cNvPr id="7" name="Title 6">
+            <a:extLst>
+              <a:ext uri="{FF2B5EF4-FFF2-40B4-BE49-F238E27FC236}">
+                <a16:creationId xmlns:a16="http://schemas.microsoft.com/office/drawing/2014/main" id="{B4585ED4-AABF-5C10-3C17-03A8A2F85F3D}"/>
+              </a:ext>
+            </a:extLst>
+          </p:cNvPr>
+          <p:cNvSpPr>
+            <a:spLocks noGrp="1"/>
+          </p:cNvSpPr>
+          <p:nvPr>
+            <p:ph type="title"/>
+          </p:nvPr>
+        </p:nvSpPr>
+        <p:spPr>
+          <a:xfrm>
+            <a:off x="408076" y="1067525"/>
+            <a:ext cx="10587038" cy="1477328"/>
+          </a:xfrm>
+        </p:spPr>
+        <p:txBody>
+          <a:bodyPr/>
+          <a:lstStyle/>
+          <a:p>
+            <a:r>
+              <a:rPr lang="en-GB" sz="3200" dirty="0"/>
+              <a:t>Bit Error Rate (BER)</a:t>
+            </a:r>
+            <a:br>
+              <a:rPr lang="en-GB" sz="3200" dirty="0"/>
+            </a:br>
+            <a:br>
+              <a:rPr lang="en-GB" sz="3200" dirty="0"/>
+            </a:br>
+            <a:endParaRPr lang="de-CH" sz="3200" dirty="0"/>
+          </a:p>
+        </p:txBody>
+      </p:sp>
+      <p:sp>
+        <p:nvSpPr>
+          <p:cNvPr id="4" name="Date Placeholder 3">
+            <a:extLst>
+              <a:ext uri="{FF2B5EF4-FFF2-40B4-BE49-F238E27FC236}">
+                <a16:creationId xmlns:a16="http://schemas.microsoft.com/office/drawing/2014/main" id="{9CC7EDF7-BF61-B3E5-6FC1-A2534E53C0F5}"/>
+              </a:ext>
+            </a:extLst>
+          </p:cNvPr>
+          <p:cNvSpPr>
+            <a:spLocks noGrp="1"/>
+          </p:cNvSpPr>
+          <p:nvPr>
+            <p:ph type="dt" sz="half" idx="10"/>
+          </p:nvPr>
+        </p:nvSpPr>
+        <p:spPr/>
+        <p:txBody>
+          <a:bodyPr/>
+          <a:lstStyle/>
+          <a:p>
+            <a:fld id="{3CAC52EE-1A92-4CB4-BCAA-EDE3CF50CF3F}" type="datetime1">
+              <a:rPr lang="de-DE" smtClean="0"/>
+              <a:t>05.07.2025</a:t>
+            </a:fld>
+            <a:endParaRPr lang="de-CH" dirty="0"/>
+          </a:p>
+        </p:txBody>
+      </p:sp>
+      <p:sp>
+        <p:nvSpPr>
+          <p:cNvPr id="5" name="Footer Placeholder 4">
+            <a:extLst>
+              <a:ext uri="{FF2B5EF4-FFF2-40B4-BE49-F238E27FC236}">
+                <a16:creationId xmlns:a16="http://schemas.microsoft.com/office/drawing/2014/main" id="{F69BDF15-8CBF-932C-A70B-262F4F2137D7}"/>
+              </a:ext>
+            </a:extLst>
+          </p:cNvPr>
+          <p:cNvSpPr>
+            <a:spLocks noGrp="1"/>
+          </p:cNvSpPr>
+          <p:nvPr>
+            <p:ph type="ftr" sz="quarter" idx="11"/>
+          </p:nvPr>
+        </p:nvSpPr>
+        <p:spPr/>
+        <p:txBody>
+          <a:bodyPr/>
+          <a:lstStyle/>
+          <a:p>
+            <a:r>
+              <a:rPr lang="en-US"/>
+              <a:t>Institute For Sensor and Electronics</a:t>
+            </a:r>
+            <a:endParaRPr lang="de-CH" dirty="0"/>
+          </a:p>
+        </p:txBody>
+      </p:sp>
+      <p:sp>
+        <p:nvSpPr>
+          <p:cNvPr id="6" name="Slide Number Placeholder 5">
+            <a:extLst>
+              <a:ext uri="{FF2B5EF4-FFF2-40B4-BE49-F238E27FC236}">
+                <a16:creationId xmlns:a16="http://schemas.microsoft.com/office/drawing/2014/main" id="{DA4773DE-56B9-A981-5366-E7AC950E62C0}"/>
+              </a:ext>
+            </a:extLst>
+          </p:cNvPr>
+          <p:cNvSpPr>
+            <a:spLocks noGrp="1"/>
+          </p:cNvSpPr>
+          <p:nvPr>
+            <p:ph type="sldNum" sz="quarter" idx="12"/>
+          </p:nvPr>
+        </p:nvSpPr>
+        <p:spPr/>
+        <p:txBody>
+          <a:bodyPr/>
+          <a:lstStyle/>
+          <a:p>
+            <a:fld id="{442AD375-037F-43D0-B059-5172DA06796A}" type="slidenum">
+              <a:rPr lang="de-CH" smtClean="0"/>
+              <a:pPr/>
+              <a:t>11</a:t>
+            </a:fld>
+            <a:endParaRPr lang="de-CH" dirty="0"/>
+          </a:p>
+        </p:txBody>
+      </p:sp>
+      <p:sp>
+        <p:nvSpPr>
+          <p:cNvPr id="8" name="Textfeld 7">
+            <a:extLst>
+              <a:ext uri="{FF2B5EF4-FFF2-40B4-BE49-F238E27FC236}">
+                <a16:creationId xmlns:a16="http://schemas.microsoft.com/office/drawing/2014/main" id="{DE8F22D1-B357-2393-EF06-E7E7939E5131}"/>
+              </a:ext>
+            </a:extLst>
+          </p:cNvPr>
+          <p:cNvSpPr txBox="1"/>
+          <p:nvPr/>
+        </p:nvSpPr>
+        <p:spPr>
+          <a:xfrm flipH="1">
+            <a:off x="408076" y="1900526"/>
+            <a:ext cx="7658635" cy="1384995"/>
+          </a:xfrm>
+          <a:prstGeom prst="rect">
+            <a:avLst/>
+          </a:prstGeom>
+          <a:noFill/>
+        </p:spPr>
+        <p:txBody>
+          <a:bodyPr wrap="square" lIns="0" tIns="0" rIns="0" bIns="0" rtlCol="0">
+            <a:spAutoFit/>
+          </a:bodyPr>
+          <a:lstStyle/>
+          <a:p>
+            <a:pPr marL="285750" indent="-285750">
+              <a:buFont typeface="Arial" panose="020B0604020202020204" pitchFamily="34" charset="0"/>
+              <a:buChar char="•"/>
+            </a:pPr>
+            <a:r>
+              <a:rPr lang="de-CH" dirty="0" err="1"/>
+              <a:t>What</a:t>
+            </a:r>
+            <a:r>
+              <a:rPr lang="de-CH" dirty="0"/>
+              <a:t> </a:t>
+            </a:r>
+            <a:r>
+              <a:rPr lang="de-CH" dirty="0" err="1"/>
+              <a:t>is</a:t>
+            </a:r>
+            <a:r>
+              <a:rPr lang="de-CH" dirty="0"/>
+              <a:t> BER ?</a:t>
+            </a:r>
+          </a:p>
+          <a:p>
+            <a:pPr marL="285750" indent="-285750">
+              <a:buFont typeface="Arial" panose="020B0604020202020204" pitchFamily="34" charset="0"/>
+              <a:buChar char="•"/>
+            </a:pPr>
+            <a:r>
+              <a:rPr lang="de-CH" dirty="0" err="1"/>
+              <a:t>From</a:t>
+            </a:r>
+            <a:r>
+              <a:rPr lang="de-CH" dirty="0"/>
+              <a:t> 8.1% BER </a:t>
+            </a:r>
+            <a:r>
+              <a:rPr lang="de-CH" dirty="0" err="1"/>
+              <a:t>to</a:t>
+            </a:r>
+            <a:r>
+              <a:rPr lang="de-CH" dirty="0"/>
+              <a:t> 0.45% BER</a:t>
+            </a:r>
+          </a:p>
+          <a:p>
+            <a:pPr marL="285750" indent="-285750">
+              <a:buFont typeface="Arial" panose="020B0604020202020204" pitchFamily="34" charset="0"/>
+              <a:buChar char="•"/>
+            </a:pPr>
+            <a:r>
+              <a:rPr lang="de-CH" dirty="0" err="1"/>
+              <a:t>Improvement</a:t>
+            </a:r>
+            <a:r>
+              <a:rPr lang="de-CH" dirty="0"/>
+              <a:t> </a:t>
+            </a:r>
+            <a:r>
+              <a:rPr lang="de-CH" dirty="0" err="1"/>
+              <a:t>around</a:t>
+            </a:r>
+            <a:r>
+              <a:rPr lang="de-CH" dirty="0"/>
+              <a:t> 95%</a:t>
+            </a:r>
+          </a:p>
+          <a:p>
+            <a:pPr marL="285750" indent="-285750">
+              <a:buFont typeface="Arial" panose="020B0604020202020204" pitchFamily="34" charset="0"/>
+              <a:buChar char="•"/>
+            </a:pPr>
+            <a:endParaRPr lang="de-CH" dirty="0"/>
+          </a:p>
+          <a:p>
+            <a:endParaRPr lang="de-CH" dirty="0"/>
+          </a:p>
+        </p:txBody>
+      </p:sp>
+      <p:pic>
+        <p:nvPicPr>
+          <p:cNvPr id="3" name="Grafik 2">
+            <a:extLst>
+              <a:ext uri="{FF2B5EF4-FFF2-40B4-BE49-F238E27FC236}">
+                <a16:creationId xmlns:a16="http://schemas.microsoft.com/office/drawing/2014/main" id="{D61BE02C-4D9B-384B-6A05-74071CD4689E}"/>
+              </a:ext>
+            </a:extLst>
+          </p:cNvPr>
+          <p:cNvPicPr>
+            <a:picLocks noChangeAspect="1"/>
+          </p:cNvPicPr>
+          <p:nvPr/>
+        </p:nvPicPr>
+        <p:blipFill>
+          <a:blip r:embed="rId3"/>
+          <a:stretch>
+            <a:fillRect/>
+          </a:stretch>
+        </p:blipFill>
+        <p:spPr>
+          <a:xfrm>
+            <a:off x="5159896" y="1935991"/>
+            <a:ext cx="5268060" cy="2953162"/>
+          </a:xfrm>
+          <a:prstGeom prst="rect">
+            <a:avLst/>
+          </a:prstGeom>
+        </p:spPr>
+      </p:pic>
+      <p:pic>
+        <p:nvPicPr>
+          <p:cNvPr id="10" name="Grafik 9">
+            <a:extLst>
+              <a:ext uri="{FF2B5EF4-FFF2-40B4-BE49-F238E27FC236}">
+                <a16:creationId xmlns:a16="http://schemas.microsoft.com/office/drawing/2014/main" id="{5C4CD246-702C-D5D3-1392-1050CAFE10D4}"/>
+              </a:ext>
+            </a:extLst>
+          </p:cNvPr>
+          <p:cNvPicPr>
+            <a:picLocks noChangeAspect="1"/>
+          </p:cNvPicPr>
+          <p:nvPr/>
+        </p:nvPicPr>
+        <p:blipFill>
+          <a:blip r:embed="rId4"/>
+          <a:stretch>
+            <a:fillRect/>
+          </a:stretch>
+        </p:blipFill>
+        <p:spPr>
+          <a:xfrm>
+            <a:off x="5087888" y="5099807"/>
+            <a:ext cx="4393248" cy="657812"/>
+          </a:xfrm>
+          <a:prstGeom prst="rect">
+            <a:avLst/>
+          </a:prstGeom>
+        </p:spPr>
+      </p:pic>
+    </p:spTree>
+    <p:extLst>
+      <p:ext uri="{BB962C8B-B14F-4D97-AF65-F5344CB8AC3E}">
+        <p14:creationId xmlns:p14="http://schemas.microsoft.com/office/powerpoint/2010/main" val="1765325896"/>
+      </p:ext>
+    </p:extLst>
+  </p:cSld>
+  <p:clrMapOvr>
+    <a:masterClrMapping/>
+  </p:clrMapOvr>
+</p:sld>
+</file>
+
+<file path=ppt/slides/slide12.xml><?xml version="1.0" encoding="utf-8"?>
+<p:sld xmlns:a="http://schemas.openxmlformats.org/drawingml/2006/main" xmlns:r="http://schemas.openxmlformats.org/officeDocument/2006/relationships" xmlns:p="http://schemas.openxmlformats.org/presentationml/2006/main">
+  <p:cSld>
+    <p:spTree>
+      <p:nvGrpSpPr>
+        <p:cNvPr id="1" name="">
+          <a:extLst>
+            <a:ext uri="{FF2B5EF4-FFF2-40B4-BE49-F238E27FC236}">
+              <a16:creationId xmlns:a16="http://schemas.microsoft.com/office/drawing/2014/main" id="{2BA6078E-F547-D526-3168-A472C6D1C061}"/>
+            </a:ext>
+          </a:extLst>
+        </p:cNvPr>
+        <p:cNvGrpSpPr/>
+        <p:nvPr/>
+      </p:nvGrpSpPr>
+      <p:grpSpPr>
+        <a:xfrm>
+          <a:off x="0" y="0"/>
+          <a:ext cx="0" cy="0"/>
+          <a:chOff x="0" y="0"/>
+          <a:chExt cx="0" cy="0"/>
+        </a:xfrm>
+      </p:grpSpPr>
+      <p:sp>
+        <p:nvSpPr>
+          <p:cNvPr id="7" name="Title 6">
+            <a:extLst>
+              <a:ext uri="{FF2B5EF4-FFF2-40B4-BE49-F238E27FC236}">
+                <a16:creationId xmlns:a16="http://schemas.microsoft.com/office/drawing/2014/main" id="{7139EF30-F92E-44E3-EC55-009472E52F20}"/>
+              </a:ext>
+            </a:extLst>
+          </p:cNvPr>
+          <p:cNvSpPr>
+            <a:spLocks noGrp="1"/>
+          </p:cNvSpPr>
+          <p:nvPr>
+            <p:ph type="title"/>
+          </p:nvPr>
+        </p:nvSpPr>
+        <p:spPr>
+          <a:xfrm>
+            <a:off x="408076" y="1067525"/>
+            <a:ext cx="10587038" cy="1477328"/>
+          </a:xfrm>
+        </p:spPr>
+        <p:txBody>
+          <a:bodyPr/>
+          <a:lstStyle/>
+          <a:p>
+            <a:r>
+              <a:rPr lang="en-GB" sz="3200" dirty="0"/>
+              <a:t>Conclusion</a:t>
+            </a:r>
+            <a:br>
+              <a:rPr lang="en-GB" sz="3200" dirty="0"/>
+            </a:br>
+            <a:br>
+              <a:rPr lang="en-GB" sz="3200" dirty="0"/>
+            </a:br>
+            <a:endParaRPr lang="de-CH" sz="3200" dirty="0"/>
+          </a:p>
+        </p:txBody>
+      </p:sp>
+      <p:sp>
+        <p:nvSpPr>
+          <p:cNvPr id="4" name="Date Placeholder 3">
+            <a:extLst>
+              <a:ext uri="{FF2B5EF4-FFF2-40B4-BE49-F238E27FC236}">
+                <a16:creationId xmlns:a16="http://schemas.microsoft.com/office/drawing/2014/main" id="{67975725-C4D8-9263-142F-1765C31E3EDF}"/>
+              </a:ext>
+            </a:extLst>
+          </p:cNvPr>
+          <p:cNvSpPr>
+            <a:spLocks noGrp="1"/>
+          </p:cNvSpPr>
+          <p:nvPr>
+            <p:ph type="dt" sz="half" idx="10"/>
+          </p:nvPr>
+        </p:nvSpPr>
+        <p:spPr/>
+        <p:txBody>
+          <a:bodyPr/>
+          <a:lstStyle/>
+          <a:p>
+            <a:fld id="{3CAC52EE-1A92-4CB4-BCAA-EDE3CF50CF3F}" type="datetime1">
+              <a:rPr lang="de-DE" smtClean="0"/>
+              <a:t>05.07.2025</a:t>
+            </a:fld>
+            <a:endParaRPr lang="de-CH" dirty="0"/>
+          </a:p>
+        </p:txBody>
+      </p:sp>
+      <p:sp>
+        <p:nvSpPr>
+          <p:cNvPr id="5" name="Footer Placeholder 4">
+            <a:extLst>
+              <a:ext uri="{FF2B5EF4-FFF2-40B4-BE49-F238E27FC236}">
+                <a16:creationId xmlns:a16="http://schemas.microsoft.com/office/drawing/2014/main" id="{0B4A71D0-D1C4-B20B-A534-F5BE252ABCFB}"/>
+              </a:ext>
+            </a:extLst>
+          </p:cNvPr>
+          <p:cNvSpPr>
+            <a:spLocks noGrp="1"/>
+          </p:cNvSpPr>
+          <p:nvPr>
+            <p:ph type="ftr" sz="quarter" idx="11"/>
+          </p:nvPr>
+        </p:nvSpPr>
+        <p:spPr/>
+        <p:txBody>
+          <a:bodyPr/>
+          <a:lstStyle/>
+          <a:p>
+            <a:r>
+              <a:rPr lang="en-US"/>
+              <a:t>Institute For Sensor and Electronics</a:t>
+            </a:r>
+            <a:endParaRPr lang="de-CH" dirty="0"/>
+          </a:p>
+        </p:txBody>
+      </p:sp>
+      <p:sp>
+        <p:nvSpPr>
+          <p:cNvPr id="6" name="Slide Number Placeholder 5">
+            <a:extLst>
+              <a:ext uri="{FF2B5EF4-FFF2-40B4-BE49-F238E27FC236}">
+                <a16:creationId xmlns:a16="http://schemas.microsoft.com/office/drawing/2014/main" id="{5463000F-0E00-49A9-D683-DD0EC6A44E75}"/>
+              </a:ext>
+            </a:extLst>
+          </p:cNvPr>
+          <p:cNvSpPr>
+            <a:spLocks noGrp="1"/>
+          </p:cNvSpPr>
+          <p:nvPr>
+            <p:ph type="sldNum" sz="quarter" idx="12"/>
+          </p:nvPr>
+        </p:nvSpPr>
+        <p:spPr/>
+        <p:txBody>
+          <a:bodyPr/>
+          <a:lstStyle/>
+          <a:p>
+            <a:fld id="{442AD375-037F-43D0-B059-5172DA06796A}" type="slidenum">
+              <a:rPr lang="de-CH" smtClean="0"/>
+              <a:pPr/>
+              <a:t>12</a:t>
+            </a:fld>
+            <a:endParaRPr lang="de-CH" dirty="0"/>
+          </a:p>
+        </p:txBody>
+      </p:sp>
+      <p:sp>
+        <p:nvSpPr>
+          <p:cNvPr id="8" name="Textfeld 7">
+            <a:extLst>
+              <a:ext uri="{FF2B5EF4-FFF2-40B4-BE49-F238E27FC236}">
+                <a16:creationId xmlns:a16="http://schemas.microsoft.com/office/drawing/2014/main" id="{67891CA1-9C08-2827-92DA-55901562441E}"/>
+              </a:ext>
+            </a:extLst>
+          </p:cNvPr>
+          <p:cNvSpPr txBox="1"/>
+          <p:nvPr/>
+        </p:nvSpPr>
+        <p:spPr>
+          <a:xfrm flipH="1">
+            <a:off x="408076" y="1852355"/>
+            <a:ext cx="7658635" cy="3046988"/>
+          </a:xfrm>
+          <a:prstGeom prst="rect">
+            <a:avLst/>
+          </a:prstGeom>
+          <a:noFill/>
+        </p:spPr>
+        <p:txBody>
+          <a:bodyPr wrap="square" lIns="0" tIns="0" rIns="0" bIns="0" rtlCol="0">
+            <a:spAutoFit/>
+          </a:bodyPr>
+          <a:lstStyle/>
+          <a:p>
+            <a:pPr marL="285750" indent="-285750">
+              <a:buFont typeface="Arial" panose="020B0604020202020204" pitchFamily="34" charset="0"/>
+              <a:buChar char="•"/>
+            </a:pPr>
+            <a:r>
+              <a:rPr lang="de-CH" dirty="0"/>
+              <a:t>DEF </a:t>
+            </a:r>
+            <a:r>
+              <a:rPr lang="de-CH" dirty="0" err="1"/>
+              <a:t>can</a:t>
+            </a:r>
+            <a:r>
+              <a:rPr lang="de-CH" dirty="0"/>
+              <a:t> </a:t>
+            </a:r>
+            <a:r>
+              <a:rPr lang="de-CH" dirty="0" err="1"/>
+              <a:t>reduce</a:t>
+            </a:r>
+            <a:r>
+              <a:rPr lang="de-CH" dirty="0"/>
+              <a:t> </a:t>
+            </a:r>
+            <a:r>
+              <a:rPr lang="de-CH" dirty="0" err="1"/>
+              <a:t>the</a:t>
+            </a:r>
+            <a:r>
+              <a:rPr lang="de-CH" dirty="0"/>
+              <a:t> BER </a:t>
+            </a:r>
+            <a:r>
+              <a:rPr lang="de-CH" dirty="0" err="1"/>
+              <a:t>induced</a:t>
+            </a:r>
+            <a:r>
+              <a:rPr lang="de-CH" dirty="0"/>
+              <a:t> </a:t>
+            </a:r>
+            <a:r>
+              <a:rPr lang="de-CH" dirty="0" err="1"/>
+              <a:t>by</a:t>
+            </a:r>
+            <a:r>
+              <a:rPr lang="de-CH" dirty="0"/>
+              <a:t> ISI</a:t>
+            </a:r>
+          </a:p>
+          <a:p>
+            <a:pPr marL="285750" indent="-285750">
+              <a:buFont typeface="Arial" panose="020B0604020202020204" pitchFamily="34" charset="0"/>
+              <a:buChar char="•"/>
+            </a:pPr>
+            <a:r>
+              <a:rPr lang="de-CH" dirty="0"/>
+              <a:t>Eye </a:t>
+            </a:r>
+            <a:r>
+              <a:rPr lang="de-CH" dirty="0" err="1"/>
+              <a:t>is</a:t>
+            </a:r>
+            <a:r>
+              <a:rPr lang="de-CH" dirty="0"/>
+              <a:t> </a:t>
+            </a:r>
+            <a:r>
+              <a:rPr lang="de-CH" dirty="0" err="1"/>
+              <a:t>more</a:t>
+            </a:r>
+            <a:r>
+              <a:rPr lang="de-CH" dirty="0"/>
+              <a:t> open in </a:t>
+            </a:r>
+            <a:r>
+              <a:rPr lang="de-CH" dirty="0" err="1"/>
+              <a:t>the</a:t>
+            </a:r>
+            <a:r>
+              <a:rPr lang="de-CH" dirty="0"/>
+              <a:t> Eye Diagramm, </a:t>
+            </a:r>
+            <a:r>
+              <a:rPr lang="de-CH" dirty="0" err="1"/>
+              <a:t>better</a:t>
+            </a:r>
+            <a:r>
+              <a:rPr lang="de-CH" dirty="0"/>
+              <a:t> </a:t>
+            </a:r>
+            <a:r>
+              <a:rPr lang="de-CH" dirty="0" err="1"/>
+              <a:t>decision</a:t>
+            </a:r>
+            <a:r>
+              <a:rPr lang="de-CH" dirty="0"/>
+              <a:t> </a:t>
+            </a:r>
+            <a:r>
+              <a:rPr lang="de-CH" dirty="0" err="1"/>
+              <a:t>making</a:t>
+            </a:r>
+            <a:endParaRPr lang="de-CH" dirty="0"/>
+          </a:p>
+          <a:p>
+            <a:pPr marL="285750" indent="-285750">
+              <a:buFont typeface="Arial" panose="020B0604020202020204" pitchFamily="34" charset="0"/>
+              <a:buChar char="•"/>
+            </a:pPr>
+            <a:r>
+              <a:rPr lang="de-CH" dirty="0"/>
+              <a:t>Challenge was </a:t>
+            </a:r>
+            <a:r>
+              <a:rPr lang="de-CH" dirty="0" err="1"/>
+              <a:t>to</a:t>
+            </a:r>
+            <a:r>
+              <a:rPr lang="de-CH" dirty="0"/>
+              <a:t> find </a:t>
+            </a:r>
+            <a:r>
+              <a:rPr lang="de-CH" dirty="0" err="1"/>
+              <a:t>the</a:t>
+            </a:r>
+            <a:r>
+              <a:rPr lang="de-CH" dirty="0"/>
+              <a:t> </a:t>
+            </a:r>
+            <a:r>
+              <a:rPr lang="de-CH" dirty="0" err="1"/>
+              <a:t>right</a:t>
+            </a:r>
+            <a:r>
+              <a:rPr lang="de-CH" dirty="0"/>
+              <a:t> </a:t>
+            </a:r>
+            <a:r>
+              <a:rPr lang="de-CH" dirty="0" err="1"/>
+              <a:t>starting</a:t>
+            </a:r>
+            <a:r>
+              <a:rPr lang="de-CH" dirty="0"/>
+              <a:t> </a:t>
+            </a:r>
+            <a:r>
+              <a:rPr lang="de-CH" dirty="0" err="1"/>
+              <a:t>values</a:t>
+            </a:r>
+            <a:r>
+              <a:rPr lang="de-CH" dirty="0"/>
+              <a:t> </a:t>
+            </a:r>
+            <a:r>
+              <a:rPr lang="de-CH" dirty="0" err="1"/>
+              <a:t>for</a:t>
+            </a:r>
+            <a:r>
+              <a:rPr lang="de-CH" dirty="0"/>
+              <a:t> h1 and h2, </a:t>
+            </a:r>
+          </a:p>
+          <a:p>
+            <a:pPr marL="285750" indent="-285750">
+              <a:buFont typeface="Arial" panose="020B0604020202020204" pitchFamily="34" charset="0"/>
+              <a:buChar char="•"/>
+            </a:pPr>
+            <a:r>
+              <a:rPr lang="de-CH" dirty="0"/>
+              <a:t>Future Work </a:t>
+            </a:r>
+            <a:r>
+              <a:rPr lang="de-CH" dirty="0" err="1"/>
+              <a:t>could</a:t>
+            </a:r>
+            <a:r>
+              <a:rPr lang="de-CH" dirty="0"/>
+              <a:t> </a:t>
+            </a:r>
+            <a:r>
+              <a:rPr lang="de-CH" dirty="0" err="1"/>
+              <a:t>be</a:t>
+            </a:r>
+            <a:r>
+              <a:rPr lang="de-CH" dirty="0"/>
+              <a:t> </a:t>
+            </a:r>
+            <a:r>
+              <a:rPr lang="de-CH" dirty="0" err="1"/>
+              <a:t>implement</a:t>
+            </a:r>
+            <a:r>
+              <a:rPr lang="de-CH" dirty="0"/>
+              <a:t> adaptive </a:t>
+            </a:r>
+            <a:r>
+              <a:rPr lang="de-CH" dirty="0" err="1"/>
+              <a:t>algorithms</a:t>
+            </a:r>
+            <a:r>
+              <a:rPr lang="de-CH" dirty="0"/>
+              <a:t> and a </a:t>
+            </a:r>
+            <a:r>
+              <a:rPr lang="de-CH" dirty="0" err="1"/>
+              <a:t>feedforward</a:t>
+            </a:r>
+            <a:r>
+              <a:rPr lang="de-CH" dirty="0"/>
+              <a:t> </a:t>
+            </a:r>
+            <a:r>
+              <a:rPr lang="de-CH" dirty="0" err="1"/>
+              <a:t>filter</a:t>
+            </a:r>
+            <a:endParaRPr lang="de-CH" dirty="0"/>
+          </a:p>
+          <a:p>
+            <a:pPr marL="285750" indent="-285750">
+              <a:buFont typeface="Arial" panose="020B0604020202020204" pitchFamily="34" charset="0"/>
+              <a:buChar char="•"/>
+            </a:pPr>
+            <a:r>
+              <a:rPr lang="de-CH" dirty="0" err="1"/>
+              <a:t>For</a:t>
+            </a:r>
+            <a:r>
+              <a:rPr lang="de-CH" dirty="0"/>
+              <a:t> </a:t>
+            </a:r>
+            <a:r>
+              <a:rPr lang="de-CH" dirty="0" err="1"/>
+              <a:t>pratical</a:t>
+            </a:r>
+            <a:r>
+              <a:rPr lang="de-CH" dirty="0"/>
+              <a:t> </a:t>
+            </a:r>
+            <a:r>
+              <a:rPr lang="de-CH" dirty="0" err="1"/>
+              <a:t>cases</a:t>
+            </a:r>
+            <a:r>
+              <a:rPr lang="de-CH" dirty="0"/>
+              <a:t> DFE </a:t>
+            </a:r>
+            <a:r>
+              <a:rPr lang="de-CH" dirty="0" err="1"/>
+              <a:t>can</a:t>
+            </a:r>
+            <a:r>
+              <a:rPr lang="de-CH" dirty="0"/>
+              <a:t> </a:t>
+            </a:r>
+            <a:r>
+              <a:rPr lang="de-CH" dirty="0" err="1"/>
+              <a:t>be</a:t>
+            </a:r>
+            <a:r>
+              <a:rPr lang="de-CH" dirty="0"/>
+              <a:t> </a:t>
+            </a:r>
+            <a:r>
+              <a:rPr lang="de-CH" dirty="0" err="1"/>
+              <a:t>uses</a:t>
+            </a:r>
+            <a:r>
+              <a:rPr lang="de-CH" dirty="0"/>
+              <a:t> </a:t>
+            </a:r>
+            <a:r>
+              <a:rPr lang="de-CH" dirty="0" err="1"/>
+              <a:t>for</a:t>
+            </a:r>
+            <a:r>
+              <a:rPr lang="de-CH" dirty="0"/>
+              <a:t> </a:t>
+            </a:r>
+            <a:r>
+              <a:rPr lang="de-CH" dirty="0" err="1"/>
+              <a:t>copper</a:t>
+            </a:r>
+            <a:r>
+              <a:rPr lang="de-CH" dirty="0"/>
+              <a:t> </a:t>
+            </a:r>
+            <a:r>
+              <a:rPr lang="de-CH" dirty="0" err="1"/>
+              <a:t>wires</a:t>
+            </a:r>
+            <a:r>
+              <a:rPr lang="de-CH" dirty="0"/>
+              <a:t> </a:t>
+            </a:r>
+            <a:r>
+              <a:rPr lang="de-CH" dirty="0" err="1"/>
+              <a:t>to</a:t>
+            </a:r>
+            <a:r>
+              <a:rPr lang="de-CH" dirty="0"/>
+              <a:t> </a:t>
+            </a:r>
+            <a:r>
+              <a:rPr lang="de-CH" dirty="0" err="1"/>
+              <a:t>overcome</a:t>
+            </a:r>
+            <a:r>
+              <a:rPr lang="de-CH" dirty="0"/>
+              <a:t> </a:t>
+            </a:r>
+            <a:r>
+              <a:rPr lang="de-CH" dirty="0" err="1"/>
+              <a:t>the</a:t>
+            </a:r>
+            <a:r>
+              <a:rPr lang="de-CH" dirty="0"/>
+              <a:t> </a:t>
+            </a:r>
+            <a:r>
+              <a:rPr lang="de-CH" dirty="0" err="1"/>
+              <a:t>channels</a:t>
+            </a:r>
+            <a:r>
+              <a:rPr lang="de-CH" dirty="0"/>
+              <a:t> ISIs</a:t>
+            </a:r>
+          </a:p>
+          <a:p>
+            <a:pPr marL="285750" indent="-285750">
+              <a:buFont typeface="Arial" panose="020B0604020202020204" pitchFamily="34" charset="0"/>
+              <a:buChar char="•"/>
+            </a:pPr>
+            <a:r>
+              <a:rPr lang="de-CH" dirty="0"/>
+              <a:t>Highspeed </a:t>
+            </a:r>
+            <a:r>
+              <a:rPr lang="de-CH" dirty="0" err="1"/>
+              <a:t>data</a:t>
+            </a:r>
+            <a:r>
+              <a:rPr lang="de-CH" dirty="0"/>
+              <a:t> </a:t>
+            </a:r>
+            <a:r>
+              <a:rPr lang="de-CH" dirty="0" err="1"/>
+              <a:t>transmit</a:t>
+            </a:r>
+            <a:r>
+              <a:rPr lang="de-CH" dirty="0"/>
+              <a:t>, «</a:t>
+            </a:r>
+            <a:r>
+              <a:rPr lang="de-CH" dirty="0" err="1"/>
+              <a:t>smearing</a:t>
+            </a:r>
+            <a:r>
+              <a:rPr lang="de-CH" dirty="0"/>
+              <a:t>» </a:t>
+            </a:r>
+            <a:r>
+              <a:rPr lang="de-CH" dirty="0" err="1"/>
+              <a:t>can</a:t>
+            </a:r>
+            <a:r>
+              <a:rPr lang="de-CH" dirty="0"/>
+              <a:t> </a:t>
+            </a:r>
+            <a:r>
+              <a:rPr lang="de-CH" dirty="0" err="1"/>
+              <a:t>occur</a:t>
+            </a:r>
+            <a:endParaRPr lang="de-CH" dirty="0"/>
+          </a:p>
+          <a:p>
+            <a:pPr marL="285750" indent="-285750">
+              <a:buFont typeface="Arial" panose="020B0604020202020204" pitchFamily="34" charset="0"/>
+              <a:buChar char="•"/>
+            </a:pPr>
+            <a:endParaRPr lang="de-CH" dirty="0"/>
+          </a:p>
+          <a:p>
+            <a:endParaRPr lang="de-CH" dirty="0"/>
+          </a:p>
+          <a:p>
+            <a:endParaRPr lang="de-CH" dirty="0"/>
+          </a:p>
+        </p:txBody>
+      </p:sp>
+    </p:spTree>
+    <p:extLst>
+      <p:ext uri="{BB962C8B-B14F-4D97-AF65-F5344CB8AC3E}">
+        <p14:creationId xmlns:p14="http://schemas.microsoft.com/office/powerpoint/2010/main" val="199394929"/>
+      </p:ext>
+    </p:extLst>
+  </p:cSld>
+  <p:clrMapOvr>
+    <a:masterClrMapping/>
+  </p:clrMapOvr>
+</p:sld>
+</file>
+
+<file path=ppt/slides/slide13.xml><?xml version="1.0" encoding="utf-8"?>
+<p:sld xmlns:a="http://schemas.openxmlformats.org/drawingml/2006/main" xmlns:r="http://schemas.openxmlformats.org/officeDocument/2006/relationships" xmlns:p="http://schemas.openxmlformats.org/presentationml/2006/main">
+  <p:cSld>
+    <p:spTree>
+      <p:nvGrpSpPr>
+        <p:cNvPr id="1" name=""/>
+        <p:cNvGrpSpPr/>
+        <p:nvPr/>
+      </p:nvGrpSpPr>
+      <p:grpSpPr>
+        <a:xfrm>
+          <a:off x="0" y="0"/>
+          <a:ext cx="0" cy="0"/>
+          <a:chOff x="0" y="0"/>
+          <a:chExt cx="0" cy="0"/>
+        </a:xfrm>
+      </p:grpSpPr>
+      <p:sp>
+        <p:nvSpPr>
+          <p:cNvPr id="7" name="Title 6">
+            <a:extLst>
+              <a:ext uri="{FF2B5EF4-FFF2-40B4-BE49-F238E27FC236}">
+                <a16:creationId xmlns:a16="http://schemas.microsoft.com/office/drawing/2014/main" id="{10A4E1EA-02B4-7F38-6C0A-51F6DF90A75C}"/>
+              </a:ext>
+            </a:extLst>
+          </p:cNvPr>
+          <p:cNvSpPr>
+            <a:spLocks noGrp="1"/>
+          </p:cNvSpPr>
+          <p:nvPr>
+            <p:ph type="title"/>
+          </p:nvPr>
+        </p:nvSpPr>
+        <p:spPr/>
+        <p:txBody>
+          <a:bodyPr/>
+          <a:lstStyle/>
+          <a:p>
+            <a:r>
+              <a:rPr lang="de-CH" dirty="0"/>
+              <a:t>Questions </a:t>
+            </a:r>
+          </a:p>
+        </p:txBody>
+      </p:sp>
+      <p:sp>
+        <p:nvSpPr>
+          <p:cNvPr id="4" name="Date Placeholder 3">
+            <a:extLst>
+              <a:ext uri="{FF2B5EF4-FFF2-40B4-BE49-F238E27FC236}">
+                <a16:creationId xmlns:a16="http://schemas.microsoft.com/office/drawing/2014/main" id="{4DB4C133-1CA9-9624-500C-643C2D599774}"/>
+              </a:ext>
+            </a:extLst>
+          </p:cNvPr>
+          <p:cNvSpPr>
+            <a:spLocks noGrp="1"/>
+          </p:cNvSpPr>
+          <p:nvPr>
+            <p:ph type="dt" sz="half" idx="10"/>
+          </p:nvPr>
+        </p:nvSpPr>
+        <p:spPr/>
+        <p:txBody>
+          <a:bodyPr/>
+          <a:lstStyle/>
+          <a:p>
+            <a:fld id="{3CAC52EE-1A92-4CB4-BCAA-EDE3CF50CF3F}" type="datetime1">
+              <a:rPr lang="de-DE" smtClean="0"/>
+              <a:t>05.07.2025</a:t>
+            </a:fld>
+            <a:endParaRPr lang="de-CH" dirty="0"/>
+          </a:p>
+        </p:txBody>
+      </p:sp>
+      <p:sp>
+        <p:nvSpPr>
+          <p:cNvPr id="5" name="Footer Placeholder 4">
+            <a:extLst>
+              <a:ext uri="{FF2B5EF4-FFF2-40B4-BE49-F238E27FC236}">
+                <a16:creationId xmlns:a16="http://schemas.microsoft.com/office/drawing/2014/main" id="{9E661303-11F6-226E-65C0-E1943DC20E06}"/>
+              </a:ext>
+            </a:extLst>
+          </p:cNvPr>
+          <p:cNvSpPr>
+            <a:spLocks noGrp="1"/>
+          </p:cNvSpPr>
+          <p:nvPr>
+            <p:ph type="ftr" sz="quarter" idx="11"/>
+          </p:nvPr>
+        </p:nvSpPr>
+        <p:spPr/>
+        <p:txBody>
+          <a:bodyPr/>
+          <a:lstStyle/>
+          <a:p>
+            <a:r>
+              <a:rPr lang="en-US"/>
+              <a:t>Institute For Sensor and Electronics</a:t>
+            </a:r>
+            <a:endParaRPr lang="de-CH" dirty="0"/>
+          </a:p>
+        </p:txBody>
+      </p:sp>
+      <p:sp>
+        <p:nvSpPr>
+          <p:cNvPr id="6" name="Slide Number Placeholder 5">
+            <a:extLst>
+              <a:ext uri="{FF2B5EF4-FFF2-40B4-BE49-F238E27FC236}">
+                <a16:creationId xmlns:a16="http://schemas.microsoft.com/office/drawing/2014/main" id="{90308E12-59F9-8BFB-ADC4-E49823E7F3CB}"/>
+              </a:ext>
+            </a:extLst>
+          </p:cNvPr>
+          <p:cNvSpPr>
+            <a:spLocks noGrp="1"/>
+          </p:cNvSpPr>
+          <p:nvPr>
+            <p:ph type="sldNum" sz="quarter" idx="12"/>
+          </p:nvPr>
+        </p:nvSpPr>
+        <p:spPr/>
+        <p:txBody>
+          <a:bodyPr/>
+          <a:lstStyle/>
+          <a:p>
+            <a:fld id="{442AD375-037F-43D0-B059-5172DA06796A}" type="slidenum">
+              <a:rPr lang="de-CH" smtClean="0"/>
+              <a:pPr/>
+              <a:t>13</a:t>
+            </a:fld>
+            <a:endParaRPr lang="de-CH" dirty="0"/>
+          </a:p>
+        </p:txBody>
+      </p:sp>
+    </p:spTree>
+    <p:extLst>
+      <p:ext uri="{BB962C8B-B14F-4D97-AF65-F5344CB8AC3E}">
+        <p14:creationId xmlns:p14="http://schemas.microsoft.com/office/powerpoint/2010/main" val="2225086169"/>
+      </p:ext>
+    </p:extLst>
+  </p:cSld>
+  <p:clrMapOvr>
+    <a:masterClrMapping/>
+  </p:clrMapOvr>
+</p:sld>
+</file>
+
+<file path=ppt/slides/slide14.xml><?xml version="1.0" encoding="utf-8"?>
+<p:sld xmlns:a="http://schemas.openxmlformats.org/drawingml/2006/main" xmlns:r="http://schemas.openxmlformats.org/officeDocument/2006/relationships" xmlns:p="http://schemas.openxmlformats.org/presentationml/2006/main">
+  <p:cSld>
+    <p:spTree>
+      <p:nvGrpSpPr>
+        <p:cNvPr id="1" name=""/>
+        <p:cNvGrpSpPr/>
+        <p:nvPr/>
+      </p:nvGrpSpPr>
+      <p:grpSpPr>
+        <a:xfrm>
+          <a:off x="0" y="0"/>
+          <a:ext cx="0" cy="0"/>
+          <a:chOff x="0" y="0"/>
+          <a:chExt cx="0" cy="0"/>
+        </a:xfrm>
+      </p:grpSpPr>
+      <p:sp>
+        <p:nvSpPr>
+          <p:cNvPr id="2" name="Titel 1">
+            <a:extLst>
+              <a:ext uri="{FF2B5EF4-FFF2-40B4-BE49-F238E27FC236}">
+                <a16:creationId xmlns:a16="http://schemas.microsoft.com/office/drawing/2014/main" id="{6E301FFD-0542-B6DE-2815-2259422C69E5}"/>
+              </a:ext>
+            </a:extLst>
+          </p:cNvPr>
+          <p:cNvSpPr>
+            <a:spLocks noGrp="1"/>
+          </p:cNvSpPr>
+          <p:nvPr>
+            <p:ph type="title"/>
+          </p:nvPr>
+        </p:nvSpPr>
+        <p:spPr/>
+        <p:txBody>
+          <a:bodyPr/>
+          <a:lstStyle/>
+          <a:p>
+            <a:endParaRPr lang="de-CH"/>
+          </a:p>
+        </p:txBody>
+      </p:sp>
+      <p:sp>
+        <p:nvSpPr>
+          <p:cNvPr id="3" name="Inhaltsplatzhalter 2">
+            <a:extLst>
+              <a:ext uri="{FF2B5EF4-FFF2-40B4-BE49-F238E27FC236}">
+                <a16:creationId xmlns:a16="http://schemas.microsoft.com/office/drawing/2014/main" id="{F9CBAB51-05BC-A82E-6967-521234083EB6}"/>
+              </a:ext>
+            </a:extLst>
+          </p:cNvPr>
+          <p:cNvSpPr>
+            <a:spLocks noGrp="1"/>
+          </p:cNvSpPr>
+          <p:nvPr>
+            <p:ph idx="1"/>
+          </p:nvPr>
+        </p:nvSpPr>
+        <p:spPr/>
+        <p:txBody>
+          <a:bodyPr/>
+          <a:lstStyle/>
+          <a:p>
+            <a:endParaRPr lang="de-CH" dirty="0"/>
+          </a:p>
+        </p:txBody>
+      </p:sp>
+      <p:sp>
+        <p:nvSpPr>
+          <p:cNvPr id="4" name="Datumsplatzhalter 3">
+            <a:extLst>
+              <a:ext uri="{FF2B5EF4-FFF2-40B4-BE49-F238E27FC236}">
+                <a16:creationId xmlns:a16="http://schemas.microsoft.com/office/drawing/2014/main" id="{AD3CA4AC-89A9-BF0E-8DD0-79D4755B8B11}"/>
+              </a:ext>
+            </a:extLst>
+          </p:cNvPr>
+          <p:cNvSpPr>
+            <a:spLocks noGrp="1"/>
+          </p:cNvSpPr>
+          <p:nvPr>
+            <p:ph type="dt" sz="half" idx="10"/>
+          </p:nvPr>
+        </p:nvSpPr>
+        <p:spPr/>
+        <p:txBody>
+          <a:bodyPr/>
+          <a:lstStyle/>
+          <a:p>
+            <a:fld id="{E5DBBF47-BFE4-482E-ACDC-02638A5F301F}" type="datetime1">
+              <a:rPr lang="de-DE" smtClean="0"/>
+              <a:t>05.07.2025</a:t>
+            </a:fld>
+            <a:endParaRPr lang="de-CH" dirty="0"/>
+          </a:p>
+        </p:txBody>
+      </p:sp>
+      <p:sp>
+        <p:nvSpPr>
+          <p:cNvPr id="5" name="Fußzeilenplatzhalter 4">
+            <a:extLst>
+              <a:ext uri="{FF2B5EF4-FFF2-40B4-BE49-F238E27FC236}">
+                <a16:creationId xmlns:a16="http://schemas.microsoft.com/office/drawing/2014/main" id="{80FC0048-8167-9A51-5454-DF4C7680C6BB}"/>
+              </a:ext>
+            </a:extLst>
+          </p:cNvPr>
+          <p:cNvSpPr>
+            <a:spLocks noGrp="1"/>
+          </p:cNvSpPr>
+          <p:nvPr>
+            <p:ph type="ftr" sz="quarter" idx="11"/>
+          </p:nvPr>
+        </p:nvSpPr>
+        <p:spPr/>
+        <p:txBody>
+          <a:bodyPr/>
+          <a:lstStyle/>
+          <a:p>
+            <a:r>
+              <a:rPr lang="en-US" dirty="0"/>
+              <a:t>Institute For Sensor and Electronics</a:t>
+            </a:r>
+            <a:endParaRPr lang="de-CH" dirty="0"/>
+          </a:p>
+        </p:txBody>
+      </p:sp>
+      <p:sp>
+        <p:nvSpPr>
+          <p:cNvPr id="6" name="Foliennummernplatzhalter 5">
+            <a:extLst>
+              <a:ext uri="{FF2B5EF4-FFF2-40B4-BE49-F238E27FC236}">
+                <a16:creationId xmlns:a16="http://schemas.microsoft.com/office/drawing/2014/main" id="{27764D8B-36D7-D781-6795-2FA0B22525FF}"/>
+              </a:ext>
+            </a:extLst>
+          </p:cNvPr>
+          <p:cNvSpPr>
+            <a:spLocks noGrp="1"/>
+          </p:cNvSpPr>
+          <p:nvPr>
+            <p:ph type="sldNum" sz="quarter" idx="12"/>
+          </p:nvPr>
+        </p:nvSpPr>
+        <p:spPr/>
+        <p:txBody>
+          <a:bodyPr/>
+          <a:lstStyle/>
+          <a:p>
+            <a:fld id="{442AD375-037F-43D0-B059-5172DA06796A}" type="slidenum">
+              <a:rPr lang="de-CH" smtClean="0"/>
+              <a:pPr/>
+              <a:t>14</a:t>
+            </a:fld>
+            <a:endParaRPr lang="de-CH" dirty="0"/>
+          </a:p>
+        </p:txBody>
+      </p:sp>
+    </p:spTree>
+    <p:extLst>
+      <p:ext uri="{BB962C8B-B14F-4D97-AF65-F5344CB8AC3E}">
+        <p14:creationId xmlns:p14="http://schemas.microsoft.com/office/powerpoint/2010/main" val="2425458185"/>
+      </p:ext>
+    </p:extLst>
+  </p:cSld>
+  <p:clrMapOvr>
+    <a:masterClrMapping/>
+  </p:clrMapOvr>
 </p:sld>
 </file>
 
@@ -4992,25 +8735,8 @@
                 <a:effectLst/>
                 <a:latin typeface="Segoe UI" panose="020B0502040204020203" pitchFamily="34" charset="0"/>
               </a:rPr>
-              <a:t>Name </a:t>
-            </a:r>
-            <a:r>
-              <a:rPr lang="de-CH" b="1" i="0" dirty="0" err="1">
-                <a:solidFill>
-                  <a:srgbClr val="252424"/>
-                </a:solidFill>
-                <a:effectLst/>
-                <a:latin typeface="Segoe UI" panose="020B0502040204020203" pitchFamily="34" charset="0"/>
-              </a:rPr>
-              <a:t>Surname</a:t>
-            </a:r>
-            <a:endParaRPr lang="de-CH" b="1" i="0" dirty="0">
-              <a:solidFill>
-                <a:srgbClr val="252424"/>
-              </a:solidFill>
-              <a:effectLst/>
-              <a:latin typeface="Segoe UI" panose="020B0502040204020203" pitchFamily="34" charset="0"/>
-            </a:endParaRPr>
+              <a:t>Pozar Janes</a:t>
+            </a:r>
           </a:p>
         </p:txBody>
       </p:sp>
@@ -5301,14 +9027,12 @@
           <a:p>
             <a:r>
               <a:rPr lang="en-GB" dirty="0"/>
-              <a:t>I - …</a:t>
-            </a:r>
-          </a:p>
-          <a:p>
-            <a:pPr>
-              <a:lnSpc>
-                <a:spcPct val="100000"/>
-              </a:lnSpc>
+              <a:t>I – Understanding the problem – ISI in Digital Communication</a:t>
+            </a:r>
+          </a:p>
+          <a:p>
+            <a:pPr marL="0" indent="0">
+              <a:buNone/>
             </a:pPr>
             <a:endParaRPr lang="en-GB" dirty="0"/>
           </a:p>
@@ -5326,7 +9050,7 @@
                   </a:schemeClr>
                 </a:solidFill>
               </a:rPr>
-              <a:t>…</a:t>
+              <a:t>What is ISI</a:t>
             </a:r>
           </a:p>
           <a:p>
@@ -5343,8 +9067,49 @@
                   </a:schemeClr>
                 </a:solidFill>
               </a:rPr>
-              <a:t>…</a:t>
-            </a:r>
+              <a:t>Why ISI is a Problem</a:t>
+            </a:r>
+          </a:p>
+        </p:txBody>
+      </p:sp>
+      <p:sp>
+        <p:nvSpPr>
+          <p:cNvPr id="4" name="Text Placeholder 3">
+            <a:extLst>
+              <a:ext uri="{FF2B5EF4-FFF2-40B4-BE49-F238E27FC236}">
+                <a16:creationId xmlns:a16="http://schemas.microsoft.com/office/drawing/2014/main" id="{7491B610-C9DB-5310-CC21-081DFDB976F9}"/>
+              </a:ext>
+            </a:extLst>
+          </p:cNvPr>
+          <p:cNvSpPr>
+            <a:spLocks noGrp="1"/>
+          </p:cNvSpPr>
+          <p:nvPr>
+            <p:ph type="body" sz="quarter" idx="29"/>
+          </p:nvPr>
+        </p:nvSpPr>
+        <p:spPr>
+          <a:xfrm>
+            <a:off x="6481971" y="2232336"/>
+            <a:ext cx="4501128" cy="1523200"/>
+          </a:xfrm>
+        </p:spPr>
+        <p:txBody>
+          <a:bodyPr/>
+          <a:lstStyle/>
+          <a:p>
+            <a:r>
+              <a:rPr lang="en-GB" dirty="0"/>
+              <a:t>III – Performance Analysis</a:t>
+            </a:r>
+          </a:p>
+          <a:p>
+            <a:pPr>
+              <a:lnSpc>
+                <a:spcPct val="100000"/>
+              </a:lnSpc>
+            </a:pPr>
+            <a:endParaRPr lang="en-GB" dirty="0"/>
           </a:p>
           <a:p>
             <a:pPr>
@@ -5360,31 +9125,31 @@
                   </a:schemeClr>
                 </a:solidFill>
               </a:rPr>
-              <a:t>…</a:t>
-            </a:r>
-          </a:p>
-        </p:txBody>
-      </p:sp>
-      <p:sp>
-        <p:nvSpPr>
-          <p:cNvPr id="4" name="Text Placeholder 3">
-            <a:extLst>
-              <a:ext uri="{FF2B5EF4-FFF2-40B4-BE49-F238E27FC236}">
-                <a16:creationId xmlns:a16="http://schemas.microsoft.com/office/drawing/2014/main" id="{7491B610-C9DB-5310-CC21-081DFDB976F9}"/>
-              </a:ext>
-            </a:extLst>
-          </p:cNvPr>
-          <p:cNvSpPr>
-            <a:spLocks noGrp="1"/>
-          </p:cNvSpPr>
-          <p:nvPr>
-            <p:ph type="body" sz="quarter" idx="29"/>
+              <a:t>Bit Error Rate (BER) Analysis</a:t>
+            </a:r>
+          </a:p>
+        </p:txBody>
+      </p:sp>
+      <p:sp>
+        <p:nvSpPr>
+          <p:cNvPr id="5" name="Text Placeholder 4">
+            <a:extLst>
+              <a:ext uri="{FF2B5EF4-FFF2-40B4-BE49-F238E27FC236}">
+                <a16:creationId xmlns:a16="http://schemas.microsoft.com/office/drawing/2014/main" id="{4F4AE0B3-F622-B7CA-8462-B506671BBC1F}"/>
+              </a:ext>
+            </a:extLst>
+          </p:cNvPr>
+          <p:cNvSpPr>
+            <a:spLocks noGrp="1"/>
+          </p:cNvSpPr>
+          <p:nvPr>
+            <p:ph type="body" sz="quarter" idx="30"/>
           </p:nvPr>
         </p:nvSpPr>
         <p:spPr>
           <a:xfrm>
-            <a:off x="6481971" y="2232336"/>
-            <a:ext cx="4501128" cy="1523200"/>
+            <a:off x="937950" y="4408612"/>
+            <a:ext cx="4501128" cy="1632677"/>
           </a:xfrm>
         </p:spPr>
         <p:txBody>
@@ -5393,7 +9158,7 @@
           <a:p>
             <a:r>
               <a:rPr lang="en-GB" dirty="0"/>
-              <a:t>III - …</a:t>
+              <a:t>II – DFE Theory &amp; Simulation</a:t>
             </a:r>
           </a:p>
           <a:p>
@@ -5418,7 +9183,7 @@
                   </a:schemeClr>
                 </a:solidFill>
               </a:rPr>
-              <a:t>…</a:t>
+              <a:t>DFE Concept</a:t>
             </a:r>
           </a:p>
           <a:p>
@@ -5435,7 +9200,7 @@
                   </a:schemeClr>
                 </a:solidFill>
               </a:rPr>
-              <a:t>…</a:t>
+              <a:t>ISI-Channel Simulation &amp; Visualization</a:t>
             </a:r>
           </a:p>
           <a:p>
@@ -5452,30 +9217,30 @@
                   </a:schemeClr>
                 </a:solidFill>
               </a:rPr>
-              <a:t>…</a:t>
-            </a:r>
-          </a:p>
-        </p:txBody>
-      </p:sp>
-      <p:sp>
-        <p:nvSpPr>
-          <p:cNvPr id="5" name="Text Placeholder 4">
-            <a:extLst>
-              <a:ext uri="{FF2B5EF4-FFF2-40B4-BE49-F238E27FC236}">
-                <a16:creationId xmlns:a16="http://schemas.microsoft.com/office/drawing/2014/main" id="{4F4AE0B3-F622-B7CA-8462-B506671BBC1F}"/>
-              </a:ext>
-            </a:extLst>
-          </p:cNvPr>
-          <p:cNvSpPr>
-            <a:spLocks noGrp="1"/>
-          </p:cNvSpPr>
-          <p:nvPr>
-            <p:ph type="body" sz="quarter" idx="30"/>
+              <a:t>DFE Implementation &amp; Visualization</a:t>
+            </a:r>
+          </a:p>
+        </p:txBody>
+      </p:sp>
+      <p:sp>
+        <p:nvSpPr>
+          <p:cNvPr id="6" name="Text Placeholder 5">
+            <a:extLst>
+              <a:ext uri="{FF2B5EF4-FFF2-40B4-BE49-F238E27FC236}">
+                <a16:creationId xmlns:a16="http://schemas.microsoft.com/office/drawing/2014/main" id="{BCFAB47B-157D-E2BF-B8E5-19E4698619FA}"/>
+              </a:ext>
+            </a:extLst>
+          </p:cNvPr>
+          <p:cNvSpPr>
+            <a:spLocks noGrp="1"/>
+          </p:cNvSpPr>
+          <p:nvPr>
+            <p:ph type="body" sz="quarter" idx="31"/>
           </p:nvPr>
         </p:nvSpPr>
         <p:spPr>
           <a:xfrm>
-            <a:off x="937950" y="4408612"/>
+            <a:off x="6481971" y="4408612"/>
             <a:ext cx="4501128" cy="1632677"/>
           </a:xfrm>
         </p:spPr>
@@ -5485,7 +9250,7 @@
           <a:p>
             <a:r>
               <a:rPr lang="en-GB" dirty="0"/>
-              <a:t>II - …</a:t>
+              <a:t>IV – Application and Conclusion</a:t>
             </a:r>
           </a:p>
           <a:p>
@@ -5510,7 +9275,7 @@
                   </a:schemeClr>
                 </a:solidFill>
               </a:rPr>
-              <a:t>…</a:t>
+              <a:t>Conclusion</a:t>
             </a:r>
           </a:p>
           <a:p>
@@ -5527,7 +9292,7 @@
                   </a:schemeClr>
                 </a:solidFill>
               </a:rPr>
-              <a:t>…</a:t>
+              <a:t>Practical Use Cases of DFE</a:t>
             </a:r>
           </a:p>
           <a:p>
@@ -5544,99 +9309,7 @@
                   </a:schemeClr>
                 </a:solidFill>
               </a:rPr>
-              <a:t>…</a:t>
-            </a:r>
-          </a:p>
-        </p:txBody>
-      </p:sp>
-      <p:sp>
-        <p:nvSpPr>
-          <p:cNvPr id="6" name="Text Placeholder 5">
-            <a:extLst>
-              <a:ext uri="{FF2B5EF4-FFF2-40B4-BE49-F238E27FC236}">
-                <a16:creationId xmlns:a16="http://schemas.microsoft.com/office/drawing/2014/main" id="{BCFAB47B-157D-E2BF-B8E5-19E4698619FA}"/>
-              </a:ext>
-            </a:extLst>
-          </p:cNvPr>
-          <p:cNvSpPr>
-            <a:spLocks noGrp="1"/>
-          </p:cNvSpPr>
-          <p:nvPr>
-            <p:ph type="body" sz="quarter" idx="31"/>
-          </p:nvPr>
-        </p:nvSpPr>
-        <p:spPr>
-          <a:xfrm>
-            <a:off x="6481971" y="4408612"/>
-            <a:ext cx="4501128" cy="1632677"/>
-          </a:xfrm>
-        </p:spPr>
-        <p:txBody>
-          <a:bodyPr/>
-          <a:lstStyle/>
-          <a:p>
-            <a:r>
-              <a:rPr lang="en-GB" dirty="0"/>
-              <a:t>IV - …</a:t>
-            </a:r>
-          </a:p>
-          <a:p>
-            <a:pPr>
-              <a:lnSpc>
-                <a:spcPct val="100000"/>
-              </a:lnSpc>
-            </a:pPr>
-            <a:endParaRPr lang="en-GB" dirty="0"/>
-          </a:p>
-          <a:p>
-            <a:pPr>
-              <a:lnSpc>
-                <a:spcPct val="100000"/>
-              </a:lnSpc>
-            </a:pPr>
-            <a:r>
-              <a:rPr lang="en-GB" i="1" dirty="0">
-                <a:solidFill>
-                  <a:schemeClr val="bg1">
-                    <a:lumMod val="50000"/>
-                  </a:schemeClr>
-                </a:solidFill>
-              </a:rPr>
-              <a:t>…</a:t>
-            </a:r>
-          </a:p>
-          <a:p>
-            <a:pPr>
-              <a:lnSpc>
-                <a:spcPct val="100000"/>
-              </a:lnSpc>
-            </a:pPr>
-            <a:r>
-              <a:rPr lang="en-GB" i="1" dirty="0">
-                <a:solidFill>
-                  <a:schemeClr val="bg1">
-                    <a:lumMod val="50000"/>
-                  </a:schemeClr>
-                </a:solidFill>
-              </a:rPr>
-              <a:t>…</a:t>
-            </a:r>
-          </a:p>
-          <a:p>
-            <a:pPr>
-              <a:lnSpc>
-                <a:spcPct val="100000"/>
-              </a:lnSpc>
-            </a:pPr>
-            <a:r>
-              <a:rPr lang="en-GB" i="1" dirty="0">
-                <a:solidFill>
-                  <a:schemeClr val="bg1">
-                    <a:lumMod val="50000"/>
-                  </a:schemeClr>
-                </a:solidFill>
-              </a:rPr>
-              <a:t>…</a:t>
+              <a:t>Questions</a:t>
             </a:r>
           </a:p>
         </p:txBody>
@@ -5687,12 +9360,28 @@
             <p:ph type="title"/>
           </p:nvPr>
         </p:nvSpPr>
-        <p:spPr/>
-        <p:txBody>
-          <a:bodyPr/>
-          <a:lstStyle/>
-          <a:p>
-            <a:endParaRPr lang="de-CH"/>
+        <p:spPr>
+          <a:xfrm>
+            <a:off x="408076" y="1067525"/>
+            <a:ext cx="10587038" cy="984885"/>
+          </a:xfrm>
+        </p:spPr>
+        <p:txBody>
+          <a:bodyPr/>
+          <a:lstStyle/>
+          <a:p>
+            <a:r>
+              <a:rPr lang="en-GB" sz="3200" dirty="0"/>
+              <a:t>Introduction &amp; </a:t>
+            </a:r>
+            <a:r>
+              <a:rPr lang="en-GB" sz="3200" dirty="0" err="1"/>
+              <a:t>Objectiv</a:t>
+            </a:r>
+            <a:br>
+              <a:rPr lang="en-GB" sz="3200" dirty="0"/>
+            </a:br>
+            <a:endParaRPr lang="de-CH" sz="3200" dirty="0"/>
           </a:p>
         </p:txBody>
       </p:sp>
@@ -5719,7 +9408,7 @@
           <a:p>
             <a:fld id="{3CAC52EE-1A92-4CB4-BCAA-EDE3CF50CF3F}" type="datetime1">
               <a:rPr lang="de-DE" smtClean="0"/>
-              <a:t>26.05.2025</a:t>
+              <a:t>05.07.2025</a:t>
             </a:fld>
             <a:endParaRPr lang="de-CH" dirty="0"/>
           </a:p>
@@ -5780,6 +9469,91 @@
               <a:pPr/>
               <a:t>4</a:t>
             </a:fld>
+            <a:endParaRPr lang="de-CH" dirty="0"/>
+          </a:p>
+        </p:txBody>
+      </p:sp>
+      <p:sp>
+        <p:nvSpPr>
+          <p:cNvPr id="2" name="Textfeld 1">
+            <a:extLst>
+              <a:ext uri="{FF2B5EF4-FFF2-40B4-BE49-F238E27FC236}">
+                <a16:creationId xmlns:a16="http://schemas.microsoft.com/office/drawing/2014/main" id="{D2018040-5ED8-04F0-027F-369D5390359C}"/>
+              </a:ext>
+            </a:extLst>
+          </p:cNvPr>
+          <p:cNvSpPr txBox="1"/>
+          <p:nvPr/>
+        </p:nvSpPr>
+        <p:spPr>
+          <a:xfrm>
+            <a:off x="408076" y="2052410"/>
+            <a:ext cx="4608512" cy="830997"/>
+          </a:xfrm>
+          <a:prstGeom prst="rect">
+            <a:avLst/>
+          </a:prstGeom>
+          <a:noFill/>
+        </p:spPr>
+        <p:txBody>
+          <a:bodyPr wrap="square" lIns="0" tIns="0" rIns="0" bIns="0" rtlCol="0">
+            <a:spAutoFit/>
+          </a:bodyPr>
+          <a:lstStyle/>
+          <a:p>
+            <a:pPr marL="285750" indent="-285750">
+              <a:buFont typeface="Arial" panose="020B0604020202020204" pitchFamily="34" charset="0"/>
+              <a:buChar char="•"/>
+            </a:pPr>
+            <a:r>
+              <a:rPr lang="de-CH" dirty="0" err="1"/>
+              <a:t>Introduction</a:t>
+            </a:r>
+            <a:endParaRPr lang="de-CH" dirty="0"/>
+          </a:p>
+          <a:p>
+            <a:pPr marL="285750" indent="-285750">
+              <a:buFont typeface="Arial" panose="020B0604020202020204" pitchFamily="34" charset="0"/>
+              <a:buChar char="•"/>
+            </a:pPr>
+            <a:r>
+              <a:rPr lang="de-CH" dirty="0" err="1"/>
+              <a:t>What</a:t>
+            </a:r>
+            <a:r>
+              <a:rPr lang="de-CH" dirty="0"/>
+              <a:t> </a:t>
+            </a:r>
+            <a:r>
+              <a:rPr lang="de-CH" dirty="0" err="1"/>
+              <a:t>is</a:t>
+            </a:r>
+            <a:r>
+              <a:rPr lang="de-CH" dirty="0"/>
+              <a:t> Inter-Symbol </a:t>
+            </a:r>
+            <a:r>
+              <a:rPr lang="de-CH" dirty="0" err="1"/>
+              <a:t>Interference</a:t>
+            </a:r>
+            <a:r>
+              <a:rPr lang="de-CH" dirty="0"/>
+              <a:t> (ISI)</a:t>
+            </a:r>
+          </a:p>
+          <a:p>
+            <a:pPr marL="285750" indent="-285750">
+              <a:buFont typeface="Arial" panose="020B0604020202020204" pitchFamily="34" charset="0"/>
+              <a:buChar char="•"/>
+            </a:pPr>
+            <a:r>
+              <a:rPr lang="de-CH" dirty="0"/>
+              <a:t>Project </a:t>
+            </a:r>
+            <a:r>
+              <a:rPr lang="de-CH" dirty="0" err="1"/>
+              <a:t>Objectiv</a:t>
+            </a:r>
             <a:endParaRPr lang="de-CH" dirty="0"/>
           </a:p>
         </p:txBody>
@@ -5816,10 +9590,10 @@
       </p:grpSpPr>
       <p:sp>
         <p:nvSpPr>
-          <p:cNvPr id="2" name="Titel 1">
-            <a:extLst>
-              <a:ext uri="{FF2B5EF4-FFF2-40B4-BE49-F238E27FC236}">
-                <a16:creationId xmlns:a16="http://schemas.microsoft.com/office/drawing/2014/main" id="{6E301FFD-0542-B6DE-2815-2259422C69E5}"/>
+          <p:cNvPr id="7" name="Title 6">
+            <a:extLst>
+              <a:ext uri="{FF2B5EF4-FFF2-40B4-BE49-F238E27FC236}">
+                <a16:creationId xmlns:a16="http://schemas.microsoft.com/office/drawing/2014/main" id="{10A4E1EA-02B4-7F38-6C0A-51F6DF90A75C}"/>
               </a:ext>
             </a:extLst>
           </p:cNvPr>
@@ -5830,29 +9604,77 @@
             <p:ph type="title"/>
           </p:nvPr>
         </p:nvSpPr>
+        <p:spPr>
+          <a:xfrm>
+            <a:off x="408076" y="1067525"/>
+            <a:ext cx="10587038" cy="1477328"/>
+          </a:xfrm>
+        </p:spPr>
+        <p:txBody>
+          <a:bodyPr/>
+          <a:lstStyle/>
+          <a:p>
+            <a:r>
+              <a:rPr lang="en-GB" sz="3200" dirty="0" err="1"/>
+              <a:t>Unterstanding</a:t>
+            </a:r>
+            <a:r>
+              <a:rPr lang="en-GB" sz="3200" dirty="0"/>
+              <a:t> the Inter-Symbol Interference</a:t>
+            </a:r>
+            <a:br>
+              <a:rPr lang="en-GB" sz="3200" dirty="0"/>
+            </a:br>
+            <a:br>
+              <a:rPr lang="en-GB" sz="3200" dirty="0"/>
+            </a:br>
+            <a:endParaRPr lang="de-CH" sz="3200" dirty="0"/>
+          </a:p>
+        </p:txBody>
+      </p:sp>
+      <p:sp>
+        <p:nvSpPr>
+          <p:cNvPr id="4" name="Date Placeholder 3">
+            <a:extLst>
+              <a:ext uri="{FF2B5EF4-FFF2-40B4-BE49-F238E27FC236}">
+                <a16:creationId xmlns:a16="http://schemas.microsoft.com/office/drawing/2014/main" id="{4DB4C133-1CA9-9624-500C-643C2D599774}"/>
+              </a:ext>
+            </a:extLst>
+          </p:cNvPr>
+          <p:cNvSpPr>
+            <a:spLocks noGrp="1"/>
+          </p:cNvSpPr>
+          <p:nvPr>
+            <p:ph type="dt" sz="half" idx="10"/>
+          </p:nvPr>
+        </p:nvSpPr>
         <p:spPr/>
         <p:txBody>
           <a:bodyPr/>
           <a:lstStyle/>
           <a:p>
-            <a:endParaRPr lang="de-CH"/>
-          </a:p>
-        </p:txBody>
-      </p:sp>
-      <p:sp>
-        <p:nvSpPr>
-          <p:cNvPr id="3" name="Inhaltsplatzhalter 2">
-            <a:extLst>
-              <a:ext uri="{FF2B5EF4-FFF2-40B4-BE49-F238E27FC236}">
-                <a16:creationId xmlns:a16="http://schemas.microsoft.com/office/drawing/2014/main" id="{F9CBAB51-05BC-A82E-6967-521234083EB6}"/>
-              </a:ext>
-            </a:extLst>
-          </p:cNvPr>
-          <p:cNvSpPr>
-            <a:spLocks noGrp="1"/>
-          </p:cNvSpPr>
-          <p:nvPr>
-            <p:ph idx="1"/>
+            <a:fld id="{3CAC52EE-1A92-4CB4-BCAA-EDE3CF50CF3F}" type="datetime1">
+              <a:rPr lang="de-DE" smtClean="0"/>
+              <a:t>05.07.2025</a:t>
+            </a:fld>
+            <a:endParaRPr lang="de-CH" dirty="0"/>
+          </a:p>
+        </p:txBody>
+      </p:sp>
+      <p:sp>
+        <p:nvSpPr>
+          <p:cNvPr id="5" name="Footer Placeholder 4">
+            <a:extLst>
+              <a:ext uri="{FF2B5EF4-FFF2-40B4-BE49-F238E27FC236}">
+                <a16:creationId xmlns:a16="http://schemas.microsoft.com/office/drawing/2014/main" id="{9E661303-11F6-226E-65C0-E1943DC20E06}"/>
+              </a:ext>
+            </a:extLst>
+          </p:cNvPr>
+          <p:cNvSpPr>
+            <a:spLocks noGrp="1"/>
+          </p:cNvSpPr>
+          <p:nvPr>
+            <p:ph type="ftr" sz="quarter" idx="11"/>
           </p:nvPr>
         </p:nvSpPr>
         <p:spPr/>
@@ -5860,62 +9682,8 @@
           <a:bodyPr/>
           <a:lstStyle/>
           <a:p>
-            <a:endParaRPr lang="de-CH" dirty="0"/>
-          </a:p>
-        </p:txBody>
-      </p:sp>
-      <p:sp>
-        <p:nvSpPr>
-          <p:cNvPr id="4" name="Datumsplatzhalter 3">
-            <a:extLst>
-              <a:ext uri="{FF2B5EF4-FFF2-40B4-BE49-F238E27FC236}">
-                <a16:creationId xmlns:a16="http://schemas.microsoft.com/office/drawing/2014/main" id="{AD3CA4AC-89A9-BF0E-8DD0-79D4755B8B11}"/>
-              </a:ext>
-            </a:extLst>
-          </p:cNvPr>
-          <p:cNvSpPr>
-            <a:spLocks noGrp="1"/>
-          </p:cNvSpPr>
-          <p:nvPr>
-            <p:ph type="dt" sz="half" idx="10"/>
-          </p:nvPr>
-        </p:nvSpPr>
-        <p:spPr/>
-        <p:txBody>
-          <a:bodyPr/>
-          <a:lstStyle/>
-          <a:p>
-            <a:fld id="{E5DBBF47-BFE4-482E-ACDC-02638A5F301F}" type="datetime1">
-              <a:rPr lang="de-DE" smtClean="0"/>
-              <a:t>26.05.2025</a:t>
-            </a:fld>
-            <a:endParaRPr lang="de-CH" dirty="0"/>
-          </a:p>
-        </p:txBody>
-      </p:sp>
-      <p:sp>
-        <p:nvSpPr>
-          <p:cNvPr id="5" name="Fußzeilenplatzhalter 4">
-            <a:extLst>
-              <a:ext uri="{FF2B5EF4-FFF2-40B4-BE49-F238E27FC236}">
-                <a16:creationId xmlns:a16="http://schemas.microsoft.com/office/drawing/2014/main" id="{80FC0048-8167-9A51-5454-DF4C7680C6BB}"/>
-              </a:ext>
-            </a:extLst>
-          </p:cNvPr>
-          <p:cNvSpPr>
-            <a:spLocks noGrp="1"/>
-          </p:cNvSpPr>
-          <p:nvPr>
-            <p:ph type="ftr" sz="quarter" idx="11"/>
-          </p:nvPr>
-        </p:nvSpPr>
-        <p:spPr/>
-        <p:txBody>
-          <a:bodyPr/>
-          <a:lstStyle/>
-          <a:p>
-            <a:r>
-              <a:rPr lang="en-US" dirty="0"/>
+            <a:r>
+              <a:rPr lang="en-US"/>
               <a:t>Institute For Sensor and Electronics</a:t>
             </a:r>
             <a:endParaRPr lang="de-CH" dirty="0"/>
@@ -5924,10 +9692,10 @@
       </p:sp>
       <p:sp>
         <p:nvSpPr>
-          <p:cNvPr id="6" name="Foliennummernplatzhalter 5">
-            <a:extLst>
-              <a:ext uri="{FF2B5EF4-FFF2-40B4-BE49-F238E27FC236}">
-                <a16:creationId xmlns:a16="http://schemas.microsoft.com/office/drawing/2014/main" id="{27764D8B-36D7-D781-6795-2FA0B22525FF}"/>
+          <p:cNvPr id="6" name="Slide Number Placeholder 5">
+            <a:extLst>
+              <a:ext uri="{FF2B5EF4-FFF2-40B4-BE49-F238E27FC236}">
+                <a16:creationId xmlns:a16="http://schemas.microsoft.com/office/drawing/2014/main" id="{90308E12-59F9-8BFB-ADC4-E49823E7F3CB}"/>
               </a:ext>
             </a:extLst>
           </p:cNvPr>
@@ -5952,10 +9720,1850 @@
           </a:p>
         </p:txBody>
       </p:sp>
+      <p:sp>
+        <p:nvSpPr>
+          <p:cNvPr id="8" name="Textfeld 7">
+            <a:extLst>
+              <a:ext uri="{FF2B5EF4-FFF2-40B4-BE49-F238E27FC236}">
+                <a16:creationId xmlns:a16="http://schemas.microsoft.com/office/drawing/2014/main" id="{937BB972-0FA6-B560-01FF-63BCC7591ACA}"/>
+              </a:ext>
+            </a:extLst>
+          </p:cNvPr>
+          <p:cNvSpPr txBox="1"/>
+          <p:nvPr/>
+        </p:nvSpPr>
+        <p:spPr>
+          <a:xfrm flipH="1">
+            <a:off x="408076" y="1916832"/>
+            <a:ext cx="7658635" cy="1107996"/>
+          </a:xfrm>
+          <a:prstGeom prst="rect">
+            <a:avLst/>
+          </a:prstGeom>
+          <a:noFill/>
+        </p:spPr>
+        <p:txBody>
+          <a:bodyPr wrap="square" lIns="0" tIns="0" rIns="0" bIns="0" rtlCol="0">
+            <a:spAutoFit/>
+          </a:bodyPr>
+          <a:lstStyle/>
+          <a:p>
+            <a:pPr marL="285750" indent="-285750">
+              <a:buFont typeface="Arial" panose="020B0604020202020204" pitchFamily="34" charset="0"/>
+              <a:buChar char="•"/>
+            </a:pPr>
+            <a:endParaRPr lang="de-CH" dirty="0"/>
+          </a:p>
+          <a:p>
+            <a:endParaRPr lang="de-CH" dirty="0"/>
+          </a:p>
+          <a:p>
+            <a:pPr marL="285750" indent="-285750">
+              <a:buFont typeface="Arial" panose="020B0604020202020204" pitchFamily="34" charset="0"/>
+              <a:buChar char="•"/>
+            </a:pPr>
+            <a:endParaRPr lang="de-CH" dirty="0"/>
+          </a:p>
+          <a:p>
+            <a:pPr marL="285750" indent="-285750">
+              <a:buFont typeface="Arial" panose="020B0604020202020204" pitchFamily="34" charset="0"/>
+              <a:buChar char="•"/>
+            </a:pPr>
+            <a:endParaRPr lang="de-CH" dirty="0"/>
+          </a:p>
+        </p:txBody>
+      </p:sp>
+      <p:sp>
+        <p:nvSpPr>
+          <p:cNvPr id="2" name="Textfeld 1">
+            <a:extLst>
+              <a:ext uri="{FF2B5EF4-FFF2-40B4-BE49-F238E27FC236}">
+                <a16:creationId xmlns:a16="http://schemas.microsoft.com/office/drawing/2014/main" id="{ABE8A95D-4523-B6C8-EE0D-7BE8C8AE4E32}"/>
+              </a:ext>
+            </a:extLst>
+          </p:cNvPr>
+          <p:cNvSpPr txBox="1"/>
+          <p:nvPr/>
+        </p:nvSpPr>
+        <p:spPr>
+          <a:xfrm>
+            <a:off x="434791" y="1916832"/>
+            <a:ext cx="5688632" cy="830997"/>
+          </a:xfrm>
+          <a:prstGeom prst="rect">
+            <a:avLst/>
+          </a:prstGeom>
+          <a:noFill/>
+        </p:spPr>
+        <p:txBody>
+          <a:bodyPr wrap="square" lIns="0" tIns="0" rIns="0" bIns="0" rtlCol="0">
+            <a:spAutoFit/>
+          </a:bodyPr>
+          <a:lstStyle/>
+          <a:p>
+            <a:pPr marL="285750" indent="-285750">
+              <a:buFont typeface="Arial" panose="020B0604020202020204" pitchFamily="34" charset="0"/>
+              <a:buChar char="•"/>
+            </a:pPr>
+            <a:r>
+              <a:rPr lang="de-CH" dirty="0"/>
+              <a:t>Definition</a:t>
+            </a:r>
+          </a:p>
+          <a:p>
+            <a:pPr marL="285750" indent="-285750">
+              <a:buFont typeface="Arial" panose="020B0604020202020204" pitchFamily="34" charset="0"/>
+              <a:buChar char="•"/>
+            </a:pPr>
+            <a:r>
+              <a:rPr lang="de-CH" dirty="0" err="1"/>
+              <a:t>Causes</a:t>
+            </a:r>
+            <a:endParaRPr lang="de-CH" dirty="0"/>
+          </a:p>
+          <a:p>
+            <a:pPr marL="285750" indent="-285750">
+              <a:buFont typeface="Arial" panose="020B0604020202020204" pitchFamily="34" charset="0"/>
+              <a:buChar char="•"/>
+            </a:pPr>
+            <a:r>
+              <a:rPr lang="de-CH" dirty="0"/>
+              <a:t>Impact</a:t>
+            </a:r>
+          </a:p>
+        </p:txBody>
+      </p:sp>
     </p:spTree>
     <p:extLst>
       <p:ext uri="{BB962C8B-B14F-4D97-AF65-F5344CB8AC3E}">
-        <p14:creationId xmlns:p14="http://schemas.microsoft.com/office/powerpoint/2010/main" val="2425458185"/>
+        <p14:creationId xmlns:p14="http://schemas.microsoft.com/office/powerpoint/2010/main" val="672656356"/>
+      </p:ext>
+    </p:extLst>
+  </p:cSld>
+  <p:clrMapOvr>
+    <a:masterClrMapping/>
+  </p:clrMapOvr>
+</p:sld>
+</file>
+
+<file path=ppt/slides/slide6.xml><?xml version="1.0" encoding="utf-8"?>
+<p:sld xmlns:a="http://schemas.openxmlformats.org/drawingml/2006/main" xmlns:r="http://schemas.openxmlformats.org/officeDocument/2006/relationships" xmlns:p="http://schemas.openxmlformats.org/presentationml/2006/main">
+  <p:cSld>
+    <p:spTree>
+      <p:nvGrpSpPr>
+        <p:cNvPr id="1" name="">
+          <a:extLst>
+            <a:ext uri="{FF2B5EF4-FFF2-40B4-BE49-F238E27FC236}">
+              <a16:creationId xmlns:a16="http://schemas.microsoft.com/office/drawing/2014/main" id="{3453698C-79BE-ACF8-E996-0C93A4A7FC85}"/>
+            </a:ext>
+          </a:extLst>
+        </p:cNvPr>
+        <p:cNvGrpSpPr/>
+        <p:nvPr/>
+      </p:nvGrpSpPr>
+      <p:grpSpPr>
+        <a:xfrm>
+          <a:off x="0" y="0"/>
+          <a:ext cx="0" cy="0"/>
+          <a:chOff x="0" y="0"/>
+          <a:chExt cx="0" cy="0"/>
+        </a:xfrm>
+      </p:grpSpPr>
+      <p:sp>
+        <p:nvSpPr>
+          <p:cNvPr id="7" name="Title 6">
+            <a:extLst>
+              <a:ext uri="{FF2B5EF4-FFF2-40B4-BE49-F238E27FC236}">
+                <a16:creationId xmlns:a16="http://schemas.microsoft.com/office/drawing/2014/main" id="{291EE92C-9518-83FB-334C-AE38F1C7EA13}"/>
+              </a:ext>
+            </a:extLst>
+          </p:cNvPr>
+          <p:cNvSpPr>
+            <a:spLocks noGrp="1"/>
+          </p:cNvSpPr>
+          <p:nvPr>
+            <p:ph type="title"/>
+          </p:nvPr>
+        </p:nvSpPr>
+        <p:spPr>
+          <a:xfrm>
+            <a:off x="408076" y="1067525"/>
+            <a:ext cx="10587038" cy="1477328"/>
+          </a:xfrm>
+        </p:spPr>
+        <p:txBody>
+          <a:bodyPr/>
+          <a:lstStyle/>
+          <a:p>
+            <a:r>
+              <a:rPr lang="en-GB" sz="3200" dirty="0"/>
+              <a:t>Decision Feedback Equalizer (DFE)</a:t>
+            </a:r>
+            <a:br>
+              <a:rPr lang="en-GB" sz="3200" dirty="0"/>
+            </a:br>
+            <a:br>
+              <a:rPr lang="en-GB" sz="3200" dirty="0"/>
+            </a:br>
+            <a:endParaRPr lang="de-CH" sz="3200" dirty="0"/>
+          </a:p>
+        </p:txBody>
+      </p:sp>
+      <p:sp>
+        <p:nvSpPr>
+          <p:cNvPr id="4" name="Date Placeholder 3">
+            <a:extLst>
+              <a:ext uri="{FF2B5EF4-FFF2-40B4-BE49-F238E27FC236}">
+                <a16:creationId xmlns:a16="http://schemas.microsoft.com/office/drawing/2014/main" id="{D6475F23-4D7B-50FB-D8CC-BC1D5EC790E9}"/>
+              </a:ext>
+            </a:extLst>
+          </p:cNvPr>
+          <p:cNvSpPr>
+            <a:spLocks noGrp="1"/>
+          </p:cNvSpPr>
+          <p:nvPr>
+            <p:ph type="dt" sz="half" idx="10"/>
+          </p:nvPr>
+        </p:nvSpPr>
+        <p:spPr/>
+        <p:txBody>
+          <a:bodyPr/>
+          <a:lstStyle/>
+          <a:p>
+            <a:fld id="{3CAC52EE-1A92-4CB4-BCAA-EDE3CF50CF3F}" type="datetime1">
+              <a:rPr lang="de-DE" smtClean="0"/>
+              <a:t>05.07.2025</a:t>
+            </a:fld>
+            <a:endParaRPr lang="de-CH" dirty="0"/>
+          </a:p>
+        </p:txBody>
+      </p:sp>
+      <p:sp>
+        <p:nvSpPr>
+          <p:cNvPr id="5" name="Footer Placeholder 4">
+            <a:extLst>
+              <a:ext uri="{FF2B5EF4-FFF2-40B4-BE49-F238E27FC236}">
+                <a16:creationId xmlns:a16="http://schemas.microsoft.com/office/drawing/2014/main" id="{C6E738CD-2D60-1503-8178-E4F37CC7F0CF}"/>
+              </a:ext>
+            </a:extLst>
+          </p:cNvPr>
+          <p:cNvSpPr>
+            <a:spLocks noGrp="1"/>
+          </p:cNvSpPr>
+          <p:nvPr>
+            <p:ph type="ftr" sz="quarter" idx="11"/>
+          </p:nvPr>
+        </p:nvSpPr>
+        <p:spPr/>
+        <p:txBody>
+          <a:bodyPr/>
+          <a:lstStyle/>
+          <a:p>
+            <a:r>
+              <a:rPr lang="en-US"/>
+              <a:t>Institute For Sensor and Electronics</a:t>
+            </a:r>
+            <a:endParaRPr lang="de-CH" dirty="0"/>
+          </a:p>
+        </p:txBody>
+      </p:sp>
+      <p:sp>
+        <p:nvSpPr>
+          <p:cNvPr id="6" name="Slide Number Placeholder 5">
+            <a:extLst>
+              <a:ext uri="{FF2B5EF4-FFF2-40B4-BE49-F238E27FC236}">
+                <a16:creationId xmlns:a16="http://schemas.microsoft.com/office/drawing/2014/main" id="{BBE9F20C-8BDF-77D4-FDF1-65ABA390870C}"/>
+              </a:ext>
+            </a:extLst>
+          </p:cNvPr>
+          <p:cNvSpPr>
+            <a:spLocks noGrp="1"/>
+          </p:cNvSpPr>
+          <p:nvPr>
+            <p:ph type="sldNum" sz="quarter" idx="12"/>
+          </p:nvPr>
+        </p:nvSpPr>
+        <p:spPr/>
+        <p:txBody>
+          <a:bodyPr/>
+          <a:lstStyle/>
+          <a:p>
+            <a:fld id="{442AD375-037F-43D0-B059-5172DA06796A}" type="slidenum">
+              <a:rPr lang="de-CH" smtClean="0"/>
+              <a:pPr/>
+              <a:t>6</a:t>
+            </a:fld>
+            <a:endParaRPr lang="de-CH" dirty="0"/>
+          </a:p>
+        </p:txBody>
+      </p:sp>
+      <p:sp>
+        <p:nvSpPr>
+          <p:cNvPr id="8" name="Textfeld 7">
+            <a:extLst>
+              <a:ext uri="{FF2B5EF4-FFF2-40B4-BE49-F238E27FC236}">
+                <a16:creationId xmlns:a16="http://schemas.microsoft.com/office/drawing/2014/main" id="{ECCF5B6E-E7ED-D2F0-90D0-FE5B2FD742E7}"/>
+              </a:ext>
+            </a:extLst>
+          </p:cNvPr>
+          <p:cNvSpPr txBox="1"/>
+          <p:nvPr/>
+        </p:nvSpPr>
+        <p:spPr>
+          <a:xfrm flipH="1">
+            <a:off x="408076" y="1916832"/>
+            <a:ext cx="7658635" cy="1107996"/>
+          </a:xfrm>
+          <a:prstGeom prst="rect">
+            <a:avLst/>
+          </a:prstGeom>
+          <a:noFill/>
+        </p:spPr>
+        <p:txBody>
+          <a:bodyPr wrap="square" lIns="0" tIns="0" rIns="0" bIns="0" rtlCol="0">
+            <a:spAutoFit/>
+          </a:bodyPr>
+          <a:lstStyle/>
+          <a:p>
+            <a:pPr marL="285750" indent="-285750">
+              <a:buFont typeface="Arial" panose="020B0604020202020204" pitchFamily="34" charset="0"/>
+              <a:buChar char="•"/>
+            </a:pPr>
+            <a:endParaRPr lang="de-CH" dirty="0"/>
+          </a:p>
+          <a:p>
+            <a:endParaRPr lang="de-CH" dirty="0"/>
+          </a:p>
+          <a:p>
+            <a:pPr marL="285750" indent="-285750">
+              <a:buFont typeface="Arial" panose="020B0604020202020204" pitchFamily="34" charset="0"/>
+              <a:buChar char="•"/>
+            </a:pPr>
+            <a:endParaRPr lang="de-CH" dirty="0"/>
+          </a:p>
+          <a:p>
+            <a:pPr marL="285750" indent="-285750">
+              <a:buFont typeface="Arial" panose="020B0604020202020204" pitchFamily="34" charset="0"/>
+              <a:buChar char="•"/>
+            </a:pPr>
+            <a:endParaRPr lang="de-CH" dirty="0"/>
+          </a:p>
+        </p:txBody>
+      </p:sp>
+      <p:sp>
+        <p:nvSpPr>
+          <p:cNvPr id="2" name="Textfeld 1">
+            <a:extLst>
+              <a:ext uri="{FF2B5EF4-FFF2-40B4-BE49-F238E27FC236}">
+                <a16:creationId xmlns:a16="http://schemas.microsoft.com/office/drawing/2014/main" id="{3BAEA7D7-3662-EB96-57F8-5CB0FBB95538}"/>
+              </a:ext>
+            </a:extLst>
+          </p:cNvPr>
+          <p:cNvSpPr txBox="1"/>
+          <p:nvPr/>
+        </p:nvSpPr>
+        <p:spPr>
+          <a:xfrm>
+            <a:off x="408076" y="1916832"/>
+            <a:ext cx="5688632" cy="1384995"/>
+          </a:xfrm>
+          <a:prstGeom prst="rect">
+            <a:avLst/>
+          </a:prstGeom>
+          <a:noFill/>
+        </p:spPr>
+        <p:txBody>
+          <a:bodyPr wrap="square" lIns="0" tIns="0" rIns="0" bIns="0" rtlCol="0">
+            <a:spAutoFit/>
+          </a:bodyPr>
+          <a:lstStyle/>
+          <a:p>
+            <a:pPr marL="285750" indent="-285750">
+              <a:buFont typeface="Arial" panose="020B0604020202020204" pitchFamily="34" charset="0"/>
+              <a:buChar char="•"/>
+            </a:pPr>
+            <a:r>
+              <a:rPr lang="de-CH" dirty="0" err="1"/>
+              <a:t>What</a:t>
+            </a:r>
+            <a:r>
+              <a:rPr lang="de-CH" dirty="0"/>
+              <a:t> </a:t>
+            </a:r>
+            <a:r>
+              <a:rPr lang="de-CH" dirty="0" err="1"/>
+              <a:t>is</a:t>
+            </a:r>
+            <a:r>
+              <a:rPr lang="de-CH" dirty="0"/>
+              <a:t> DFE ? </a:t>
+            </a:r>
+          </a:p>
+          <a:p>
+            <a:pPr marL="285750" indent="-285750">
+              <a:buFont typeface="Arial" panose="020B0604020202020204" pitchFamily="34" charset="0"/>
+              <a:buChar char="•"/>
+            </a:pPr>
+            <a:r>
+              <a:rPr lang="de-CH" dirty="0" err="1"/>
+              <a:t>How</a:t>
+            </a:r>
+            <a:r>
+              <a:rPr lang="de-CH" dirty="0"/>
+              <a:t> </a:t>
+            </a:r>
+            <a:r>
+              <a:rPr lang="de-CH" dirty="0" err="1"/>
+              <a:t>it</a:t>
+            </a:r>
+            <a:r>
+              <a:rPr lang="de-CH" dirty="0"/>
+              <a:t> </a:t>
+            </a:r>
+            <a:r>
+              <a:rPr lang="de-CH" dirty="0" err="1"/>
+              <a:t>works</a:t>
+            </a:r>
+            <a:endParaRPr lang="de-CH" dirty="0"/>
+          </a:p>
+          <a:p>
+            <a:pPr marL="285750" indent="-285750">
+              <a:buFont typeface="Arial" panose="020B0604020202020204" pitchFamily="34" charset="0"/>
+              <a:buChar char="•"/>
+            </a:pPr>
+            <a:r>
+              <a:rPr lang="de-CH" dirty="0"/>
+              <a:t>Components</a:t>
+            </a:r>
+          </a:p>
+          <a:p>
+            <a:pPr marL="285750" indent="-285750">
+              <a:buFont typeface="Arial" panose="020B0604020202020204" pitchFamily="34" charset="0"/>
+              <a:buChar char="•"/>
+            </a:pPr>
+            <a:r>
+              <a:rPr lang="de-CH" dirty="0"/>
+              <a:t>Advantage</a:t>
+            </a:r>
+          </a:p>
+          <a:p>
+            <a:endParaRPr lang="de-CH" dirty="0"/>
+          </a:p>
+        </p:txBody>
+      </p:sp>
+      <p:pic>
+        <p:nvPicPr>
+          <p:cNvPr id="9" name="Grafik 8">
+            <a:extLst>
+              <a:ext uri="{FF2B5EF4-FFF2-40B4-BE49-F238E27FC236}">
+                <a16:creationId xmlns:a16="http://schemas.microsoft.com/office/drawing/2014/main" id="{455A1534-7D56-330B-0E2B-EBA0AFCF4224}"/>
+              </a:ext>
+            </a:extLst>
+          </p:cNvPr>
+          <p:cNvPicPr>
+            <a:picLocks noChangeAspect="1"/>
+          </p:cNvPicPr>
+          <p:nvPr/>
+        </p:nvPicPr>
+        <p:blipFill>
+          <a:blip r:embed="rId3"/>
+          <a:stretch>
+            <a:fillRect/>
+          </a:stretch>
+        </p:blipFill>
+        <p:spPr>
+          <a:xfrm>
+            <a:off x="2857279" y="3024828"/>
+            <a:ext cx="5688632" cy="2840902"/>
+          </a:xfrm>
+          <a:prstGeom prst="rect">
+            <a:avLst/>
+          </a:prstGeom>
+        </p:spPr>
+      </p:pic>
+    </p:spTree>
+    <p:extLst>
+      <p:ext uri="{BB962C8B-B14F-4D97-AF65-F5344CB8AC3E}">
+        <p14:creationId xmlns:p14="http://schemas.microsoft.com/office/powerpoint/2010/main" val="2815217691"/>
+      </p:ext>
+    </p:extLst>
+  </p:cSld>
+  <p:clrMapOvr>
+    <a:masterClrMapping/>
+  </p:clrMapOvr>
+</p:sld>
+</file>
+
+<file path=ppt/slides/slide7.xml><?xml version="1.0" encoding="utf-8"?>
+<p:sld xmlns:a="http://schemas.openxmlformats.org/drawingml/2006/main" xmlns:r="http://schemas.openxmlformats.org/officeDocument/2006/relationships" xmlns:p="http://schemas.openxmlformats.org/presentationml/2006/main">
+  <p:cSld>
+    <p:spTree>
+      <p:nvGrpSpPr>
+        <p:cNvPr id="1" name="">
+          <a:extLst>
+            <a:ext uri="{FF2B5EF4-FFF2-40B4-BE49-F238E27FC236}">
+              <a16:creationId xmlns:a16="http://schemas.microsoft.com/office/drawing/2014/main" id="{1D3080AC-0D4B-09A9-FA89-A21BC01DCAC8}"/>
+            </a:ext>
+          </a:extLst>
+        </p:cNvPr>
+        <p:cNvGrpSpPr/>
+        <p:nvPr/>
+      </p:nvGrpSpPr>
+      <p:grpSpPr>
+        <a:xfrm>
+          <a:off x="0" y="0"/>
+          <a:ext cx="0" cy="0"/>
+          <a:chOff x="0" y="0"/>
+          <a:chExt cx="0" cy="0"/>
+        </a:xfrm>
+      </p:grpSpPr>
+      <p:sp>
+        <p:nvSpPr>
+          <p:cNvPr id="7" name="Title 6">
+            <a:extLst>
+              <a:ext uri="{FF2B5EF4-FFF2-40B4-BE49-F238E27FC236}">
+                <a16:creationId xmlns:a16="http://schemas.microsoft.com/office/drawing/2014/main" id="{70C86AC6-897C-9543-116D-3F392CD3A3A8}"/>
+              </a:ext>
+            </a:extLst>
+          </p:cNvPr>
+          <p:cNvSpPr>
+            <a:spLocks noGrp="1"/>
+          </p:cNvSpPr>
+          <p:nvPr>
+            <p:ph type="title"/>
+          </p:nvPr>
+        </p:nvSpPr>
+        <p:spPr>
+          <a:xfrm>
+            <a:off x="408076" y="1067525"/>
+            <a:ext cx="10587038" cy="1477328"/>
+          </a:xfrm>
+        </p:spPr>
+        <p:txBody>
+          <a:bodyPr/>
+          <a:lstStyle/>
+          <a:p>
+            <a:r>
+              <a:rPr lang="en-GB" sz="3200" dirty="0"/>
+              <a:t>ISI-Channel Simulation</a:t>
+            </a:r>
+            <a:br>
+              <a:rPr lang="en-GB" sz="3200" dirty="0"/>
+            </a:br>
+            <a:br>
+              <a:rPr lang="en-GB" sz="3200" dirty="0"/>
+            </a:br>
+            <a:endParaRPr lang="de-CH" sz="3200" dirty="0"/>
+          </a:p>
+        </p:txBody>
+      </p:sp>
+      <p:sp>
+        <p:nvSpPr>
+          <p:cNvPr id="4" name="Date Placeholder 3">
+            <a:extLst>
+              <a:ext uri="{FF2B5EF4-FFF2-40B4-BE49-F238E27FC236}">
+                <a16:creationId xmlns:a16="http://schemas.microsoft.com/office/drawing/2014/main" id="{6DF8C61F-77F4-5EEE-EB1E-1DD1BA5878C5}"/>
+              </a:ext>
+            </a:extLst>
+          </p:cNvPr>
+          <p:cNvSpPr>
+            <a:spLocks noGrp="1"/>
+          </p:cNvSpPr>
+          <p:nvPr>
+            <p:ph type="dt" sz="half" idx="10"/>
+          </p:nvPr>
+        </p:nvSpPr>
+        <p:spPr/>
+        <p:txBody>
+          <a:bodyPr/>
+          <a:lstStyle/>
+          <a:p>
+            <a:fld id="{3CAC52EE-1A92-4CB4-BCAA-EDE3CF50CF3F}" type="datetime1">
+              <a:rPr lang="de-DE" smtClean="0"/>
+              <a:t>05.07.2025</a:t>
+            </a:fld>
+            <a:endParaRPr lang="de-CH" dirty="0"/>
+          </a:p>
+        </p:txBody>
+      </p:sp>
+      <p:sp>
+        <p:nvSpPr>
+          <p:cNvPr id="5" name="Footer Placeholder 4">
+            <a:extLst>
+              <a:ext uri="{FF2B5EF4-FFF2-40B4-BE49-F238E27FC236}">
+                <a16:creationId xmlns:a16="http://schemas.microsoft.com/office/drawing/2014/main" id="{4BE1233B-2578-24D7-FF51-9D74B8DDC3AE}"/>
+              </a:ext>
+            </a:extLst>
+          </p:cNvPr>
+          <p:cNvSpPr>
+            <a:spLocks noGrp="1"/>
+          </p:cNvSpPr>
+          <p:nvPr>
+            <p:ph type="ftr" sz="quarter" idx="11"/>
+          </p:nvPr>
+        </p:nvSpPr>
+        <p:spPr/>
+        <p:txBody>
+          <a:bodyPr/>
+          <a:lstStyle/>
+          <a:p>
+            <a:r>
+              <a:rPr lang="en-US"/>
+              <a:t>Institute For Sensor and Electronics</a:t>
+            </a:r>
+            <a:endParaRPr lang="de-CH" dirty="0"/>
+          </a:p>
+        </p:txBody>
+      </p:sp>
+      <p:sp>
+        <p:nvSpPr>
+          <p:cNvPr id="6" name="Slide Number Placeholder 5">
+            <a:extLst>
+              <a:ext uri="{FF2B5EF4-FFF2-40B4-BE49-F238E27FC236}">
+                <a16:creationId xmlns:a16="http://schemas.microsoft.com/office/drawing/2014/main" id="{C153E893-8108-E2F2-3641-8786B728FBCC}"/>
+              </a:ext>
+            </a:extLst>
+          </p:cNvPr>
+          <p:cNvSpPr>
+            <a:spLocks noGrp="1"/>
+          </p:cNvSpPr>
+          <p:nvPr>
+            <p:ph type="sldNum" sz="quarter" idx="12"/>
+          </p:nvPr>
+        </p:nvSpPr>
+        <p:spPr/>
+        <p:txBody>
+          <a:bodyPr/>
+          <a:lstStyle/>
+          <a:p>
+            <a:fld id="{442AD375-037F-43D0-B059-5172DA06796A}" type="slidenum">
+              <a:rPr lang="de-CH" smtClean="0"/>
+              <a:pPr/>
+              <a:t>7</a:t>
+            </a:fld>
+            <a:endParaRPr lang="de-CH" dirty="0"/>
+          </a:p>
+        </p:txBody>
+      </p:sp>
+      <p:sp>
+        <p:nvSpPr>
+          <p:cNvPr id="8" name="Textfeld 7">
+            <a:extLst>
+              <a:ext uri="{FF2B5EF4-FFF2-40B4-BE49-F238E27FC236}">
+                <a16:creationId xmlns:a16="http://schemas.microsoft.com/office/drawing/2014/main" id="{98B056E1-7AE4-F7F2-5944-66F6CFB074D2}"/>
+              </a:ext>
+            </a:extLst>
+          </p:cNvPr>
+          <p:cNvSpPr txBox="1"/>
+          <p:nvPr/>
+        </p:nvSpPr>
+        <p:spPr>
+          <a:xfrm flipH="1">
+            <a:off x="408076" y="1916832"/>
+            <a:ext cx="7658635" cy="1107996"/>
+          </a:xfrm>
+          <a:prstGeom prst="rect">
+            <a:avLst/>
+          </a:prstGeom>
+          <a:noFill/>
+        </p:spPr>
+        <p:txBody>
+          <a:bodyPr wrap="square" lIns="0" tIns="0" rIns="0" bIns="0" rtlCol="0">
+            <a:spAutoFit/>
+          </a:bodyPr>
+          <a:lstStyle/>
+          <a:p>
+            <a:pPr marL="285750" indent="-285750">
+              <a:buFont typeface="Arial" panose="020B0604020202020204" pitchFamily="34" charset="0"/>
+              <a:buChar char="•"/>
+            </a:pPr>
+            <a:endParaRPr lang="de-CH" dirty="0"/>
+          </a:p>
+          <a:p>
+            <a:endParaRPr lang="de-CH" dirty="0"/>
+          </a:p>
+          <a:p>
+            <a:pPr marL="285750" indent="-285750">
+              <a:buFont typeface="Arial" panose="020B0604020202020204" pitchFamily="34" charset="0"/>
+              <a:buChar char="•"/>
+            </a:pPr>
+            <a:endParaRPr lang="de-CH" dirty="0"/>
+          </a:p>
+          <a:p>
+            <a:pPr marL="285750" indent="-285750">
+              <a:buFont typeface="Arial" panose="020B0604020202020204" pitchFamily="34" charset="0"/>
+              <a:buChar char="•"/>
+            </a:pPr>
+            <a:endParaRPr lang="de-CH" dirty="0"/>
+          </a:p>
+        </p:txBody>
+      </p:sp>
+      <p:sp>
+        <p:nvSpPr>
+          <p:cNvPr id="2" name="Textfeld 1">
+            <a:extLst>
+              <a:ext uri="{FF2B5EF4-FFF2-40B4-BE49-F238E27FC236}">
+                <a16:creationId xmlns:a16="http://schemas.microsoft.com/office/drawing/2014/main" id="{13CE3385-EB09-6150-9E89-219FCFABD14D}"/>
+              </a:ext>
+            </a:extLst>
+          </p:cNvPr>
+          <p:cNvSpPr txBox="1"/>
+          <p:nvPr/>
+        </p:nvSpPr>
+        <p:spPr>
+          <a:xfrm>
+            <a:off x="408076" y="1916832"/>
+            <a:ext cx="5688632" cy="1938992"/>
+          </a:xfrm>
+          <a:prstGeom prst="rect">
+            <a:avLst/>
+          </a:prstGeom>
+          <a:noFill/>
+        </p:spPr>
+        <p:txBody>
+          <a:bodyPr wrap="square" lIns="0" tIns="0" rIns="0" bIns="0" rtlCol="0">
+            <a:spAutoFit/>
+          </a:bodyPr>
+          <a:lstStyle/>
+          <a:p>
+            <a:pPr marL="285750" indent="-285750">
+              <a:buFont typeface="Arial" panose="020B0604020202020204" pitchFamily="34" charset="0"/>
+              <a:buChar char="•"/>
+            </a:pPr>
+            <a:r>
+              <a:rPr lang="de-CH" dirty="0"/>
+              <a:t>Channel </a:t>
+            </a:r>
+            <a:r>
+              <a:rPr lang="de-CH" dirty="0" err="1"/>
+              <a:t>model</a:t>
+            </a:r>
+            <a:r>
+              <a:rPr lang="de-CH" dirty="0"/>
+              <a:t> </a:t>
+            </a:r>
+            <a:r>
+              <a:rPr lang="de-CH" dirty="0" err="1"/>
+              <a:t>is</a:t>
+            </a:r>
+            <a:r>
+              <a:rPr lang="de-CH" dirty="0"/>
+              <a:t> y[n] = 0.8*x[n] + 0.5*x[n-1]</a:t>
+            </a:r>
+          </a:p>
+          <a:p>
+            <a:pPr marL="285750" indent="-285750">
+              <a:buFont typeface="Arial" panose="020B0604020202020204" pitchFamily="34" charset="0"/>
+              <a:buChar char="•"/>
+            </a:pPr>
+            <a:r>
+              <a:rPr lang="de-CH" dirty="0"/>
+              <a:t>Attenuation </a:t>
+            </a:r>
+            <a:r>
+              <a:rPr lang="de-CH" dirty="0" err="1"/>
+              <a:t>of</a:t>
+            </a:r>
+            <a:r>
+              <a:rPr lang="de-CH" dirty="0"/>
+              <a:t> 0.8 </a:t>
+            </a:r>
+            <a:r>
+              <a:rPr lang="de-CH" dirty="0" err="1"/>
+              <a:t>of</a:t>
+            </a:r>
+            <a:r>
+              <a:rPr lang="de-CH" dirty="0"/>
+              <a:t> </a:t>
+            </a:r>
+            <a:r>
+              <a:rPr lang="de-CH" dirty="0" err="1"/>
+              <a:t>the</a:t>
+            </a:r>
+            <a:r>
+              <a:rPr lang="de-CH" dirty="0"/>
+              <a:t> </a:t>
+            </a:r>
+            <a:r>
+              <a:rPr lang="de-CH" dirty="0" err="1"/>
+              <a:t>current</a:t>
+            </a:r>
+            <a:r>
+              <a:rPr lang="de-CH" dirty="0"/>
+              <a:t> </a:t>
+            </a:r>
+            <a:r>
+              <a:rPr lang="de-CH" dirty="0" err="1"/>
+              <a:t>symbol</a:t>
+            </a:r>
+            <a:endParaRPr lang="de-CH" dirty="0"/>
+          </a:p>
+          <a:p>
+            <a:pPr marL="285750" indent="-285750">
+              <a:buFont typeface="Arial" panose="020B0604020202020204" pitchFamily="34" charset="0"/>
+              <a:buChar char="•"/>
+            </a:pPr>
+            <a:r>
+              <a:rPr lang="de-CH" dirty="0" err="1"/>
+              <a:t>Influence</a:t>
+            </a:r>
+            <a:r>
+              <a:rPr lang="de-CH" dirty="0"/>
+              <a:t> </a:t>
+            </a:r>
+            <a:r>
+              <a:rPr lang="de-CH" dirty="0" err="1"/>
+              <a:t>of</a:t>
+            </a:r>
+            <a:r>
+              <a:rPr lang="de-CH" dirty="0"/>
+              <a:t> 0.5 </a:t>
+            </a:r>
+            <a:r>
+              <a:rPr lang="de-CH" dirty="0" err="1"/>
+              <a:t>from</a:t>
+            </a:r>
+            <a:r>
+              <a:rPr lang="de-CH" dirty="0"/>
+              <a:t> </a:t>
+            </a:r>
+            <a:r>
+              <a:rPr lang="de-CH" dirty="0" err="1"/>
+              <a:t>the</a:t>
+            </a:r>
+            <a:r>
+              <a:rPr lang="de-CH" dirty="0"/>
+              <a:t> last </a:t>
+            </a:r>
+            <a:r>
+              <a:rPr lang="de-CH" dirty="0" err="1"/>
+              <a:t>symbol</a:t>
+            </a:r>
+            <a:endParaRPr lang="de-CH" dirty="0"/>
+          </a:p>
+          <a:p>
+            <a:pPr marL="285750" indent="-285750">
+              <a:buFont typeface="Arial" panose="020B0604020202020204" pitchFamily="34" charset="0"/>
+              <a:buChar char="•"/>
+            </a:pPr>
+            <a:r>
+              <a:rPr lang="de-CH" dirty="0"/>
+              <a:t>Signal Generation </a:t>
+            </a:r>
+            <a:r>
+              <a:rPr lang="de-CH" dirty="0" err="1"/>
+              <a:t>is</a:t>
+            </a:r>
+            <a:r>
+              <a:rPr lang="de-CH" dirty="0"/>
+              <a:t> BPSK</a:t>
+            </a:r>
+          </a:p>
+          <a:p>
+            <a:pPr marL="285750" indent="-285750">
+              <a:buFont typeface="Arial" panose="020B0604020202020204" pitchFamily="34" charset="0"/>
+              <a:buChar char="•"/>
+            </a:pPr>
+            <a:r>
+              <a:rPr lang="de-CH" dirty="0"/>
+              <a:t>Signal </a:t>
+            </a:r>
+            <a:r>
+              <a:rPr lang="de-CH" dirty="0" err="1"/>
+              <a:t>is</a:t>
+            </a:r>
+            <a:r>
+              <a:rPr lang="de-CH" dirty="0"/>
+              <a:t> </a:t>
+            </a:r>
+            <a:r>
+              <a:rPr lang="de-CH" dirty="0" err="1"/>
+              <a:t>convoluted</a:t>
+            </a:r>
+            <a:r>
+              <a:rPr lang="de-CH" dirty="0"/>
+              <a:t> </a:t>
+            </a:r>
+            <a:r>
+              <a:rPr lang="de-CH" dirty="0" err="1"/>
+              <a:t>with</a:t>
+            </a:r>
+            <a:r>
+              <a:rPr lang="de-CH" dirty="0"/>
+              <a:t> </a:t>
+            </a:r>
+            <a:r>
+              <a:rPr lang="de-CH" dirty="0" err="1"/>
+              <a:t>the</a:t>
+            </a:r>
+            <a:r>
+              <a:rPr lang="de-CH" dirty="0"/>
+              <a:t> </a:t>
+            </a:r>
+            <a:r>
+              <a:rPr lang="de-CH" dirty="0" err="1"/>
+              <a:t>channel</a:t>
+            </a:r>
+            <a:endParaRPr lang="de-CH" dirty="0"/>
+          </a:p>
+          <a:p>
+            <a:pPr marL="285750" indent="-285750">
+              <a:buFont typeface="Arial" panose="020B0604020202020204" pitchFamily="34" charset="0"/>
+              <a:buChar char="•"/>
+            </a:pPr>
+            <a:r>
+              <a:rPr lang="de-CH" dirty="0" err="1"/>
+              <a:t>Added</a:t>
+            </a:r>
+            <a:r>
+              <a:rPr lang="de-CH" dirty="0"/>
+              <a:t> AWGN </a:t>
+            </a:r>
+            <a:r>
+              <a:rPr lang="de-CH" dirty="0" err="1"/>
+              <a:t>with</a:t>
+            </a:r>
+            <a:r>
+              <a:rPr lang="de-CH" dirty="0"/>
+              <a:t> a SNR </a:t>
+            </a:r>
+            <a:r>
+              <a:rPr lang="de-CH" dirty="0" err="1"/>
+              <a:t>of</a:t>
+            </a:r>
+            <a:r>
+              <a:rPr lang="de-CH" dirty="0"/>
+              <a:t> 10 dB</a:t>
+            </a:r>
+          </a:p>
+          <a:p>
+            <a:endParaRPr lang="de-CH" dirty="0"/>
+          </a:p>
+        </p:txBody>
+      </p:sp>
+      <p:pic>
+        <p:nvPicPr>
+          <p:cNvPr id="1026" name="Picture 2" descr="Phase Shift Keying in Digital Communication">
+            <a:extLst>
+              <a:ext uri="{FF2B5EF4-FFF2-40B4-BE49-F238E27FC236}">
+                <a16:creationId xmlns:a16="http://schemas.microsoft.com/office/drawing/2014/main" id="{0D13E1F7-4B59-D48F-A058-84C9F4A21DC9}"/>
+              </a:ext>
+            </a:extLst>
+          </p:cNvPr>
+          <p:cNvPicPr>
+            <a:picLocks noChangeAspect="1" noChangeArrowheads="1"/>
+          </p:cNvPicPr>
+          <p:nvPr/>
+        </p:nvPicPr>
+        <p:blipFill>
+          <a:blip r:embed="rId3">
+            <a:extLst>
+              <a:ext uri="{28A0092B-C50C-407E-A947-70E740481C1C}">
+                <a14:useLocalDpi xmlns:a14="http://schemas.microsoft.com/office/drawing/2010/main" val="0"/>
+              </a:ext>
+            </a:extLst>
+          </a:blip>
+          <a:srcRect/>
+          <a:stretch>
+            <a:fillRect/>
+          </a:stretch>
+        </p:blipFill>
+        <p:spPr bwMode="auto">
+          <a:xfrm>
+            <a:off x="479376" y="3787275"/>
+            <a:ext cx="3935784" cy="2532021"/>
+          </a:xfrm>
+          <a:prstGeom prst="rect">
+            <a:avLst/>
+          </a:prstGeom>
+          <a:noFill/>
+          <a:extLst>
+            <a:ext uri="{909E8E84-426E-40DD-AFC4-6F175D3DCCD1}">
+              <a14:hiddenFill xmlns:a14="http://schemas.microsoft.com/office/drawing/2010/main">
+                <a:solidFill>
+                  <a:srgbClr val="FFFFFF"/>
+                </a:solidFill>
+              </a14:hiddenFill>
+            </a:ext>
+          </a:extLst>
+        </p:spPr>
+      </p:pic>
+      <p:pic>
+        <p:nvPicPr>
+          <p:cNvPr id="10" name="Grafik 9">
+            <a:extLst>
+              <a:ext uri="{FF2B5EF4-FFF2-40B4-BE49-F238E27FC236}">
+                <a16:creationId xmlns:a16="http://schemas.microsoft.com/office/drawing/2014/main" id="{5F590F03-25BC-5E1A-778C-DA56B22F4DA1}"/>
+              </a:ext>
+            </a:extLst>
+          </p:cNvPr>
+          <p:cNvPicPr>
+            <a:picLocks noChangeAspect="1"/>
+          </p:cNvPicPr>
+          <p:nvPr/>
+        </p:nvPicPr>
+        <p:blipFill>
+          <a:blip r:embed="rId4"/>
+          <a:stretch>
+            <a:fillRect/>
+          </a:stretch>
+        </p:blipFill>
+        <p:spPr>
+          <a:xfrm>
+            <a:off x="6187108" y="1704359"/>
+            <a:ext cx="4617331" cy="1724641"/>
+          </a:xfrm>
+          <a:prstGeom prst="rect">
+            <a:avLst/>
+          </a:prstGeom>
+        </p:spPr>
+      </p:pic>
+      <p:pic>
+        <p:nvPicPr>
+          <p:cNvPr id="12" name="Grafik 11">
+            <a:extLst>
+              <a:ext uri="{FF2B5EF4-FFF2-40B4-BE49-F238E27FC236}">
+                <a16:creationId xmlns:a16="http://schemas.microsoft.com/office/drawing/2014/main" id="{5B0DEC23-7827-92EC-0BA8-C6F6B47E126B}"/>
+              </a:ext>
+            </a:extLst>
+          </p:cNvPr>
+          <p:cNvPicPr>
+            <a:picLocks noChangeAspect="1"/>
+          </p:cNvPicPr>
+          <p:nvPr/>
+        </p:nvPicPr>
+        <p:blipFill>
+          <a:blip r:embed="rId5"/>
+          <a:stretch>
+            <a:fillRect/>
+          </a:stretch>
+        </p:blipFill>
+        <p:spPr>
+          <a:xfrm>
+            <a:off x="4367808" y="3793572"/>
+            <a:ext cx="3258068" cy="2535348"/>
+          </a:xfrm>
+          <a:prstGeom prst="rect">
+            <a:avLst/>
+          </a:prstGeom>
+        </p:spPr>
+      </p:pic>
+      <p:pic>
+        <p:nvPicPr>
+          <p:cNvPr id="14" name="Grafik 13">
+            <a:extLst>
+              <a:ext uri="{FF2B5EF4-FFF2-40B4-BE49-F238E27FC236}">
+                <a16:creationId xmlns:a16="http://schemas.microsoft.com/office/drawing/2014/main" id="{7DCC4412-25CD-BA22-B2BD-EAAFFC0179FC}"/>
+              </a:ext>
+            </a:extLst>
+          </p:cNvPr>
+          <p:cNvPicPr>
+            <a:picLocks noChangeAspect="1"/>
+          </p:cNvPicPr>
+          <p:nvPr/>
+        </p:nvPicPr>
+        <p:blipFill>
+          <a:blip r:embed="rId6"/>
+          <a:stretch>
+            <a:fillRect/>
+          </a:stretch>
+        </p:blipFill>
+        <p:spPr>
+          <a:xfrm>
+            <a:off x="7558617" y="3779314"/>
+            <a:ext cx="3274251" cy="2547941"/>
+          </a:xfrm>
+          <a:prstGeom prst="rect">
+            <a:avLst/>
+          </a:prstGeom>
+        </p:spPr>
+      </p:pic>
+    </p:spTree>
+    <p:extLst>
+      <p:ext uri="{BB962C8B-B14F-4D97-AF65-F5344CB8AC3E}">
+        <p14:creationId xmlns:p14="http://schemas.microsoft.com/office/powerpoint/2010/main" val="1938931931"/>
+      </p:ext>
+    </p:extLst>
+  </p:cSld>
+  <p:clrMapOvr>
+    <a:masterClrMapping/>
+  </p:clrMapOvr>
+</p:sld>
+</file>
+
+<file path=ppt/slides/slide8.xml><?xml version="1.0" encoding="utf-8"?>
+<p:sld xmlns:a="http://schemas.openxmlformats.org/drawingml/2006/main" xmlns:r="http://schemas.openxmlformats.org/officeDocument/2006/relationships" xmlns:p="http://schemas.openxmlformats.org/presentationml/2006/main">
+  <p:cSld>
+    <p:spTree>
+      <p:nvGrpSpPr>
+        <p:cNvPr id="1" name="">
+          <a:extLst>
+            <a:ext uri="{FF2B5EF4-FFF2-40B4-BE49-F238E27FC236}">
+              <a16:creationId xmlns:a16="http://schemas.microsoft.com/office/drawing/2014/main" id="{B72372EA-9E1A-11A0-319A-0FC65685A660}"/>
+            </a:ext>
+          </a:extLst>
+        </p:cNvPr>
+        <p:cNvGrpSpPr/>
+        <p:nvPr/>
+      </p:nvGrpSpPr>
+      <p:grpSpPr>
+        <a:xfrm>
+          <a:off x="0" y="0"/>
+          <a:ext cx="0" cy="0"/>
+          <a:chOff x="0" y="0"/>
+          <a:chExt cx="0" cy="0"/>
+        </a:xfrm>
+      </p:grpSpPr>
+      <p:sp>
+        <p:nvSpPr>
+          <p:cNvPr id="7" name="Title 6">
+            <a:extLst>
+              <a:ext uri="{FF2B5EF4-FFF2-40B4-BE49-F238E27FC236}">
+                <a16:creationId xmlns:a16="http://schemas.microsoft.com/office/drawing/2014/main" id="{B62A0D73-C733-7654-3711-4A9C773C4E1A}"/>
+              </a:ext>
+            </a:extLst>
+          </p:cNvPr>
+          <p:cNvSpPr>
+            <a:spLocks noGrp="1"/>
+          </p:cNvSpPr>
+          <p:nvPr>
+            <p:ph type="title"/>
+          </p:nvPr>
+        </p:nvSpPr>
+        <p:spPr>
+          <a:xfrm>
+            <a:off x="408076" y="1067525"/>
+            <a:ext cx="10587038" cy="1477328"/>
+          </a:xfrm>
+        </p:spPr>
+        <p:txBody>
+          <a:bodyPr/>
+          <a:lstStyle/>
+          <a:p>
+            <a:r>
+              <a:rPr lang="en-GB" sz="3200" dirty="0"/>
+              <a:t>Visualize ISI Effects before Equalization</a:t>
+            </a:r>
+            <a:br>
+              <a:rPr lang="en-GB" sz="3200" dirty="0"/>
+            </a:br>
+            <a:br>
+              <a:rPr lang="en-GB" sz="3200" dirty="0"/>
+            </a:br>
+            <a:endParaRPr lang="de-CH" sz="3200" dirty="0"/>
+          </a:p>
+        </p:txBody>
+      </p:sp>
+      <p:sp>
+        <p:nvSpPr>
+          <p:cNvPr id="4" name="Date Placeholder 3">
+            <a:extLst>
+              <a:ext uri="{FF2B5EF4-FFF2-40B4-BE49-F238E27FC236}">
+                <a16:creationId xmlns:a16="http://schemas.microsoft.com/office/drawing/2014/main" id="{C08F8C2E-D960-7CD2-01D6-C0F4C12EED62}"/>
+              </a:ext>
+            </a:extLst>
+          </p:cNvPr>
+          <p:cNvSpPr>
+            <a:spLocks noGrp="1"/>
+          </p:cNvSpPr>
+          <p:nvPr>
+            <p:ph type="dt" sz="half" idx="10"/>
+          </p:nvPr>
+        </p:nvSpPr>
+        <p:spPr/>
+        <p:txBody>
+          <a:bodyPr/>
+          <a:lstStyle/>
+          <a:p>
+            <a:fld id="{3CAC52EE-1A92-4CB4-BCAA-EDE3CF50CF3F}" type="datetime1">
+              <a:rPr lang="de-DE" smtClean="0"/>
+              <a:t>05.07.2025</a:t>
+            </a:fld>
+            <a:endParaRPr lang="de-CH" dirty="0"/>
+          </a:p>
+        </p:txBody>
+      </p:sp>
+      <p:sp>
+        <p:nvSpPr>
+          <p:cNvPr id="5" name="Footer Placeholder 4">
+            <a:extLst>
+              <a:ext uri="{FF2B5EF4-FFF2-40B4-BE49-F238E27FC236}">
+                <a16:creationId xmlns:a16="http://schemas.microsoft.com/office/drawing/2014/main" id="{E8777D9D-BEDD-9B70-EBB2-02B288CC0C33}"/>
+              </a:ext>
+            </a:extLst>
+          </p:cNvPr>
+          <p:cNvSpPr>
+            <a:spLocks noGrp="1"/>
+          </p:cNvSpPr>
+          <p:nvPr>
+            <p:ph type="ftr" sz="quarter" idx="11"/>
+          </p:nvPr>
+        </p:nvSpPr>
+        <p:spPr/>
+        <p:txBody>
+          <a:bodyPr/>
+          <a:lstStyle/>
+          <a:p>
+            <a:r>
+              <a:rPr lang="en-US"/>
+              <a:t>Institute For Sensor and Electronics</a:t>
+            </a:r>
+            <a:endParaRPr lang="de-CH" dirty="0"/>
+          </a:p>
+        </p:txBody>
+      </p:sp>
+      <p:sp>
+        <p:nvSpPr>
+          <p:cNvPr id="6" name="Slide Number Placeholder 5">
+            <a:extLst>
+              <a:ext uri="{FF2B5EF4-FFF2-40B4-BE49-F238E27FC236}">
+                <a16:creationId xmlns:a16="http://schemas.microsoft.com/office/drawing/2014/main" id="{4BA93A9B-FABB-70F9-7A18-1BADC5FAF271}"/>
+              </a:ext>
+            </a:extLst>
+          </p:cNvPr>
+          <p:cNvSpPr>
+            <a:spLocks noGrp="1"/>
+          </p:cNvSpPr>
+          <p:nvPr>
+            <p:ph type="sldNum" sz="quarter" idx="12"/>
+          </p:nvPr>
+        </p:nvSpPr>
+        <p:spPr/>
+        <p:txBody>
+          <a:bodyPr/>
+          <a:lstStyle/>
+          <a:p>
+            <a:fld id="{442AD375-037F-43D0-B059-5172DA06796A}" type="slidenum">
+              <a:rPr lang="de-CH" smtClean="0"/>
+              <a:pPr/>
+              <a:t>8</a:t>
+            </a:fld>
+            <a:endParaRPr lang="de-CH" dirty="0"/>
+          </a:p>
+        </p:txBody>
+      </p:sp>
+      <p:sp>
+        <p:nvSpPr>
+          <p:cNvPr id="8" name="Textfeld 7">
+            <a:extLst>
+              <a:ext uri="{FF2B5EF4-FFF2-40B4-BE49-F238E27FC236}">
+                <a16:creationId xmlns:a16="http://schemas.microsoft.com/office/drawing/2014/main" id="{716BBB1F-8158-B5FB-DDB7-4CE4867B0895}"/>
+              </a:ext>
+            </a:extLst>
+          </p:cNvPr>
+          <p:cNvSpPr txBox="1"/>
+          <p:nvPr/>
+        </p:nvSpPr>
+        <p:spPr>
+          <a:xfrm flipH="1">
+            <a:off x="408076" y="1916832"/>
+            <a:ext cx="7658635" cy="1107996"/>
+          </a:xfrm>
+          <a:prstGeom prst="rect">
+            <a:avLst/>
+          </a:prstGeom>
+          <a:noFill/>
+        </p:spPr>
+        <p:txBody>
+          <a:bodyPr wrap="square" lIns="0" tIns="0" rIns="0" bIns="0" rtlCol="0">
+            <a:spAutoFit/>
+          </a:bodyPr>
+          <a:lstStyle/>
+          <a:p>
+            <a:pPr marL="285750" indent="-285750">
+              <a:buFont typeface="Arial" panose="020B0604020202020204" pitchFamily="34" charset="0"/>
+              <a:buChar char="•"/>
+            </a:pPr>
+            <a:endParaRPr lang="de-CH" dirty="0"/>
+          </a:p>
+          <a:p>
+            <a:endParaRPr lang="de-CH" dirty="0"/>
+          </a:p>
+          <a:p>
+            <a:pPr marL="285750" indent="-285750">
+              <a:buFont typeface="Arial" panose="020B0604020202020204" pitchFamily="34" charset="0"/>
+              <a:buChar char="•"/>
+            </a:pPr>
+            <a:endParaRPr lang="de-CH" dirty="0"/>
+          </a:p>
+          <a:p>
+            <a:pPr marL="285750" indent="-285750">
+              <a:buFont typeface="Arial" panose="020B0604020202020204" pitchFamily="34" charset="0"/>
+              <a:buChar char="•"/>
+            </a:pPr>
+            <a:endParaRPr lang="de-CH" dirty="0"/>
+          </a:p>
+        </p:txBody>
+      </p:sp>
+      <p:pic>
+        <p:nvPicPr>
+          <p:cNvPr id="10" name="Grafik 9">
+            <a:extLst>
+              <a:ext uri="{FF2B5EF4-FFF2-40B4-BE49-F238E27FC236}">
+                <a16:creationId xmlns:a16="http://schemas.microsoft.com/office/drawing/2014/main" id="{9D247208-FE86-4DBD-485A-3A175ABE7AC5}"/>
+              </a:ext>
+            </a:extLst>
+          </p:cNvPr>
+          <p:cNvPicPr>
+            <a:picLocks noChangeAspect="1"/>
+          </p:cNvPicPr>
+          <p:nvPr/>
+        </p:nvPicPr>
+        <p:blipFill>
+          <a:blip r:embed="rId3"/>
+          <a:stretch>
+            <a:fillRect/>
+          </a:stretch>
+        </p:blipFill>
+        <p:spPr>
+          <a:xfrm>
+            <a:off x="2413439" y="1724612"/>
+            <a:ext cx="3178506" cy="2473435"/>
+          </a:xfrm>
+          <a:prstGeom prst="rect">
+            <a:avLst/>
+          </a:prstGeom>
+        </p:spPr>
+      </p:pic>
+      <p:pic>
+        <p:nvPicPr>
+          <p:cNvPr id="12" name="Grafik 11">
+            <a:extLst>
+              <a:ext uri="{FF2B5EF4-FFF2-40B4-BE49-F238E27FC236}">
+                <a16:creationId xmlns:a16="http://schemas.microsoft.com/office/drawing/2014/main" id="{09566A10-2EF5-3849-5B7E-976A467A558D}"/>
+              </a:ext>
+            </a:extLst>
+          </p:cNvPr>
+          <p:cNvPicPr>
+            <a:picLocks noChangeAspect="1"/>
+          </p:cNvPicPr>
+          <p:nvPr/>
+        </p:nvPicPr>
+        <p:blipFill>
+          <a:blip r:embed="rId4"/>
+          <a:stretch>
+            <a:fillRect/>
+          </a:stretch>
+        </p:blipFill>
+        <p:spPr>
+          <a:xfrm>
+            <a:off x="5879976" y="1724612"/>
+            <a:ext cx="3178506" cy="2473435"/>
+          </a:xfrm>
+          <a:prstGeom prst="rect">
+            <a:avLst/>
+          </a:prstGeom>
+        </p:spPr>
+      </p:pic>
+      <p:pic>
+        <p:nvPicPr>
+          <p:cNvPr id="14" name="Grafik 13">
+            <a:extLst>
+              <a:ext uri="{FF2B5EF4-FFF2-40B4-BE49-F238E27FC236}">
+                <a16:creationId xmlns:a16="http://schemas.microsoft.com/office/drawing/2014/main" id="{B9E82D45-D41D-E639-7490-CFA28666206A}"/>
+              </a:ext>
+            </a:extLst>
+          </p:cNvPr>
+          <p:cNvPicPr>
+            <a:picLocks noChangeAspect="1"/>
+          </p:cNvPicPr>
+          <p:nvPr/>
+        </p:nvPicPr>
+        <p:blipFill>
+          <a:blip r:embed="rId5"/>
+          <a:stretch>
+            <a:fillRect/>
+          </a:stretch>
+        </p:blipFill>
+        <p:spPr>
+          <a:xfrm>
+            <a:off x="2413440" y="4272108"/>
+            <a:ext cx="3178506" cy="2463748"/>
+          </a:xfrm>
+          <a:prstGeom prst="rect">
+            <a:avLst/>
+          </a:prstGeom>
+        </p:spPr>
+      </p:pic>
+      <p:pic>
+        <p:nvPicPr>
+          <p:cNvPr id="16" name="Grafik 15">
+            <a:extLst>
+              <a:ext uri="{FF2B5EF4-FFF2-40B4-BE49-F238E27FC236}">
+                <a16:creationId xmlns:a16="http://schemas.microsoft.com/office/drawing/2014/main" id="{16221419-2D25-57FE-0A1B-BEA36BF26986}"/>
+              </a:ext>
+            </a:extLst>
+          </p:cNvPr>
+          <p:cNvPicPr>
+            <a:picLocks noChangeAspect="1"/>
+          </p:cNvPicPr>
+          <p:nvPr/>
+        </p:nvPicPr>
+        <p:blipFill>
+          <a:blip r:embed="rId6"/>
+          <a:stretch>
+            <a:fillRect/>
+          </a:stretch>
+        </p:blipFill>
+        <p:spPr>
+          <a:xfrm>
+            <a:off x="5879976" y="4272108"/>
+            <a:ext cx="3178506" cy="2463748"/>
+          </a:xfrm>
+          <a:prstGeom prst="rect">
+            <a:avLst/>
+          </a:prstGeom>
+        </p:spPr>
+      </p:pic>
+    </p:spTree>
+    <p:extLst>
+      <p:ext uri="{BB962C8B-B14F-4D97-AF65-F5344CB8AC3E}">
+        <p14:creationId xmlns:p14="http://schemas.microsoft.com/office/powerpoint/2010/main" val="1871216793"/>
+      </p:ext>
+    </p:extLst>
+  </p:cSld>
+  <p:clrMapOvr>
+    <a:masterClrMapping/>
+  </p:clrMapOvr>
+</p:sld>
+</file>
+
+<file path=ppt/slides/slide9.xml><?xml version="1.0" encoding="utf-8"?>
+<p:sld xmlns:a="http://schemas.openxmlformats.org/drawingml/2006/main" xmlns:r="http://schemas.openxmlformats.org/officeDocument/2006/relationships" xmlns:p="http://schemas.openxmlformats.org/presentationml/2006/main">
+  <p:cSld>
+    <p:spTree>
+      <p:nvGrpSpPr>
+        <p:cNvPr id="1" name="">
+          <a:extLst>
+            <a:ext uri="{FF2B5EF4-FFF2-40B4-BE49-F238E27FC236}">
+              <a16:creationId xmlns:a16="http://schemas.microsoft.com/office/drawing/2014/main" id="{EA951C52-C69C-7B19-AC0C-EB445948F56C}"/>
+            </a:ext>
+          </a:extLst>
+        </p:cNvPr>
+        <p:cNvGrpSpPr/>
+        <p:nvPr/>
+      </p:nvGrpSpPr>
+      <p:grpSpPr>
+        <a:xfrm>
+          <a:off x="0" y="0"/>
+          <a:ext cx="0" cy="0"/>
+          <a:chOff x="0" y="0"/>
+          <a:chExt cx="0" cy="0"/>
+        </a:xfrm>
+      </p:grpSpPr>
+      <p:sp>
+        <p:nvSpPr>
+          <p:cNvPr id="7" name="Title 6">
+            <a:extLst>
+              <a:ext uri="{FF2B5EF4-FFF2-40B4-BE49-F238E27FC236}">
+                <a16:creationId xmlns:a16="http://schemas.microsoft.com/office/drawing/2014/main" id="{C218BC62-F1A3-BD94-AD66-1CFB277B0A81}"/>
+              </a:ext>
+            </a:extLst>
+          </p:cNvPr>
+          <p:cNvSpPr>
+            <a:spLocks noGrp="1"/>
+          </p:cNvSpPr>
+          <p:nvPr>
+            <p:ph type="title"/>
+          </p:nvPr>
+        </p:nvSpPr>
+        <p:spPr>
+          <a:xfrm>
+            <a:off x="408076" y="1067525"/>
+            <a:ext cx="10587038" cy="1477328"/>
+          </a:xfrm>
+        </p:spPr>
+        <p:txBody>
+          <a:bodyPr/>
+          <a:lstStyle/>
+          <a:p>
+            <a:r>
+              <a:rPr lang="en-GB" sz="3200" dirty="0"/>
+              <a:t>Decision Feedback Equalizer Implementation</a:t>
+            </a:r>
+            <a:br>
+              <a:rPr lang="en-GB" sz="3200" dirty="0"/>
+            </a:br>
+            <a:br>
+              <a:rPr lang="en-GB" sz="3200" dirty="0"/>
+            </a:br>
+            <a:endParaRPr lang="de-CH" sz="3200" dirty="0"/>
+          </a:p>
+        </p:txBody>
+      </p:sp>
+      <p:sp>
+        <p:nvSpPr>
+          <p:cNvPr id="4" name="Date Placeholder 3">
+            <a:extLst>
+              <a:ext uri="{FF2B5EF4-FFF2-40B4-BE49-F238E27FC236}">
+                <a16:creationId xmlns:a16="http://schemas.microsoft.com/office/drawing/2014/main" id="{3BC1F219-3011-4568-CC05-49BD8F86665B}"/>
+              </a:ext>
+            </a:extLst>
+          </p:cNvPr>
+          <p:cNvSpPr>
+            <a:spLocks noGrp="1"/>
+          </p:cNvSpPr>
+          <p:nvPr>
+            <p:ph type="dt" sz="half" idx="10"/>
+          </p:nvPr>
+        </p:nvSpPr>
+        <p:spPr/>
+        <p:txBody>
+          <a:bodyPr/>
+          <a:lstStyle/>
+          <a:p>
+            <a:fld id="{3CAC52EE-1A92-4CB4-BCAA-EDE3CF50CF3F}" type="datetime1">
+              <a:rPr lang="de-DE" smtClean="0"/>
+              <a:t>05.07.2025</a:t>
+            </a:fld>
+            <a:endParaRPr lang="de-CH" dirty="0"/>
+          </a:p>
+        </p:txBody>
+      </p:sp>
+      <p:sp>
+        <p:nvSpPr>
+          <p:cNvPr id="5" name="Footer Placeholder 4">
+            <a:extLst>
+              <a:ext uri="{FF2B5EF4-FFF2-40B4-BE49-F238E27FC236}">
+                <a16:creationId xmlns:a16="http://schemas.microsoft.com/office/drawing/2014/main" id="{82F30C77-32F7-8C58-B830-8E87FA149003}"/>
+              </a:ext>
+            </a:extLst>
+          </p:cNvPr>
+          <p:cNvSpPr>
+            <a:spLocks noGrp="1"/>
+          </p:cNvSpPr>
+          <p:nvPr>
+            <p:ph type="ftr" sz="quarter" idx="11"/>
+          </p:nvPr>
+        </p:nvSpPr>
+        <p:spPr/>
+        <p:txBody>
+          <a:bodyPr/>
+          <a:lstStyle/>
+          <a:p>
+            <a:r>
+              <a:rPr lang="en-US"/>
+              <a:t>Institute For Sensor and Electronics</a:t>
+            </a:r>
+            <a:endParaRPr lang="de-CH" dirty="0"/>
+          </a:p>
+        </p:txBody>
+      </p:sp>
+      <p:sp>
+        <p:nvSpPr>
+          <p:cNvPr id="6" name="Slide Number Placeholder 5">
+            <a:extLst>
+              <a:ext uri="{FF2B5EF4-FFF2-40B4-BE49-F238E27FC236}">
+                <a16:creationId xmlns:a16="http://schemas.microsoft.com/office/drawing/2014/main" id="{A12F7133-1DD3-904D-8D54-6F877CA0FEA5}"/>
+              </a:ext>
+            </a:extLst>
+          </p:cNvPr>
+          <p:cNvSpPr>
+            <a:spLocks noGrp="1"/>
+          </p:cNvSpPr>
+          <p:nvPr>
+            <p:ph type="sldNum" sz="quarter" idx="12"/>
+          </p:nvPr>
+        </p:nvSpPr>
+        <p:spPr/>
+        <p:txBody>
+          <a:bodyPr/>
+          <a:lstStyle/>
+          <a:p>
+            <a:fld id="{442AD375-037F-43D0-B059-5172DA06796A}" type="slidenum">
+              <a:rPr lang="de-CH" smtClean="0"/>
+              <a:pPr/>
+              <a:t>9</a:t>
+            </a:fld>
+            <a:endParaRPr lang="de-CH" dirty="0"/>
+          </a:p>
+        </p:txBody>
+      </p:sp>
+      <p:sp>
+        <p:nvSpPr>
+          <p:cNvPr id="8" name="Textfeld 7">
+            <a:extLst>
+              <a:ext uri="{FF2B5EF4-FFF2-40B4-BE49-F238E27FC236}">
+                <a16:creationId xmlns:a16="http://schemas.microsoft.com/office/drawing/2014/main" id="{549C3B8C-6CC4-2733-3327-A595E4F03CA7}"/>
+              </a:ext>
+            </a:extLst>
+          </p:cNvPr>
+          <p:cNvSpPr txBox="1"/>
+          <p:nvPr/>
+        </p:nvSpPr>
+        <p:spPr>
+          <a:xfrm flipH="1">
+            <a:off x="408076" y="1916832"/>
+            <a:ext cx="7658635" cy="1107996"/>
+          </a:xfrm>
+          <a:prstGeom prst="rect">
+            <a:avLst/>
+          </a:prstGeom>
+          <a:noFill/>
+        </p:spPr>
+        <p:txBody>
+          <a:bodyPr wrap="square" lIns="0" tIns="0" rIns="0" bIns="0" rtlCol="0">
+            <a:spAutoFit/>
+          </a:bodyPr>
+          <a:lstStyle/>
+          <a:p>
+            <a:pPr marL="285750" indent="-285750">
+              <a:buFont typeface="Arial" panose="020B0604020202020204" pitchFamily="34" charset="0"/>
+              <a:buChar char="•"/>
+            </a:pPr>
+            <a:endParaRPr lang="de-CH" dirty="0"/>
+          </a:p>
+          <a:p>
+            <a:endParaRPr lang="de-CH" dirty="0"/>
+          </a:p>
+          <a:p>
+            <a:pPr marL="285750" indent="-285750">
+              <a:buFont typeface="Arial" panose="020B0604020202020204" pitchFamily="34" charset="0"/>
+              <a:buChar char="•"/>
+            </a:pPr>
+            <a:endParaRPr lang="de-CH" dirty="0"/>
+          </a:p>
+          <a:p>
+            <a:pPr marL="285750" indent="-285750">
+              <a:buFont typeface="Arial" panose="020B0604020202020204" pitchFamily="34" charset="0"/>
+              <a:buChar char="•"/>
+            </a:pPr>
+            <a:endParaRPr lang="de-CH" dirty="0"/>
+          </a:p>
+        </p:txBody>
+      </p:sp>
+      <p:pic>
+        <p:nvPicPr>
+          <p:cNvPr id="9" name="Grafik 8">
+            <a:extLst>
+              <a:ext uri="{FF2B5EF4-FFF2-40B4-BE49-F238E27FC236}">
+                <a16:creationId xmlns:a16="http://schemas.microsoft.com/office/drawing/2014/main" id="{CF25087F-2284-6D7E-9529-81309BAAE88A}"/>
+              </a:ext>
+            </a:extLst>
+          </p:cNvPr>
+          <p:cNvPicPr>
+            <a:picLocks noChangeAspect="1"/>
+          </p:cNvPicPr>
+          <p:nvPr/>
+        </p:nvPicPr>
+        <p:blipFill>
+          <a:blip r:embed="rId3"/>
+          <a:stretch>
+            <a:fillRect/>
+          </a:stretch>
+        </p:blipFill>
+        <p:spPr>
+          <a:xfrm>
+            <a:off x="5244539" y="2412722"/>
+            <a:ext cx="5688632" cy="2840902"/>
+          </a:xfrm>
+          <a:prstGeom prst="rect">
+            <a:avLst/>
+          </a:prstGeom>
+        </p:spPr>
+      </p:pic>
+      <p:pic>
+        <p:nvPicPr>
+          <p:cNvPr id="10" name="Grafik 9">
+            <a:extLst>
+              <a:ext uri="{FF2B5EF4-FFF2-40B4-BE49-F238E27FC236}">
+                <a16:creationId xmlns:a16="http://schemas.microsoft.com/office/drawing/2014/main" id="{CAE49582-11E3-B816-88E1-7E56F472A105}"/>
+              </a:ext>
+            </a:extLst>
+          </p:cNvPr>
+          <p:cNvPicPr>
+            <a:picLocks noChangeAspect="1"/>
+          </p:cNvPicPr>
+          <p:nvPr/>
+        </p:nvPicPr>
+        <p:blipFill>
+          <a:blip r:embed="rId4"/>
+          <a:stretch>
+            <a:fillRect/>
+          </a:stretch>
+        </p:blipFill>
+        <p:spPr>
+          <a:xfrm>
+            <a:off x="430220" y="1923680"/>
+            <a:ext cx="4304721" cy="4066515"/>
+          </a:xfrm>
+          <a:prstGeom prst="rect">
+            <a:avLst/>
+          </a:prstGeom>
+        </p:spPr>
+      </p:pic>
+      <p:cxnSp>
+        <p:nvCxnSpPr>
+          <p:cNvPr id="12" name="Gerade Verbindung mit Pfeil 11">
+            <a:extLst>
+              <a:ext uri="{FF2B5EF4-FFF2-40B4-BE49-F238E27FC236}">
+                <a16:creationId xmlns:a16="http://schemas.microsoft.com/office/drawing/2014/main" id="{0F9D8214-2F8A-EB24-96D8-1215AEEE8FF5}"/>
+              </a:ext>
+            </a:extLst>
+          </p:cNvPr>
+          <p:cNvCxnSpPr/>
+          <p:nvPr/>
+        </p:nvCxnSpPr>
+        <p:spPr>
+          <a:xfrm flipV="1">
+            <a:off x="2855640" y="4221088"/>
+            <a:ext cx="4248472" cy="576064"/>
+          </a:xfrm>
+          <a:prstGeom prst="straightConnector1">
+            <a:avLst/>
+          </a:prstGeom>
+          <a:ln>
+            <a:tailEnd type="triangle"/>
+          </a:ln>
+        </p:spPr>
+        <p:style>
+          <a:lnRef idx="3">
+            <a:schemeClr val="accent2"/>
+          </a:lnRef>
+          <a:fillRef idx="0">
+            <a:schemeClr val="accent2"/>
+          </a:fillRef>
+          <a:effectRef idx="2">
+            <a:schemeClr val="accent2"/>
+          </a:effectRef>
+          <a:fontRef idx="minor">
+            <a:schemeClr val="tx1"/>
+          </a:fontRef>
+        </p:style>
+      </p:cxnSp>
+      <p:cxnSp>
+        <p:nvCxnSpPr>
+          <p:cNvPr id="13" name="Gerade Verbindung mit Pfeil 12">
+            <a:extLst>
+              <a:ext uri="{FF2B5EF4-FFF2-40B4-BE49-F238E27FC236}">
+                <a16:creationId xmlns:a16="http://schemas.microsoft.com/office/drawing/2014/main" id="{8384266C-0BBD-194C-1FE8-C1802227FD03}"/>
+              </a:ext>
+            </a:extLst>
+          </p:cNvPr>
+          <p:cNvCxnSpPr>
+            <a:cxnSpLocks/>
+          </p:cNvCxnSpPr>
+          <p:nvPr/>
+        </p:nvCxnSpPr>
+        <p:spPr>
+          <a:xfrm flipV="1">
+            <a:off x="2793697" y="4869160"/>
+            <a:ext cx="4454431" cy="88339"/>
+          </a:xfrm>
+          <a:prstGeom prst="straightConnector1">
+            <a:avLst/>
+          </a:prstGeom>
+          <a:ln>
+            <a:tailEnd type="triangle"/>
+          </a:ln>
+        </p:spPr>
+        <p:style>
+          <a:lnRef idx="3">
+            <a:schemeClr val="accent2"/>
+          </a:lnRef>
+          <a:fillRef idx="0">
+            <a:schemeClr val="accent2"/>
+          </a:fillRef>
+          <a:effectRef idx="2">
+            <a:schemeClr val="accent2"/>
+          </a:effectRef>
+          <a:fontRef idx="minor">
+            <a:schemeClr val="tx1"/>
+          </a:fontRef>
+        </p:style>
+      </p:cxnSp>
+      <p:cxnSp>
+        <p:nvCxnSpPr>
+          <p:cNvPr id="15" name="Gerade Verbindung mit Pfeil 14">
+            <a:extLst>
+              <a:ext uri="{FF2B5EF4-FFF2-40B4-BE49-F238E27FC236}">
+                <a16:creationId xmlns:a16="http://schemas.microsoft.com/office/drawing/2014/main" id="{125ADCFE-1924-F5FD-62E3-B7CC8E2E73AD}"/>
+              </a:ext>
+            </a:extLst>
+          </p:cNvPr>
+          <p:cNvCxnSpPr>
+            <a:cxnSpLocks/>
+          </p:cNvCxnSpPr>
+          <p:nvPr/>
+        </p:nvCxnSpPr>
+        <p:spPr>
+          <a:xfrm flipV="1">
+            <a:off x="3009206" y="3195273"/>
+            <a:ext cx="4526954" cy="569183"/>
+          </a:xfrm>
+          <a:prstGeom prst="straightConnector1">
+            <a:avLst/>
+          </a:prstGeom>
+          <a:ln>
+            <a:solidFill>
+              <a:srgbClr val="00B0F0"/>
+            </a:solidFill>
+            <a:tailEnd type="triangle"/>
+          </a:ln>
+        </p:spPr>
+        <p:style>
+          <a:lnRef idx="3">
+            <a:schemeClr val="accent2"/>
+          </a:lnRef>
+          <a:fillRef idx="0">
+            <a:schemeClr val="accent2"/>
+          </a:fillRef>
+          <a:effectRef idx="2">
+            <a:schemeClr val="accent2"/>
+          </a:effectRef>
+          <a:fontRef idx="minor">
+            <a:schemeClr val="tx1"/>
+          </a:fontRef>
+        </p:style>
+      </p:cxnSp>
+      <p:cxnSp>
+        <p:nvCxnSpPr>
+          <p:cNvPr id="17" name="Gerade Verbindung mit Pfeil 16">
+            <a:extLst>
+              <a:ext uri="{FF2B5EF4-FFF2-40B4-BE49-F238E27FC236}">
+                <a16:creationId xmlns:a16="http://schemas.microsoft.com/office/drawing/2014/main" id="{888F95A7-5768-9212-E699-60222E9D6D4C}"/>
+              </a:ext>
+            </a:extLst>
+          </p:cNvPr>
+          <p:cNvCxnSpPr>
+            <a:cxnSpLocks/>
+          </p:cNvCxnSpPr>
+          <p:nvPr/>
+        </p:nvCxnSpPr>
+        <p:spPr>
+          <a:xfrm flipV="1">
+            <a:off x="4591435" y="3195273"/>
+            <a:ext cx="4168861" cy="690148"/>
+          </a:xfrm>
+          <a:prstGeom prst="straightConnector1">
+            <a:avLst/>
+          </a:prstGeom>
+          <a:ln>
+            <a:solidFill>
+              <a:srgbClr val="00B0F0"/>
+            </a:solidFill>
+            <a:tailEnd type="triangle"/>
+          </a:ln>
+        </p:spPr>
+        <p:style>
+          <a:lnRef idx="3">
+            <a:schemeClr val="accent2"/>
+          </a:lnRef>
+          <a:fillRef idx="0">
+            <a:schemeClr val="accent2"/>
+          </a:fillRef>
+          <a:effectRef idx="2">
+            <a:schemeClr val="accent2"/>
+          </a:effectRef>
+          <a:fontRef idx="minor">
+            <a:schemeClr val="tx1"/>
+          </a:fontRef>
+        </p:style>
+      </p:cxnSp>
+    </p:spTree>
+    <p:extLst>
+      <p:ext uri="{BB962C8B-B14F-4D97-AF65-F5344CB8AC3E}">
+        <p14:creationId xmlns:p14="http://schemas.microsoft.com/office/powerpoint/2010/main" val="3558271545"/>
       </p:ext>
     </p:extLst>
   </p:cSld>
@@ -6835,21 +12443,6 @@
 </file>
 
 <file path=customXml/item1.xml><?xml version="1.0" encoding="utf-8"?>
-<?mso-contentType ?>
-<FormTemplates xmlns="http://schemas.microsoft.com/sharepoint/v3/contenttype/forms">
-  <Display>DocumentLibraryForm</Display>
-  <Edit>DocumentLibraryForm</Edit>
-  <New>DocumentLibraryForm</New>
-</FormTemplates>
-</file>
-
-<file path=customXml/item2.xml><?xml version="1.0" encoding="utf-8"?>
-<p:properties xmlns:p="http://schemas.microsoft.com/office/2006/metadata/properties" xmlns:xsi="http://www.w3.org/2001/XMLSchema-instance" xmlns:pc="http://schemas.microsoft.com/office/infopath/2007/PartnerControls">
-  <documentManagement/>
-</p:properties>
-</file>
-
-<file path=customXml/item3.xml><?xml version="1.0" encoding="utf-8"?>
 <ct:contentTypeSchema xmlns:ct="http://schemas.microsoft.com/office/2006/metadata/contentType" xmlns:ma="http://schemas.microsoft.com/office/2006/metadata/properties/metaAttributes" ct:_="" ma:_="" ma:contentTypeName="Dokument" ma:contentTypeID="0x010100F336E6A137EBA04CAA14C83E6B567E6E" ma:contentTypeVersion="4" ma:contentTypeDescription="Ein neues Dokument erstellen." ma:contentTypeScope="" ma:versionID="506964d69c7fa676f2673ca1c565f571">
   <xsd:schema xmlns:xsd="http://www.w3.org/2001/XMLSchema" xmlns:xs="http://www.w3.org/2001/XMLSchema" xmlns:p="http://schemas.microsoft.com/office/2006/metadata/properties" xmlns:ns2="5019f46e-7630-4c10-8bcc-ae747be1e2f1" targetNamespace="http://schemas.microsoft.com/office/2006/metadata/properties" ma:root="true" ma:fieldsID="6f33e12c5860b9710acc1ab8237e07cc" ns2:_="">
     <xsd:import namespace="5019f46e-7630-4c10-8bcc-ae747be1e2f1"/>
@@ -6993,10 +12586,35 @@
 </ct:contentTypeSchema>
 </file>
 
+<file path=customXml/item2.xml><?xml version="1.0" encoding="utf-8"?>
+<p:properties xmlns:p="http://schemas.microsoft.com/office/2006/metadata/properties" xmlns:xsi="http://www.w3.org/2001/XMLSchema-instance" xmlns:pc="http://schemas.microsoft.com/office/infopath/2007/PartnerControls">
+  <documentManagement/>
+</p:properties>
+</file>
+
+<file path=customXml/item3.xml><?xml version="1.0" encoding="utf-8"?>
+<?mso-contentType ?>
+<FormTemplates xmlns="http://schemas.microsoft.com/sharepoint/v3/contenttype/forms">
+  <Display>DocumentLibraryForm</Display>
+  <Edit>DocumentLibraryForm</Edit>
+  <New>DocumentLibraryForm</New>
+</FormTemplates>
+</file>
+
 <file path=customXml/itemProps1.xml><?xml version="1.0" encoding="utf-8"?>
-<ds:datastoreItem xmlns:ds="http://schemas.openxmlformats.org/officeDocument/2006/customXml" ds:itemID="{4B6B7BE2-63AD-4C37-AC44-F0E4FC348E24}">
+<ds:datastoreItem xmlns:ds="http://schemas.openxmlformats.org/officeDocument/2006/customXml" ds:itemID="{E53FC72E-3252-48C8-88DD-D79C2930A3EF}">
   <ds:schemaRefs>
-    <ds:schemaRef ds:uri="http://schemas.microsoft.com/sharepoint/v3/contenttype/forms"/>
+    <ds:schemaRef ds:uri="http://schemas.microsoft.com/office/2006/metadata/contentType"/>
+    <ds:schemaRef ds:uri="http://schemas.microsoft.com/office/2006/metadata/properties/metaAttributes"/>
+    <ds:schemaRef ds:uri="http://www.w3.org/2001/XMLSchema"/>
+    <ds:schemaRef ds:uri="http://schemas.microsoft.com/office/2006/metadata/properties"/>
+    <ds:schemaRef ds:uri="5019f46e-7630-4c10-8bcc-ae747be1e2f1"/>
+    <ds:schemaRef ds:uri="http://schemas.microsoft.com/office/2006/documentManagement/types"/>
+    <ds:schemaRef ds:uri="http://schemas.microsoft.com/office/infopath/2007/PartnerControls"/>
+    <ds:schemaRef ds:uri="http://schemas.openxmlformats.org/package/2006/metadata/core-properties"/>
+    <ds:schemaRef ds:uri="http://purl.org/dc/elements/1.1/"/>
+    <ds:schemaRef ds:uri="http://purl.org/dc/terms/"/>
+    <ds:schemaRef ds:uri="http://schemas.microsoft.com/internal/obd"/>
   </ds:schemaRefs>
 </ds:datastoreItem>
 </file>
@@ -7019,19 +12637,9 @@
 </file>
 
 <file path=customXml/itemProps3.xml><?xml version="1.0" encoding="utf-8"?>
-<ds:datastoreItem xmlns:ds="http://schemas.openxmlformats.org/officeDocument/2006/customXml" ds:itemID="{E53FC72E-3252-48C8-88DD-D79C2930A3EF}">
+<ds:datastoreItem xmlns:ds="http://schemas.openxmlformats.org/officeDocument/2006/customXml" ds:itemID="{4B6B7BE2-63AD-4C37-AC44-F0E4FC348E24}">
   <ds:schemaRefs>
-    <ds:schemaRef ds:uri="http://schemas.microsoft.com/office/2006/metadata/contentType"/>
-    <ds:schemaRef ds:uri="http://schemas.microsoft.com/office/2006/metadata/properties/metaAttributes"/>
-    <ds:schemaRef ds:uri="http://www.w3.org/2001/XMLSchema"/>
-    <ds:schemaRef ds:uri="http://schemas.microsoft.com/office/2006/metadata/properties"/>
-    <ds:schemaRef ds:uri="5019f46e-7630-4c10-8bcc-ae747be1e2f1"/>
-    <ds:schemaRef ds:uri="http://schemas.microsoft.com/office/2006/documentManagement/types"/>
-    <ds:schemaRef ds:uri="http://schemas.microsoft.com/office/infopath/2007/PartnerControls"/>
-    <ds:schemaRef ds:uri="http://schemas.openxmlformats.org/package/2006/metadata/core-properties"/>
-    <ds:schemaRef ds:uri="http://purl.org/dc/elements/1.1/"/>
-    <ds:schemaRef ds:uri="http://purl.org/dc/terms/"/>
-    <ds:schemaRef ds:uri="http://schemas.microsoft.com/internal/obd"/>
+    <ds:schemaRef ds:uri="http://schemas.microsoft.com/sharepoint/v3/contenttype/forms"/>
   </ds:schemaRefs>
 </ds:datastoreItem>
 </file>